--- a/課題研究/2013/赤松佳紀/ポスター　赤松.pptx
+++ b/課題研究/2013/赤松佳紀/ポスター　赤松.pptx
@@ -373,7 +373,7 @@
           <a:p>
             <a:fld id="{CD18CB5A-6947-405F-A94A-52FF85729738}" type="datetimeFigureOut">
               <a:rPr kumimoji="1" lang="ja-JP" altLang="en-US" smtClean="0"/>
-              <a:t>2013/12/5</a:t>
+              <a:t>2013/12/10</a:t>
             </a:fld>
             <a:endParaRPr kumimoji="1" lang="ja-JP" altLang="en-US"/>
           </a:p>
@@ -1016,7 +1016,7 @@
           <a:p>
             <a:fld id="{CD18CB5A-6947-405F-A94A-52FF85729738}" type="datetimeFigureOut">
               <a:rPr kumimoji="1" lang="ja-JP" altLang="en-US" smtClean="0"/>
-              <a:t>2013/12/5</a:t>
+              <a:t>2013/12/10</a:t>
             </a:fld>
             <a:endParaRPr kumimoji="1" lang="ja-JP" altLang="en-US"/>
           </a:p>
@@ -1230,7 +1230,7 @@
           <a:p>
             <a:fld id="{CD18CB5A-6947-405F-A94A-52FF85729738}" type="datetimeFigureOut">
               <a:rPr kumimoji="1" lang="ja-JP" altLang="en-US" smtClean="0"/>
-              <a:t>2013/12/5</a:t>
+              <a:t>2013/12/10</a:t>
             </a:fld>
             <a:endParaRPr kumimoji="1" lang="ja-JP" altLang="en-US"/>
           </a:p>
@@ -1490,7 +1490,7 @@
           <a:p>
             <a:fld id="{CD18CB5A-6947-405F-A94A-52FF85729738}" type="datetimeFigureOut">
               <a:rPr kumimoji="1" lang="ja-JP" altLang="en-US" smtClean="0"/>
-              <a:t>2013/12/5</a:t>
+              <a:t>2013/12/10</a:t>
             </a:fld>
             <a:endParaRPr kumimoji="1" lang="ja-JP" altLang="en-US"/>
           </a:p>
@@ -1744,7 +1744,7 @@
           <a:p>
             <a:fld id="{CD18CB5A-6947-405F-A94A-52FF85729738}" type="datetimeFigureOut">
               <a:rPr kumimoji="1" lang="ja-JP" altLang="en-US" smtClean="0"/>
-              <a:t>2013/12/5</a:t>
+              <a:t>2013/12/10</a:t>
             </a:fld>
             <a:endParaRPr kumimoji="1" lang="ja-JP" altLang="en-US"/>
           </a:p>
@@ -1868,7 +1868,7 @@
           <a:p>
             <a:fld id="{CD18CB5A-6947-405F-A94A-52FF85729738}" type="datetimeFigureOut">
               <a:rPr kumimoji="1" lang="ja-JP" altLang="en-US" smtClean="0"/>
-              <a:t>2013/12/5</a:t>
+              <a:t>2013/12/10</a:t>
             </a:fld>
             <a:endParaRPr kumimoji="1" lang="ja-JP" altLang="en-US"/>
           </a:p>
@@ -2304,7 +2304,7 @@
           <a:p>
             <a:fld id="{CD18CB5A-6947-405F-A94A-52FF85729738}" type="datetimeFigureOut">
               <a:rPr kumimoji="1" lang="ja-JP" altLang="en-US" smtClean="0"/>
-              <a:t>2013/12/5</a:t>
+              <a:t>2013/12/10</a:t>
             </a:fld>
             <a:endParaRPr kumimoji="1" lang="ja-JP" altLang="en-US"/>
           </a:p>
@@ -2606,7 +2606,7 @@
           <a:p>
             <a:fld id="{CD18CB5A-6947-405F-A94A-52FF85729738}" type="datetimeFigureOut">
               <a:rPr kumimoji="1" lang="ja-JP" altLang="en-US" smtClean="0"/>
-              <a:t>2013/12/5</a:t>
+              <a:t>2013/12/10</a:t>
             </a:fld>
             <a:endParaRPr kumimoji="1" lang="ja-JP" altLang="en-US"/>
           </a:p>
@@ -2703,7 +2703,7 @@
           <a:p>
             <a:fld id="{CD18CB5A-6947-405F-A94A-52FF85729738}" type="datetimeFigureOut">
               <a:rPr kumimoji="1" lang="ja-JP" altLang="en-US" smtClean="0"/>
-              <a:t>2013/12/5</a:t>
+              <a:t>2013/12/10</a:t>
             </a:fld>
             <a:endParaRPr kumimoji="1" lang="ja-JP" altLang="en-US"/>
           </a:p>
@@ -3001,7 +3001,7 @@
           <a:p>
             <a:fld id="{CD18CB5A-6947-405F-A94A-52FF85729738}" type="datetimeFigureOut">
               <a:rPr kumimoji="1" lang="ja-JP" altLang="en-US" smtClean="0"/>
-              <a:t>2013/12/5</a:t>
+              <a:t>2013/12/10</a:t>
             </a:fld>
             <a:endParaRPr kumimoji="1" lang="ja-JP" altLang="en-US"/>
           </a:p>
@@ -3272,7 +3272,7 @@
           <a:p>
             <a:fld id="{CD18CB5A-6947-405F-A94A-52FF85729738}" type="datetimeFigureOut">
               <a:rPr kumimoji="1" lang="ja-JP" altLang="en-US" smtClean="0"/>
-              <a:t>2013/12/5</a:t>
+              <a:t>2013/12/10</a:t>
             </a:fld>
             <a:endParaRPr kumimoji="1" lang="ja-JP" altLang="en-US"/>
           </a:p>
@@ -3845,7 +3845,7 @@
           <a:p>
             <a:fld id="{CD18CB5A-6947-405F-A94A-52FF85729738}" type="datetimeFigureOut">
               <a:rPr kumimoji="1" lang="ja-JP" altLang="en-US" smtClean="0"/>
-              <a:t>2013/12/5</a:t>
+              <a:t>2013/12/10</a:t>
             </a:fld>
             <a:endParaRPr kumimoji="1" lang="ja-JP" altLang="en-US"/>
           </a:p>
@@ -4363,17 +4363,7 @@
                 <a:latin typeface="Adobe Heiti Std R" pitchFamily="34" charset="-128"/>
                 <a:ea typeface="Adobe Heiti Std R" pitchFamily="34" charset="-128"/>
               </a:rPr>
-              <a:t>スマートフォンアプリに関する</a:t>
-            </a:r>
-            <a:r>
-              <a:rPr lang="ja-JP" altLang="en-US" sz="7200" b="1" dirty="0" smtClean="0">
-                <a:solidFill>
-                  <a:srgbClr val="0070C0"/>
-                </a:solidFill>
-                <a:latin typeface="Adobe Heiti Std R" pitchFamily="34" charset="-128"/>
-                <a:ea typeface="Adobe Heiti Std R" pitchFamily="34" charset="-128"/>
-              </a:rPr>
-              <a:t>研究</a:t>
+              <a:t>スマートフォンアプリに関する研究</a:t>
             </a:r>
             <a:endParaRPr lang="ja-JP" altLang="en-US" sz="7200" b="1" dirty="0">
               <a:solidFill>
@@ -5334,13 +5324,99 @@
       </p:grpSpPr>
       <p:sp>
         <p:nvSpPr>
+          <p:cNvPr id="19" name="右矢印 18"/>
+          <p:cNvSpPr/>
+          <p:nvPr/>
+        </p:nvSpPr>
+        <p:spPr>
+          <a:xfrm>
+            <a:off x="900312" y="24573035"/>
+            <a:ext cx="14041560" cy="3024336"/>
+          </a:xfrm>
+          <a:prstGeom prst="rightArrow">
+            <a:avLst/>
+          </a:prstGeom>
+          <a:solidFill>
+            <a:srgbClr val="FF9933"/>
+          </a:solidFill>
+        </p:spPr>
+        <p:style>
+          <a:lnRef idx="2">
+            <a:schemeClr val="accent1">
+              <a:shade val="50000"/>
+            </a:schemeClr>
+          </a:lnRef>
+          <a:fillRef idx="1">
+            <a:schemeClr val="accent1"/>
+          </a:fillRef>
+          <a:effectRef idx="0">
+            <a:schemeClr val="accent1"/>
+          </a:effectRef>
+          <a:fontRef idx="minor">
+            <a:schemeClr val="lt1"/>
+          </a:fontRef>
+        </p:style>
+        <p:txBody>
+          <a:bodyPr rtlCol="0" anchor="ctr"/>
+          <a:lstStyle/>
+          <a:p>
+            <a:pPr algn="ctr"/>
+            <a:endParaRPr kumimoji="1" lang="ja-JP" altLang="en-US"/>
+          </a:p>
+        </p:txBody>
+      </p:sp>
+      <p:sp>
+        <p:nvSpPr>
+          <p:cNvPr id="15" name="正方形/長方形 14"/>
+          <p:cNvSpPr/>
+          <p:nvPr/>
+        </p:nvSpPr>
+        <p:spPr>
+          <a:xfrm>
+            <a:off x="2559948" y="561466"/>
+            <a:ext cx="16345816" cy="1584176"/>
+          </a:xfrm>
+          <a:prstGeom prst="rect">
+            <a:avLst/>
+          </a:prstGeom>
+          <a:solidFill>
+            <a:srgbClr val="F1934D"/>
+          </a:solidFill>
+        </p:spPr>
+        <p:style>
+          <a:lnRef idx="2">
+            <a:schemeClr val="accent1">
+              <a:shade val="50000"/>
+            </a:schemeClr>
+          </a:lnRef>
+          <a:fillRef idx="1">
+            <a:schemeClr val="accent1"/>
+          </a:fillRef>
+          <a:effectRef idx="0">
+            <a:schemeClr val="accent1"/>
+          </a:effectRef>
+          <a:fontRef idx="minor">
+            <a:schemeClr val="lt1"/>
+          </a:fontRef>
+        </p:style>
+        <p:txBody>
+          <a:bodyPr rtlCol="0" anchor="ctr"/>
+          <a:lstStyle/>
+          <a:p>
+            <a:pPr algn="ctr"/>
+            <a:endParaRPr kumimoji="1" lang="ja-JP" altLang="en-US"/>
+          </a:p>
+        </p:txBody>
+      </p:sp>
+      <p:sp>
+        <p:nvSpPr>
           <p:cNvPr id="2" name="テキスト ボックス 1"/>
           <p:cNvSpPr txBox="1"/>
           <p:nvPr/>
         </p:nvSpPr>
         <p:spPr>
           <a:xfrm>
-            <a:off x="900312" y="616104"/>
+            <a:off x="456572" y="13945468"/>
             <a:ext cx="6284093" cy="923330"/>
           </a:xfrm>
           <a:prstGeom prst="rect">
@@ -5384,13 +5460,13 @@
           <p:nvPr>
             <p:extLst>
               <p:ext uri="{D42A27DB-BD31-4B8C-83A1-F6EECF244321}">
-                <p14:modId xmlns:p14="http://schemas.microsoft.com/office/powerpoint/2010/main" val="4262835411"/>
+                <p14:modId xmlns:p14="http://schemas.microsoft.com/office/powerpoint/2010/main" val="2542449974"/>
               </p:ext>
             </p:extLst>
           </p:nvPr>
         </p:nvGraphicFramePr>
         <p:xfrm>
-          <a:off x="1188344" y="3042643"/>
+          <a:off x="1188344" y="16580147"/>
           <a:ext cx="18650073" cy="6048670"/>
         </p:xfrm>
         <a:graphic>
@@ -5470,6 +5546,9 @@
                       <a:headEnd type="none" w="med" len="med"/>
                       <a:tailEnd type="none" w="med" len="med"/>
                     </a:lnB>
+                    <a:solidFill>
+                      <a:srgbClr val="FFC000"/>
+                    </a:solidFill>
                   </a:tcPr>
                 </a:tc>
                 <a:tc>
@@ -5530,6 +5609,9 @@
                       <a:headEnd type="none" w="med" len="med"/>
                       <a:tailEnd type="none" w="med" len="med"/>
                     </a:lnB>
+                    <a:solidFill>
+                      <a:srgbClr val="FFC000"/>
+                    </a:solidFill>
                   </a:tcPr>
                 </a:tc>
                 <a:tc>
@@ -5590,6 +5672,9 @@
                       <a:headEnd type="none" w="med" len="med"/>
                       <a:tailEnd type="none" w="med" len="med"/>
                     </a:lnB>
+                    <a:solidFill>
+                      <a:srgbClr val="FFC000"/>
+                    </a:solidFill>
                   </a:tcPr>
                 </a:tc>
               </a:tr>
@@ -5888,6 +5973,9 @@
                       <a:headEnd type="none" w="med" len="med"/>
                       <a:tailEnd type="none" w="med" len="med"/>
                     </a:lnB>
+                    <a:solidFill>
+                      <a:srgbClr val="FFC000"/>
+                    </a:solidFill>
                   </a:tcPr>
                 </a:tc>
                 <a:tc>
@@ -5948,6 +6036,9 @@
                       <a:headEnd type="none" w="med" len="med"/>
                       <a:tailEnd type="none" w="med" len="med"/>
                     </a:lnB>
+                    <a:solidFill>
+                      <a:srgbClr val="FFC000"/>
+                    </a:solidFill>
                   </a:tcPr>
                 </a:tc>
                 <a:tc>
@@ -6063,6 +6154,9 @@
                       <a:headEnd type="none" w="med" len="med"/>
                       <a:tailEnd type="none" w="med" len="med"/>
                     </a:lnB>
+                    <a:solidFill>
+                      <a:srgbClr val="FFC000"/>
+                    </a:solidFill>
                   </a:tcPr>
                 </a:tc>
               </a:tr>
@@ -6325,6 +6419,9 @@
                       <a:headEnd type="none" w="med" len="med"/>
                       <a:tailEnd type="none" w="med" len="med"/>
                     </a:lnB>
+                    <a:solidFill>
+                      <a:srgbClr val="FFC000"/>
+                    </a:solidFill>
                   </a:tcPr>
                 </a:tc>
                 <a:tc>
@@ -6385,6 +6482,9 @@
                       <a:headEnd type="none" w="med" len="med"/>
                       <a:tailEnd type="none" w="med" len="med"/>
                     </a:lnB>
+                    <a:solidFill>
+                      <a:srgbClr val="FFC000"/>
+                    </a:solidFill>
                   </a:tcPr>
                 </a:tc>
                 <a:tc>
@@ -6469,6 +6569,9 @@
                       <a:headEnd type="none" w="med" len="med"/>
                       <a:tailEnd type="none" w="med" len="med"/>
                     </a:lnB>
+                    <a:solidFill>
+                      <a:srgbClr val="FFC000"/>
+                    </a:solidFill>
                   </a:tcPr>
                 </a:tc>
               </a:tr>
@@ -6705,7 +6808,7 @@
         </p:nvSpPr>
         <p:spPr>
           <a:xfrm>
-            <a:off x="1632083" y="2178546"/>
+            <a:off x="1188344" y="15428019"/>
             <a:ext cx="4820550" cy="584775"/>
           </a:xfrm>
           <a:prstGeom prst="rect">
@@ -6730,400 +6833,6 @@
               <a:latin typeface="+mj-ea"/>
               <a:ea typeface="+mj-ea"/>
             </a:endParaRPr>
-          </a:p>
-        </p:txBody>
-      </p:sp>
-      <p:sp>
-        <p:nvSpPr>
-          <p:cNvPr id="6" name="爆発 1 5"/>
-          <p:cNvSpPr/>
-          <p:nvPr/>
-        </p:nvSpPr>
-        <p:spPr>
-          <a:xfrm rot="21148374">
-            <a:off x="3850162" y="8169889"/>
-            <a:ext cx="14833648" cy="4824536"/>
-          </a:xfrm>
-          <a:prstGeom prst="irregularSeal1">
-            <a:avLst/>
-          </a:prstGeom>
-          <a:solidFill>
-            <a:srgbClr val="FF9933"/>
-          </a:solidFill>
-        </p:spPr>
-        <p:style>
-          <a:lnRef idx="2">
-            <a:schemeClr val="accent1">
-              <a:shade val="50000"/>
-            </a:schemeClr>
-          </a:lnRef>
-          <a:fillRef idx="1">
-            <a:schemeClr val="accent1"/>
-          </a:fillRef>
-          <a:effectRef idx="0">
-            <a:schemeClr val="accent1"/>
-          </a:effectRef>
-          <a:fontRef idx="minor">
-            <a:schemeClr val="lt1"/>
-          </a:fontRef>
-        </p:style>
-        <p:txBody>
-          <a:bodyPr rtlCol="0" anchor="ctr"/>
-          <a:lstStyle/>
-          <a:p>
-            <a:pPr algn="ctr"/>
-            <a:r>
-              <a:rPr kumimoji="1" lang="el-GR" altLang="ja-JP" sz="4000" dirty="0" smtClean="0">
-                <a:solidFill>
-                  <a:schemeClr val="tx1"/>
-                </a:solidFill>
-                <a:latin typeface="+mj-ea"/>
-                <a:ea typeface="+mj-ea"/>
-              </a:rPr>
-              <a:t>Β</a:t>
-            </a:r>
-            <a:r>
-              <a:rPr kumimoji="1" lang="ja-JP" altLang="en-US" sz="4000" dirty="0" smtClean="0">
-                <a:solidFill>
-                  <a:schemeClr val="tx1"/>
-                </a:solidFill>
-                <a:latin typeface="+mj-ea"/>
-                <a:ea typeface="+mj-ea"/>
-              </a:rPr>
-              <a:t>版の仕様が確定してから</a:t>
-            </a:r>
-            <a:endParaRPr kumimoji="1" lang="en-US" altLang="ja-JP" sz="4000" dirty="0" smtClean="0">
-              <a:solidFill>
-                <a:schemeClr val="tx1"/>
-              </a:solidFill>
-              <a:latin typeface="+mj-ea"/>
-              <a:ea typeface="+mj-ea"/>
-            </a:endParaRPr>
-          </a:p>
-          <a:p>
-            <a:pPr algn="ctr"/>
-            <a:r>
-              <a:rPr kumimoji="1" lang="ja-JP" altLang="en-US" sz="4000" dirty="0" smtClean="0">
-                <a:solidFill>
-                  <a:schemeClr val="tx1"/>
-                </a:solidFill>
-                <a:latin typeface="+mj-ea"/>
-                <a:ea typeface="+mj-ea"/>
-              </a:rPr>
-              <a:t>細かなスケジュール決定</a:t>
-            </a:r>
-            <a:endParaRPr kumimoji="1" lang="ja-JP" altLang="en-US" sz="4000" dirty="0">
-              <a:solidFill>
-                <a:schemeClr val="tx1"/>
-              </a:solidFill>
-              <a:latin typeface="+mj-ea"/>
-              <a:ea typeface="+mj-ea"/>
-            </a:endParaRPr>
-          </a:p>
-        </p:txBody>
-      </p:sp>
-      <p:sp>
-        <p:nvSpPr>
-          <p:cNvPr id="7" name="テキスト ボックス 6"/>
-          <p:cNvSpPr txBox="1"/>
-          <p:nvPr/>
-        </p:nvSpPr>
-        <p:spPr>
-          <a:xfrm>
-            <a:off x="1632083" y="13729183"/>
-            <a:ext cx="17291913" cy="984885"/>
-          </a:xfrm>
-          <a:prstGeom prst="rect">
-            <a:avLst/>
-          </a:prstGeom>
-          <a:noFill/>
-        </p:spPr>
-        <p:txBody>
-          <a:bodyPr wrap="none" rtlCol="0">
-            <a:spAutoFit/>
-          </a:bodyPr>
-          <a:lstStyle/>
-          <a:p>
-            <a:pPr algn="ctr"/>
-            <a:r>
-              <a:rPr kumimoji="1" lang="ja-JP" altLang="en-US" dirty="0" smtClean="0">
-                <a:latin typeface="Adobe Heiti Std R" pitchFamily="34" charset="-128"/>
-                <a:ea typeface="Adobe Heiti Std R" pitchFamily="34" charset="-128"/>
-              </a:rPr>
-              <a:t>完成したゲームを</a:t>
-            </a:r>
-            <a:r>
-              <a:rPr lang="ja-JP" altLang="en-US" dirty="0" smtClean="0">
-                <a:latin typeface="Adobe Heiti Std R" pitchFamily="34" charset="-128"/>
-                <a:ea typeface="Adobe Heiti Std R" pitchFamily="34" charset="-128"/>
-              </a:rPr>
-              <a:t>使って新入生に学習度調査を行う</a:t>
-            </a:r>
-            <a:endParaRPr kumimoji="1" lang="en-US" altLang="ja-JP" dirty="0" smtClean="0">
-              <a:latin typeface="Adobe Heiti Std R" pitchFamily="34" charset="-128"/>
-              <a:ea typeface="Adobe Heiti Std R" pitchFamily="34" charset="-128"/>
-            </a:endParaRPr>
-          </a:p>
-        </p:txBody>
-      </p:sp>
-      <p:sp>
-        <p:nvSpPr>
-          <p:cNvPr id="8" name="正方形/長方形 7"/>
-          <p:cNvSpPr/>
-          <p:nvPr/>
-        </p:nvSpPr>
-        <p:spPr>
-          <a:xfrm>
-            <a:off x="1313043" y="13532651"/>
-            <a:ext cx="17929992" cy="1266788"/>
-          </a:xfrm>
-          <a:prstGeom prst="rect">
-            <a:avLst/>
-          </a:prstGeom>
-          <a:noFill/>
-          <a:ln>
-            <a:solidFill>
-              <a:schemeClr val="tx1"/>
-            </a:solidFill>
-          </a:ln>
-        </p:spPr>
-        <p:style>
-          <a:lnRef idx="2">
-            <a:schemeClr val="accent1">
-              <a:shade val="50000"/>
-            </a:schemeClr>
-          </a:lnRef>
-          <a:fillRef idx="1">
-            <a:schemeClr val="accent1"/>
-          </a:fillRef>
-          <a:effectRef idx="0">
-            <a:schemeClr val="accent1"/>
-          </a:effectRef>
-          <a:fontRef idx="minor">
-            <a:schemeClr val="lt1"/>
-          </a:fontRef>
-        </p:style>
-        <p:txBody>
-          <a:bodyPr rtlCol="0" anchor="ctr"/>
-          <a:lstStyle/>
-          <a:p>
-            <a:pPr algn="ctr"/>
-            <a:endParaRPr kumimoji="1" lang="ja-JP" altLang="en-US"/>
-          </a:p>
-        </p:txBody>
-      </p:sp>
-      <p:sp>
-        <p:nvSpPr>
-          <p:cNvPr id="9" name="下矢印 8"/>
-          <p:cNvSpPr/>
-          <p:nvPr/>
-        </p:nvSpPr>
-        <p:spPr>
-          <a:xfrm>
-            <a:off x="9670583" y="15284003"/>
-            <a:ext cx="1581698" cy="2232248"/>
-          </a:xfrm>
-          <a:prstGeom prst="downArrow">
-            <a:avLst/>
-          </a:prstGeom>
-          <a:solidFill>
-            <a:srgbClr val="FF9933"/>
-          </a:solidFill>
-        </p:spPr>
-        <p:style>
-          <a:lnRef idx="2">
-            <a:schemeClr val="accent1">
-              <a:shade val="50000"/>
-            </a:schemeClr>
-          </a:lnRef>
-          <a:fillRef idx="1">
-            <a:schemeClr val="accent1"/>
-          </a:fillRef>
-          <a:effectRef idx="0">
-            <a:schemeClr val="accent1"/>
-          </a:effectRef>
-          <a:fontRef idx="minor">
-            <a:schemeClr val="lt1"/>
-          </a:fontRef>
-        </p:style>
-        <p:txBody>
-          <a:bodyPr rtlCol="0" anchor="ctr"/>
-          <a:lstStyle/>
-          <a:p>
-            <a:pPr algn="ctr"/>
-            <a:endParaRPr kumimoji="1" lang="ja-JP" altLang="en-US">
-              <a:solidFill>
-                <a:srgbClr val="FF9933"/>
-              </a:solidFill>
-            </a:endParaRPr>
-          </a:p>
-        </p:txBody>
-      </p:sp>
-      <p:sp>
-        <p:nvSpPr>
-          <p:cNvPr id="10" name="テキスト ボックス 9"/>
-          <p:cNvSpPr txBox="1"/>
-          <p:nvPr/>
-        </p:nvSpPr>
-        <p:spPr>
-          <a:xfrm>
-            <a:off x="1313042" y="17948299"/>
-            <a:ext cx="18165333" cy="984885"/>
-          </a:xfrm>
-          <a:prstGeom prst="rect">
-            <a:avLst/>
-          </a:prstGeom>
-          <a:noFill/>
-          <a:ln>
-            <a:solidFill>
-              <a:schemeClr val="tx1"/>
-            </a:solidFill>
-          </a:ln>
-        </p:spPr>
-        <p:txBody>
-          <a:bodyPr wrap="square" rtlCol="0">
-            <a:spAutoFit/>
-          </a:bodyPr>
-          <a:lstStyle/>
-          <a:p>
-            <a:pPr algn="ctr"/>
-            <a:r>
-              <a:rPr kumimoji="1" lang="ja-JP" altLang="en-US" dirty="0" smtClean="0">
-                <a:latin typeface="+mj-ea"/>
-                <a:ea typeface="+mj-ea"/>
-              </a:rPr>
-              <a:t>学習度からゲームの内容やバランスを変更</a:t>
-            </a:r>
-            <a:endParaRPr kumimoji="1" lang="ja-JP" altLang="en-US" dirty="0">
-              <a:latin typeface="+mj-ea"/>
-              <a:ea typeface="+mj-ea"/>
-            </a:endParaRPr>
-          </a:p>
-        </p:txBody>
-      </p:sp>
-      <p:sp>
-        <p:nvSpPr>
-          <p:cNvPr id="12" name="下矢印 11"/>
-          <p:cNvSpPr/>
-          <p:nvPr/>
-        </p:nvSpPr>
-        <p:spPr>
-          <a:xfrm>
-            <a:off x="9495608" y="19426691"/>
-            <a:ext cx="1800200" cy="2736304"/>
-          </a:xfrm>
-          <a:prstGeom prst="downArrow">
-            <a:avLst/>
-          </a:prstGeom>
-          <a:solidFill>
-            <a:srgbClr val="FF9933"/>
-          </a:solidFill>
-        </p:spPr>
-        <p:style>
-          <a:lnRef idx="2">
-            <a:schemeClr val="accent1">
-              <a:shade val="50000"/>
-            </a:schemeClr>
-          </a:lnRef>
-          <a:fillRef idx="1">
-            <a:schemeClr val="accent1"/>
-          </a:fillRef>
-          <a:effectRef idx="0">
-            <a:schemeClr val="accent1"/>
-          </a:effectRef>
-          <a:fontRef idx="minor">
-            <a:schemeClr val="lt1"/>
-          </a:fontRef>
-        </p:style>
-        <p:txBody>
-          <a:bodyPr rtlCol="0" anchor="ctr"/>
-          <a:lstStyle/>
-          <a:p>
-            <a:pPr algn="ctr"/>
-            <a:endParaRPr kumimoji="1" lang="ja-JP" altLang="en-US"/>
-          </a:p>
-        </p:txBody>
-      </p:sp>
-      <p:sp>
-        <p:nvSpPr>
-          <p:cNvPr id="13" name="テキスト ボックス 12"/>
-          <p:cNvSpPr txBox="1"/>
-          <p:nvPr/>
-        </p:nvSpPr>
-        <p:spPr>
-          <a:xfrm>
-            <a:off x="4712101" y="22767728"/>
-            <a:ext cx="11498661" cy="984885"/>
-          </a:xfrm>
-          <a:prstGeom prst="rect">
-            <a:avLst/>
-          </a:prstGeom>
-          <a:noFill/>
-        </p:spPr>
-        <p:txBody>
-          <a:bodyPr wrap="none" rtlCol="0">
-            <a:spAutoFit/>
-          </a:bodyPr>
-          <a:lstStyle/>
-          <a:p>
-            <a:pPr algn="ctr"/>
-            <a:r>
-              <a:rPr kumimoji="1" lang="ja-JP" altLang="en-US" dirty="0" smtClean="0">
-                <a:latin typeface="+mj-ea"/>
-                <a:ea typeface="+mj-ea"/>
-              </a:rPr>
-              <a:t>制作したゲームのデジタル化の計画</a:t>
-            </a:r>
-            <a:endParaRPr kumimoji="1" lang="ja-JP" altLang="en-US" dirty="0">
-              <a:latin typeface="+mj-ea"/>
-              <a:ea typeface="+mj-ea"/>
-            </a:endParaRPr>
-          </a:p>
-        </p:txBody>
-      </p:sp>
-      <p:sp>
-        <p:nvSpPr>
-          <p:cNvPr id="14" name="正方形/長方形 13"/>
-          <p:cNvSpPr/>
-          <p:nvPr/>
-        </p:nvSpPr>
-        <p:spPr>
-          <a:xfrm>
-            <a:off x="1195373" y="22782887"/>
-            <a:ext cx="18165331" cy="984885"/>
-          </a:xfrm>
-          <a:prstGeom prst="rect">
-            <a:avLst/>
-          </a:prstGeom>
-          <a:noFill/>
-          <a:ln>
-            <a:solidFill>
-              <a:schemeClr val="tx1"/>
-            </a:solidFill>
-          </a:ln>
-        </p:spPr>
-        <p:style>
-          <a:lnRef idx="2">
-            <a:schemeClr val="accent1">
-              <a:shade val="50000"/>
-            </a:schemeClr>
-          </a:lnRef>
-          <a:fillRef idx="1">
-            <a:schemeClr val="accent1"/>
-          </a:fillRef>
-          <a:effectRef idx="0">
-            <a:schemeClr val="accent1"/>
-          </a:effectRef>
-          <a:fontRef idx="minor">
-            <a:schemeClr val="lt1"/>
-          </a:fontRef>
-        </p:style>
-        <p:txBody>
-          <a:bodyPr rtlCol="0" anchor="ctr"/>
-          <a:lstStyle/>
-          <a:p>
-            <a:pPr algn="ctr"/>
-            <a:endParaRPr kumimoji="1" lang="ja-JP" altLang="en-US"/>
           </a:p>
         </p:txBody>
       </p:sp>
@@ -7168,6 +6877,347 @@
           </a:extLst>
         </p:spPr>
       </p:pic>
+      <p:pic>
+        <p:nvPicPr>
+          <p:cNvPr id="1026" name="Picture 2" descr="C:\Users\akamatsu\Desktop\mgban300.jpg"/>
+          <p:cNvPicPr>
+            <a:picLocks noChangeAspect="1" noChangeArrowheads="1"/>
+          </p:cNvPicPr>
+          <p:nvPr/>
+        </p:nvPicPr>
+        <p:blipFill>
+          <a:blip r:embed="rId3">
+            <a:extLst>
+              <a:ext uri="{28A0092B-C50C-407E-A947-70E740481C1C}">
+                <a14:useLocalDpi xmlns:a14="http://schemas.microsoft.com/office/drawing/2010/main" val="0"/>
+              </a:ext>
+            </a:extLst>
+          </a:blip>
+          <a:srcRect/>
+          <a:stretch>
+            <a:fillRect/>
+          </a:stretch>
+        </p:blipFill>
+        <p:spPr bwMode="auto">
+          <a:xfrm>
+            <a:off x="12709623" y="7507138"/>
+            <a:ext cx="8129291" cy="5815376"/>
+          </a:xfrm>
+          <a:prstGeom prst="rect">
+            <a:avLst/>
+          </a:prstGeom>
+          <a:noFill/>
+          <a:extLst>
+            <a:ext uri="{909E8E84-426E-40DD-AFC4-6F175D3DCCD1}">
+              <a14:hiddenFill xmlns:a14="http://schemas.microsoft.com/office/drawing/2010/main">
+                <a:solidFill>
+                  <a:srgbClr val="FFFFFF"/>
+                </a:solidFill>
+              </a14:hiddenFill>
+            </a:ext>
+          </a:extLst>
+        </p:spPr>
+      </p:pic>
+      <p:sp>
+        <p:nvSpPr>
+          <p:cNvPr id="4" name="テキスト ボックス 3"/>
+          <p:cNvSpPr txBox="1"/>
+          <p:nvPr/>
+        </p:nvSpPr>
+        <p:spPr>
+          <a:xfrm>
+            <a:off x="3086371" y="1063551"/>
+            <a:ext cx="15292969" cy="584775"/>
+          </a:xfrm>
+          <a:prstGeom prst="rect">
+            <a:avLst/>
+          </a:prstGeom>
+          <a:noFill/>
+        </p:spPr>
+        <p:txBody>
+          <a:bodyPr wrap="none" rtlCol="0">
+            <a:spAutoFit/>
+          </a:bodyPr>
+          <a:lstStyle/>
+          <a:p>
+            <a:r>
+              <a:rPr kumimoji="1" lang="ja-JP" altLang="en-US" sz="3200" dirty="0" smtClean="0">
+                <a:latin typeface="+mj-ea"/>
+                <a:ea typeface="+mj-ea"/>
+              </a:rPr>
+              <a:t>マネジメントゲーム・・・従業員の教育を目的として開発された経営シュミレーションゲーム</a:t>
+            </a:r>
+            <a:endParaRPr kumimoji="1" lang="ja-JP" altLang="en-US" sz="3200" dirty="0">
+              <a:latin typeface="+mj-ea"/>
+              <a:ea typeface="+mj-ea"/>
+            </a:endParaRPr>
+          </a:p>
+        </p:txBody>
+      </p:sp>
+      <p:sp>
+        <p:nvSpPr>
+          <p:cNvPr id="16" name="爆発 1 15"/>
+          <p:cNvSpPr/>
+          <p:nvPr/>
+        </p:nvSpPr>
+        <p:spPr>
+          <a:xfrm rot="21055876">
+            <a:off x="1420866" y="8303449"/>
+            <a:ext cx="10441160" cy="4248472"/>
+          </a:xfrm>
+          <a:prstGeom prst="irregularSeal1">
+            <a:avLst/>
+          </a:prstGeom>
+          <a:noFill/>
+          <a:ln>
+            <a:solidFill>
+              <a:schemeClr val="tx1"/>
+            </a:solidFill>
+          </a:ln>
+        </p:spPr>
+        <p:style>
+          <a:lnRef idx="2">
+            <a:schemeClr val="accent1">
+              <a:shade val="50000"/>
+            </a:schemeClr>
+          </a:lnRef>
+          <a:fillRef idx="1">
+            <a:schemeClr val="accent1"/>
+          </a:fillRef>
+          <a:effectRef idx="0">
+            <a:schemeClr val="accent1"/>
+          </a:effectRef>
+          <a:fontRef idx="minor">
+            <a:schemeClr val="lt1"/>
+          </a:fontRef>
+        </p:style>
+        <p:txBody>
+          <a:bodyPr rtlCol="0" anchor="ctr"/>
+          <a:lstStyle/>
+          <a:p>
+            <a:pPr algn="ctr"/>
+            <a:r>
+              <a:rPr lang="ja-JP" altLang="en-US" sz="2800" dirty="0" smtClean="0">
+                <a:solidFill>
+                  <a:schemeClr val="tx1"/>
+                </a:solidFill>
+                <a:latin typeface="Adobe Fan Heiti Std B" pitchFamily="34" charset="-128"/>
+                <a:ea typeface="Adobe Fan Heiti Std B" pitchFamily="34" charset="-128"/>
+              </a:rPr>
+              <a:t>マネジメントゲームに面白さ</a:t>
+            </a:r>
+            <a:endParaRPr lang="en-US" altLang="ja-JP" sz="2800" dirty="0" smtClean="0">
+              <a:solidFill>
+                <a:schemeClr val="tx1"/>
+              </a:solidFill>
+              <a:latin typeface="Adobe Fan Heiti Std B" pitchFamily="34" charset="-128"/>
+              <a:ea typeface="Adobe Fan Heiti Std B" pitchFamily="34" charset="-128"/>
+            </a:endParaRPr>
+          </a:p>
+          <a:p>
+            <a:pPr algn="ctr"/>
+            <a:r>
+              <a:rPr kumimoji="1" lang="ja-JP" altLang="en-US" sz="2800" dirty="0" smtClean="0">
+                <a:solidFill>
+                  <a:schemeClr val="tx1"/>
+                </a:solidFill>
+                <a:latin typeface="Adobe Fan Heiti Std B" pitchFamily="34" charset="-128"/>
+                <a:ea typeface="Adobe Fan Heiti Std B" pitchFamily="34" charset="-128"/>
+              </a:rPr>
+              <a:t>を</a:t>
+            </a:r>
+            <a:endParaRPr kumimoji="1" lang="en-US" altLang="ja-JP" sz="2800" dirty="0" smtClean="0">
+              <a:solidFill>
+                <a:schemeClr val="tx1"/>
+              </a:solidFill>
+              <a:latin typeface="Adobe Fan Heiti Std B" pitchFamily="34" charset="-128"/>
+              <a:ea typeface="Adobe Fan Heiti Std B" pitchFamily="34" charset="-128"/>
+            </a:endParaRPr>
+          </a:p>
+          <a:p>
+            <a:pPr algn="ctr"/>
+            <a:r>
+              <a:rPr lang="ja-JP" altLang="en-US" sz="2800" dirty="0" smtClean="0">
+                <a:solidFill>
+                  <a:schemeClr val="tx1"/>
+                </a:solidFill>
+                <a:latin typeface="Adobe Fan Heiti Std B" pitchFamily="34" charset="-128"/>
+                <a:ea typeface="Adobe Fan Heiti Std B" pitchFamily="34" charset="-128"/>
+              </a:rPr>
+              <a:t>追加すればいいのではないか？</a:t>
+            </a:r>
+            <a:endParaRPr kumimoji="1" lang="ja-JP" altLang="en-US" sz="2800" dirty="0">
+              <a:solidFill>
+                <a:schemeClr val="tx1"/>
+              </a:solidFill>
+              <a:latin typeface="Adobe Fan Heiti Std B" pitchFamily="34" charset="-128"/>
+              <a:ea typeface="Adobe Fan Heiti Std B" pitchFamily="34" charset="-128"/>
+            </a:endParaRPr>
+          </a:p>
+        </p:txBody>
+      </p:sp>
+      <p:sp>
+        <p:nvSpPr>
+          <p:cNvPr id="17" name="雲形吹き出し 16"/>
+          <p:cNvSpPr/>
+          <p:nvPr/>
+        </p:nvSpPr>
+        <p:spPr>
+          <a:xfrm>
+            <a:off x="9397256" y="2754611"/>
+            <a:ext cx="9145016" cy="3407703"/>
+          </a:xfrm>
+          <a:prstGeom prst="cloudCallout">
+            <a:avLst>
+              <a:gd name="adj1" fmla="val -57252"/>
+              <a:gd name="adj2" fmla="val 28767"/>
+            </a:avLst>
+          </a:prstGeom>
+          <a:noFill/>
+          <a:ln>
+            <a:solidFill>
+              <a:schemeClr val="tx1"/>
+            </a:solidFill>
+          </a:ln>
+        </p:spPr>
+        <p:style>
+          <a:lnRef idx="2">
+            <a:schemeClr val="accent1">
+              <a:shade val="50000"/>
+            </a:schemeClr>
+          </a:lnRef>
+          <a:fillRef idx="1">
+            <a:schemeClr val="accent1"/>
+          </a:fillRef>
+          <a:effectRef idx="0">
+            <a:schemeClr val="accent1"/>
+          </a:effectRef>
+          <a:fontRef idx="minor">
+            <a:schemeClr val="lt1"/>
+          </a:fontRef>
+        </p:style>
+        <p:txBody>
+          <a:bodyPr rtlCol="0" anchor="ctr"/>
+          <a:lstStyle/>
+          <a:p>
+            <a:pPr algn="ctr"/>
+            <a:r>
+              <a:rPr kumimoji="1" lang="ja-JP" altLang="en-US" sz="2800" dirty="0" smtClean="0">
+                <a:solidFill>
+                  <a:schemeClr val="tx1"/>
+                </a:solidFill>
+                <a:latin typeface="Adobe Fan Heiti Std B" pitchFamily="34" charset="-128"/>
+                <a:ea typeface="Adobe Fan Heiti Std B" pitchFamily="34" charset="-128"/>
+              </a:rPr>
+              <a:t>ちょっと面白くなさそだなぁ・・・</a:t>
+            </a:r>
+            <a:endParaRPr kumimoji="1" lang="en-US" altLang="ja-JP" sz="2800" dirty="0" smtClean="0">
+              <a:solidFill>
+                <a:schemeClr val="tx1"/>
+              </a:solidFill>
+              <a:latin typeface="Adobe Fan Heiti Std B" pitchFamily="34" charset="-128"/>
+              <a:ea typeface="Adobe Fan Heiti Std B" pitchFamily="34" charset="-128"/>
+            </a:endParaRPr>
+          </a:p>
+          <a:p>
+            <a:pPr algn="ctr"/>
+            <a:r>
+              <a:rPr lang="ja-JP" altLang="en-US" sz="2800" dirty="0" smtClean="0">
+                <a:solidFill>
+                  <a:schemeClr val="tx1"/>
+                </a:solidFill>
+                <a:latin typeface="Adobe Fan Heiti Std B" pitchFamily="34" charset="-128"/>
+                <a:ea typeface="Adobe Fan Heiti Std B" pitchFamily="34" charset="-128"/>
+              </a:rPr>
+              <a:t>固そうなイメージもある・・・</a:t>
+            </a:r>
+            <a:endParaRPr kumimoji="1" lang="ja-JP" altLang="en-US" sz="2800" dirty="0">
+              <a:solidFill>
+                <a:schemeClr val="tx1"/>
+              </a:solidFill>
+              <a:latin typeface="Adobe Fan Heiti Std B" pitchFamily="34" charset="-128"/>
+              <a:ea typeface="Adobe Fan Heiti Std B" pitchFamily="34" charset="-128"/>
+            </a:endParaRPr>
+          </a:p>
+        </p:txBody>
+      </p:sp>
+      <p:pic>
+        <p:nvPicPr>
+          <p:cNvPr id="1027" name="Picture 3" descr="C:\Users\akamatsu\Desktop\rtfcuyg.jpg"/>
+          <p:cNvPicPr>
+            <a:picLocks noChangeAspect="1" noChangeArrowheads="1"/>
+          </p:cNvPicPr>
+          <p:nvPr/>
+        </p:nvPicPr>
+        <p:blipFill>
+          <a:blip r:embed="rId4">
+            <a:extLst>
+              <a:ext uri="{28A0092B-C50C-407E-A947-70E740481C1C}">
+                <a14:useLocalDpi xmlns:a14="http://schemas.microsoft.com/office/drawing/2010/main" val="0"/>
+              </a:ext>
+            </a:extLst>
+          </a:blip>
+          <a:srcRect/>
+          <a:stretch>
+            <a:fillRect/>
+          </a:stretch>
+        </p:blipFill>
+        <p:spPr bwMode="auto">
+          <a:xfrm>
+            <a:off x="2559948" y="3318668"/>
+            <a:ext cx="5395817" cy="3590671"/>
+          </a:xfrm>
+          <a:prstGeom prst="rect">
+            <a:avLst/>
+          </a:prstGeom>
+          <a:noFill/>
+          <a:extLst>
+            <a:ext uri="{909E8E84-426E-40DD-AFC4-6F175D3DCCD1}">
+              <a14:hiddenFill xmlns:a14="http://schemas.microsoft.com/office/drawing/2010/main">
+                <a:solidFill>
+                  <a:srgbClr val="FFFFFF"/>
+                </a:solidFill>
+              </a14:hiddenFill>
+            </a:ext>
+          </a:extLst>
+        </p:spPr>
+      </p:pic>
+      <p:sp>
+        <p:nvSpPr>
+          <p:cNvPr id="18" name="テキスト ボックス 17"/>
+          <p:cNvSpPr txBox="1"/>
+          <p:nvPr/>
+        </p:nvSpPr>
+        <p:spPr>
+          <a:xfrm>
+            <a:off x="1188344" y="25653155"/>
+            <a:ext cx="14150608" cy="830997"/>
+          </a:xfrm>
+          <a:prstGeom prst="rect">
+            <a:avLst/>
+          </a:prstGeom>
+          <a:noFill/>
+        </p:spPr>
+        <p:txBody>
+          <a:bodyPr wrap="square" rtlCol="0">
+            <a:spAutoFit/>
+          </a:bodyPr>
+          <a:lstStyle/>
+          <a:p>
+            <a:r>
+              <a:rPr lang="ja-JP" altLang="en-US" sz="4800" dirty="0" smtClean="0">
+                <a:latin typeface="Adobe Fan Heiti Std B" pitchFamily="34" charset="-128"/>
+                <a:ea typeface="Adobe Fan Heiti Std B" pitchFamily="34" charset="-128"/>
+              </a:rPr>
+              <a:t>来年度から制作したゲームのデジタル化を予定</a:t>
+            </a:r>
+            <a:endParaRPr kumimoji="1" lang="ja-JP" altLang="en-US" sz="4800" dirty="0">
+              <a:latin typeface="Adobe Fan Heiti Std B" pitchFamily="34" charset="-128"/>
+              <a:ea typeface="Adobe Fan Heiti Std B" pitchFamily="34" charset="-128"/>
+            </a:endParaRPr>
+          </a:p>
+        </p:txBody>
+      </p:sp>
     </p:spTree>
     <p:extLst>
       <p:ext uri="{BB962C8B-B14F-4D97-AF65-F5344CB8AC3E}">

--- a/課題研究/2013/赤松佳紀/ポスター　赤松.pptx
+++ b/課題研究/2013/赤松佳紀/ポスター　赤松.pptx
@@ -373,7 +373,7 @@
           <a:p>
             <a:fld id="{CD18CB5A-6947-405F-A94A-52FF85729738}" type="datetimeFigureOut">
               <a:rPr kumimoji="1" lang="ja-JP" altLang="en-US" smtClean="0"/>
-              <a:t>2013/12/10</a:t>
+              <a:t>2013/12/11</a:t>
             </a:fld>
             <a:endParaRPr kumimoji="1" lang="ja-JP" altLang="en-US"/>
           </a:p>
@@ -1016,7 +1016,7 @@
           <a:p>
             <a:fld id="{CD18CB5A-6947-405F-A94A-52FF85729738}" type="datetimeFigureOut">
               <a:rPr kumimoji="1" lang="ja-JP" altLang="en-US" smtClean="0"/>
-              <a:t>2013/12/10</a:t>
+              <a:t>2013/12/11</a:t>
             </a:fld>
             <a:endParaRPr kumimoji="1" lang="ja-JP" altLang="en-US"/>
           </a:p>
@@ -1230,7 +1230,7 @@
           <a:p>
             <a:fld id="{CD18CB5A-6947-405F-A94A-52FF85729738}" type="datetimeFigureOut">
               <a:rPr kumimoji="1" lang="ja-JP" altLang="en-US" smtClean="0"/>
-              <a:t>2013/12/10</a:t>
+              <a:t>2013/12/11</a:t>
             </a:fld>
             <a:endParaRPr kumimoji="1" lang="ja-JP" altLang="en-US"/>
           </a:p>
@@ -1490,7 +1490,7 @@
           <a:p>
             <a:fld id="{CD18CB5A-6947-405F-A94A-52FF85729738}" type="datetimeFigureOut">
               <a:rPr kumimoji="1" lang="ja-JP" altLang="en-US" smtClean="0"/>
-              <a:t>2013/12/10</a:t>
+              <a:t>2013/12/11</a:t>
             </a:fld>
             <a:endParaRPr kumimoji="1" lang="ja-JP" altLang="en-US"/>
           </a:p>
@@ -1744,7 +1744,7 @@
           <a:p>
             <a:fld id="{CD18CB5A-6947-405F-A94A-52FF85729738}" type="datetimeFigureOut">
               <a:rPr kumimoji="1" lang="ja-JP" altLang="en-US" smtClean="0"/>
-              <a:t>2013/12/10</a:t>
+              <a:t>2013/12/11</a:t>
             </a:fld>
             <a:endParaRPr kumimoji="1" lang="ja-JP" altLang="en-US"/>
           </a:p>
@@ -1868,7 +1868,7 @@
           <a:p>
             <a:fld id="{CD18CB5A-6947-405F-A94A-52FF85729738}" type="datetimeFigureOut">
               <a:rPr kumimoji="1" lang="ja-JP" altLang="en-US" smtClean="0"/>
-              <a:t>2013/12/10</a:t>
+              <a:t>2013/12/11</a:t>
             </a:fld>
             <a:endParaRPr kumimoji="1" lang="ja-JP" altLang="en-US"/>
           </a:p>
@@ -2304,7 +2304,7 @@
           <a:p>
             <a:fld id="{CD18CB5A-6947-405F-A94A-52FF85729738}" type="datetimeFigureOut">
               <a:rPr kumimoji="1" lang="ja-JP" altLang="en-US" smtClean="0"/>
-              <a:t>2013/12/10</a:t>
+              <a:t>2013/12/11</a:t>
             </a:fld>
             <a:endParaRPr kumimoji="1" lang="ja-JP" altLang="en-US"/>
           </a:p>
@@ -2606,7 +2606,7 @@
           <a:p>
             <a:fld id="{CD18CB5A-6947-405F-A94A-52FF85729738}" type="datetimeFigureOut">
               <a:rPr kumimoji="1" lang="ja-JP" altLang="en-US" smtClean="0"/>
-              <a:t>2013/12/10</a:t>
+              <a:t>2013/12/11</a:t>
             </a:fld>
             <a:endParaRPr kumimoji="1" lang="ja-JP" altLang="en-US"/>
           </a:p>
@@ -2703,7 +2703,7 @@
           <a:p>
             <a:fld id="{CD18CB5A-6947-405F-A94A-52FF85729738}" type="datetimeFigureOut">
               <a:rPr kumimoji="1" lang="ja-JP" altLang="en-US" smtClean="0"/>
-              <a:t>2013/12/10</a:t>
+              <a:t>2013/12/11</a:t>
             </a:fld>
             <a:endParaRPr kumimoji="1" lang="ja-JP" altLang="en-US"/>
           </a:p>
@@ -3001,7 +3001,7 @@
           <a:p>
             <a:fld id="{CD18CB5A-6947-405F-A94A-52FF85729738}" type="datetimeFigureOut">
               <a:rPr kumimoji="1" lang="ja-JP" altLang="en-US" smtClean="0"/>
-              <a:t>2013/12/10</a:t>
+              <a:t>2013/12/11</a:t>
             </a:fld>
             <a:endParaRPr kumimoji="1" lang="ja-JP" altLang="en-US"/>
           </a:p>
@@ -3272,7 +3272,7 @@
           <a:p>
             <a:fld id="{CD18CB5A-6947-405F-A94A-52FF85729738}" type="datetimeFigureOut">
               <a:rPr kumimoji="1" lang="ja-JP" altLang="en-US" smtClean="0"/>
-              <a:t>2013/12/10</a:t>
+              <a:t>2013/12/11</a:t>
             </a:fld>
             <a:endParaRPr kumimoji="1" lang="ja-JP" altLang="en-US"/>
           </a:p>
@@ -3845,7 +3845,7 @@
           <a:p>
             <a:fld id="{CD18CB5A-6947-405F-A94A-52FF85729738}" type="datetimeFigureOut">
               <a:rPr kumimoji="1" lang="ja-JP" altLang="en-US" smtClean="0"/>
-              <a:t>2013/12/10</a:t>
+              <a:t>2013/12/11</a:t>
             </a:fld>
             <a:endParaRPr kumimoji="1" lang="ja-JP" altLang="en-US"/>
           </a:p>
@@ -4323,7 +4323,7 @@
                 <a:latin typeface="Adobe Heiti Std R" pitchFamily="34" charset="-128"/>
                 <a:ea typeface="Adobe Heiti Std R" pitchFamily="34" charset="-128"/>
               </a:rPr>
-              <a:t>マネジメントゲーム</a:t>
+              <a:t>プロジェクトマネジメント</a:t>
             </a:r>
             <a:endParaRPr lang="en-US" altLang="ja-JP" sz="7200" b="1" dirty="0" smtClean="0">
               <a:solidFill>
@@ -4336,14 +4336,14 @@
           <a:p>
             <a:pPr algn="ctr"/>
             <a:r>
-              <a:rPr lang="ja-JP" altLang="en-US" sz="7200" b="1" dirty="0">
+              <a:rPr lang="ja-JP" altLang="en-US" sz="7200" b="1" dirty="0" smtClean="0">
                 <a:solidFill>
                   <a:srgbClr val="0070C0"/>
                 </a:solidFill>
                 <a:latin typeface="Adobe Heiti Std R" pitchFamily="34" charset="-128"/>
                 <a:ea typeface="Adobe Heiti Std R" pitchFamily="34" charset="-128"/>
               </a:rPr>
-              <a:t>と</a:t>
+              <a:t>を</a:t>
             </a:r>
             <a:endParaRPr lang="en-US" altLang="ja-JP" sz="7200" b="1" dirty="0" smtClean="0">
               <a:solidFill>
@@ -4363,7 +4363,7 @@
                 <a:latin typeface="Adobe Heiti Std R" pitchFamily="34" charset="-128"/>
                 <a:ea typeface="Adobe Heiti Std R" pitchFamily="34" charset="-128"/>
               </a:rPr>
-              <a:t>スマートフォンアプリに関する研究</a:t>
+              <a:t>学ぶゲーム開発</a:t>
             </a:r>
             <a:endParaRPr lang="ja-JP" altLang="en-US" sz="7200" b="1" dirty="0">
               <a:solidFill>
@@ -5214,7 +5214,7 @@
         <p:spPr>
           <a:xfrm>
             <a:off x="12315277" y="25833183"/>
-            <a:ext cx="9417963" cy="2308324"/>
+            <a:ext cx="8654933" cy="2308324"/>
           </a:xfrm>
           <a:prstGeom prst="rect">
             <a:avLst/>
@@ -5230,52 +5230,61 @@
             <a:r>
               <a:rPr lang="ja-JP" altLang="en-US" sz="3600" dirty="0">
                 <a:latin typeface="+mj-ea"/>
+                <a:ea typeface="+mj-ea"/>
               </a:rPr>
               <a:t>さらにゲームデザインに関する書籍を読み</a:t>
             </a:r>
             <a:r>
               <a:rPr lang="ja-JP" altLang="en-US" sz="3600" dirty="0" smtClean="0">
                 <a:latin typeface="+mj-ea"/>
+                <a:ea typeface="+mj-ea"/>
               </a:rPr>
               <a:t>、</a:t>
             </a:r>
             <a:endParaRPr lang="en-US" altLang="ja-JP" sz="3600" dirty="0" smtClean="0">
               <a:latin typeface="+mj-ea"/>
+              <a:ea typeface="+mj-ea"/>
             </a:endParaRPr>
           </a:p>
           <a:p>
             <a:r>
               <a:rPr lang="ja-JP" altLang="en-US" sz="3600" dirty="0" smtClean="0">
                 <a:latin typeface="+mj-ea"/>
+                <a:ea typeface="+mj-ea"/>
               </a:rPr>
               <a:t>ゲームデザイン</a:t>
             </a:r>
             <a:r>
               <a:rPr lang="ja-JP" altLang="en-US" sz="3600" dirty="0">
                 <a:latin typeface="+mj-ea"/>
+                <a:ea typeface="+mj-ea"/>
               </a:rPr>
               <a:t>に関する知識を身に</a:t>
             </a:r>
             <a:r>
               <a:rPr lang="ja-JP" altLang="en-US" sz="3600" dirty="0" smtClean="0">
                 <a:latin typeface="+mj-ea"/>
+                <a:ea typeface="+mj-ea"/>
               </a:rPr>
               <a:t>付ける</a:t>
             </a:r>
             <a:endParaRPr lang="en-US" altLang="ja-JP" sz="3600" dirty="0" smtClean="0">
               <a:latin typeface="+mj-ea"/>
+              <a:ea typeface="+mj-ea"/>
             </a:endParaRPr>
           </a:p>
           <a:p>
             <a:r>
               <a:rPr lang="ja-JP" altLang="en-US" sz="3600" dirty="0" smtClean="0">
                 <a:latin typeface="+mj-ea"/>
+                <a:ea typeface="+mj-ea"/>
               </a:rPr>
               <a:t>ことに</a:t>
             </a:r>
             <a:r>
               <a:rPr lang="ja-JP" altLang="en-US" sz="3600" dirty="0">
                 <a:latin typeface="+mj-ea"/>
+                <a:ea typeface="+mj-ea"/>
               </a:rPr>
               <a:t>した。</a:t>
             </a:r>
@@ -5460,7 +5469,7 @@
           <p:nvPr>
             <p:extLst>
               <p:ext uri="{D42A27DB-BD31-4B8C-83A1-F6EECF244321}">
-                <p14:modId xmlns:p14="http://schemas.microsoft.com/office/powerpoint/2010/main" val="2542449974"/>
+                <p14:modId xmlns:p14="http://schemas.microsoft.com/office/powerpoint/2010/main" val="1743167010"/>
               </p:ext>
             </p:extLst>
           </p:nvPr>
@@ -5777,14 +5786,20 @@
                         </a:spcAft>
                       </a:pPr>
                       <a:r>
-                        <a:rPr lang="ja-JP" sz="2400" kern="100" dirty="0">
+                        <a:rPr lang="ja-JP" altLang="en-US" sz="2400" kern="100" dirty="0" smtClean="0">
                           <a:effectLst/>
                           <a:latin typeface="+mj-ea"/>
                           <a:ea typeface="+mj-ea"/>
                           <a:cs typeface="Times New Roman"/>
                         </a:rPr>
-                        <a:t>中間発表</a:t>
+                        <a:t>発表</a:t>
                       </a:r>
+                      <a:endParaRPr lang="ja-JP" sz="2400" kern="100" dirty="0">
+                        <a:effectLst/>
+                        <a:latin typeface="+mj-ea"/>
+                        <a:ea typeface="+mj-ea"/>
+                        <a:cs typeface="Times New Roman"/>
+                      </a:endParaRPr>
                     </a:p>
                   </a:txBody>
                   <a:tcPr marL="68580" marR="68580" marT="0" marB="0">
@@ -6900,8 +6915,8 @@
         </p:blipFill>
         <p:spPr bwMode="auto">
           <a:xfrm>
-            <a:off x="12709623" y="7507138"/>
-            <a:ext cx="8129291" cy="5815376"/>
+            <a:off x="15733960" y="2484530"/>
+            <a:ext cx="4327636" cy="3095821"/>
           </a:xfrm>
           <a:prstGeom prst="rect">
             <a:avLst/>
@@ -6962,8 +6977,8 @@
         </p:nvSpPr>
         <p:spPr>
           <a:xfrm rot="21055876">
-            <a:off x="1420866" y="8303449"/>
-            <a:ext cx="10441160" cy="4248472"/>
+            <a:off x="8865830" y="3793577"/>
+            <a:ext cx="6978071" cy="2404757"/>
           </a:xfrm>
           <a:prstGeom prst="irregularSeal1">
             <a:avLst/>
@@ -6997,7 +7012,7 @@
           <a:p>
             <a:pPr algn="ctr"/>
             <a:r>
-              <a:rPr lang="ja-JP" altLang="en-US" sz="2800" dirty="0" smtClean="0">
+              <a:rPr lang="ja-JP" altLang="en-US" sz="1800" dirty="0" smtClean="0">
                 <a:solidFill>
                   <a:schemeClr val="tx1"/>
                 </a:solidFill>
@@ -7006,7 +7021,7 @@
               </a:rPr>
               <a:t>マネジメントゲームに面白さ</a:t>
             </a:r>
-            <a:endParaRPr lang="en-US" altLang="ja-JP" sz="2800" dirty="0" smtClean="0">
+            <a:endParaRPr lang="en-US" altLang="ja-JP" sz="1800" dirty="0" smtClean="0">
               <a:solidFill>
                 <a:schemeClr val="tx1"/>
               </a:solidFill>
@@ -7017,7 +7032,7 @@
           <a:p>
             <a:pPr algn="ctr"/>
             <a:r>
-              <a:rPr kumimoji="1" lang="ja-JP" altLang="en-US" sz="2800" dirty="0" smtClean="0">
+              <a:rPr kumimoji="1" lang="ja-JP" altLang="en-US" sz="1800" dirty="0" smtClean="0">
                 <a:solidFill>
                   <a:schemeClr val="tx1"/>
                 </a:solidFill>
@@ -7026,7 +7041,7 @@
               </a:rPr>
               <a:t>を</a:t>
             </a:r>
-            <a:endParaRPr kumimoji="1" lang="en-US" altLang="ja-JP" sz="2800" dirty="0" smtClean="0">
+            <a:endParaRPr kumimoji="1" lang="en-US" altLang="ja-JP" sz="1800" dirty="0" smtClean="0">
               <a:solidFill>
                 <a:schemeClr val="tx1"/>
               </a:solidFill>
@@ -7037,7 +7052,7 @@
           <a:p>
             <a:pPr algn="ctr"/>
             <a:r>
-              <a:rPr lang="ja-JP" altLang="en-US" sz="2800" dirty="0" smtClean="0">
+              <a:rPr lang="ja-JP" altLang="en-US" sz="1800" dirty="0" smtClean="0">
                 <a:solidFill>
                   <a:schemeClr val="tx1"/>
                 </a:solidFill>
@@ -7046,7 +7061,7 @@
               </a:rPr>
               <a:t>追加すればいいのではないか？</a:t>
             </a:r>
-            <a:endParaRPr kumimoji="1" lang="ja-JP" altLang="en-US" sz="2800" dirty="0">
+            <a:endParaRPr kumimoji="1" lang="ja-JP" altLang="en-US" sz="1800" dirty="0">
               <a:solidFill>
                 <a:schemeClr val="tx1"/>
               </a:solidFill>
@@ -7064,13 +7079,13 @@
         </p:nvSpPr>
         <p:spPr>
           <a:xfrm>
-            <a:off x="9397256" y="2754611"/>
-            <a:ext cx="9145016" cy="3407703"/>
+            <a:off x="5796470" y="2422474"/>
+            <a:ext cx="5886847" cy="2049129"/>
           </a:xfrm>
           <a:prstGeom prst="cloudCallout">
             <a:avLst>
-              <a:gd name="adj1" fmla="val -57252"/>
-              <a:gd name="adj2" fmla="val 28767"/>
+              <a:gd name="adj1" fmla="val -63041"/>
+              <a:gd name="adj2" fmla="val 3346"/>
             </a:avLst>
           </a:prstGeom>
           <a:noFill/>
@@ -7102,7 +7117,7 @@
           <a:p>
             <a:pPr algn="ctr"/>
             <a:r>
-              <a:rPr kumimoji="1" lang="ja-JP" altLang="en-US" sz="2800" dirty="0" smtClean="0">
+              <a:rPr kumimoji="1" lang="ja-JP" altLang="en-US" sz="2000" dirty="0" smtClean="0">
                 <a:solidFill>
                   <a:schemeClr val="tx1"/>
                 </a:solidFill>
@@ -7111,7 +7126,7 @@
               </a:rPr>
               <a:t>ちょっと面白くなさそだなぁ・・・</a:t>
             </a:r>
-            <a:endParaRPr kumimoji="1" lang="en-US" altLang="ja-JP" sz="2800" dirty="0" smtClean="0">
+            <a:endParaRPr kumimoji="1" lang="en-US" altLang="ja-JP" sz="2000" dirty="0" smtClean="0">
               <a:solidFill>
                 <a:schemeClr val="tx1"/>
               </a:solidFill>
@@ -7121,6 +7136,16 @@
           </a:p>
           <a:p>
             <a:pPr algn="ctr"/>
+            <a:r>
+              <a:rPr lang="ja-JP" altLang="en-US" sz="2000" dirty="0" smtClean="0">
+                <a:solidFill>
+                  <a:schemeClr val="tx1"/>
+                </a:solidFill>
+                <a:latin typeface="Adobe Fan Heiti Std B" pitchFamily="34" charset="-128"/>
+                <a:ea typeface="Adobe Fan Heiti Std B" pitchFamily="34" charset="-128"/>
+              </a:rPr>
+              <a:t>固そうなイメージもある・・</a:t>
+            </a:r>
             <a:r>
               <a:rPr lang="ja-JP" altLang="en-US" sz="2800" dirty="0" smtClean="0">
                 <a:solidFill>
@@ -7129,7 +7154,7 @@
                 <a:latin typeface="Adobe Fan Heiti Std B" pitchFamily="34" charset="-128"/>
                 <a:ea typeface="Adobe Fan Heiti Std B" pitchFamily="34" charset="-128"/>
               </a:rPr>
-              <a:t>固そうなイメージもある・・・</a:t>
+              <a:t>・</a:t>
             </a:r>
             <a:endParaRPr kumimoji="1" lang="ja-JP" altLang="en-US" sz="2800" dirty="0">
               <a:solidFill>
@@ -7141,9 +7166,81 @@
           </a:p>
         </p:txBody>
       </p:sp>
+      <p:sp>
+        <p:nvSpPr>
+          <p:cNvPr id="18" name="テキスト ボックス 17"/>
+          <p:cNvSpPr txBox="1"/>
+          <p:nvPr/>
+        </p:nvSpPr>
+        <p:spPr>
+          <a:xfrm>
+            <a:off x="1188344" y="25653155"/>
+            <a:ext cx="14150608" cy="830997"/>
+          </a:xfrm>
+          <a:prstGeom prst="rect">
+            <a:avLst/>
+          </a:prstGeom>
+          <a:noFill/>
+        </p:spPr>
+        <p:txBody>
+          <a:bodyPr wrap="square" rtlCol="0">
+            <a:spAutoFit/>
+          </a:bodyPr>
+          <a:lstStyle/>
+          <a:p>
+            <a:r>
+              <a:rPr lang="ja-JP" altLang="en-US" sz="4800" dirty="0" smtClean="0">
+                <a:latin typeface="Adobe Fan Heiti Std B" pitchFamily="34" charset="-128"/>
+                <a:ea typeface="Adobe Fan Heiti Std B" pitchFamily="34" charset="-128"/>
+              </a:rPr>
+              <a:t>来年度から制作したゲームのデジタル化を予定</a:t>
+            </a:r>
+            <a:endParaRPr kumimoji="1" lang="ja-JP" altLang="en-US" sz="4800" dirty="0">
+              <a:latin typeface="Adobe Fan Heiti Std B" pitchFamily="34" charset="-128"/>
+              <a:ea typeface="Adobe Fan Heiti Std B" pitchFamily="34" charset="-128"/>
+            </a:endParaRPr>
+          </a:p>
+        </p:txBody>
+      </p:sp>
+      <p:sp>
+        <p:nvSpPr>
+          <p:cNvPr id="6" name="テキスト ボックス 5"/>
+          <p:cNvSpPr txBox="1"/>
+          <p:nvPr/>
+        </p:nvSpPr>
+        <p:spPr>
+          <a:xfrm>
+            <a:off x="5076776" y="7669207"/>
+            <a:ext cx="11953328" cy="584775"/>
+          </a:xfrm>
+          <a:prstGeom prst="rect">
+            <a:avLst/>
+          </a:prstGeom>
+          <a:noFill/>
+        </p:spPr>
+        <p:txBody>
+          <a:bodyPr wrap="square" rtlCol="0">
+            <a:spAutoFit/>
+          </a:bodyPr>
+          <a:lstStyle/>
+          <a:p>
+            <a:r>
+              <a:rPr kumimoji="1" lang="ja-JP" altLang="en-US" sz="3200" dirty="0" smtClean="0">
+                <a:latin typeface="Adobe Fan Heiti Std B" pitchFamily="34" charset="-128"/>
+                <a:ea typeface="Adobe Fan Heiti Std B" pitchFamily="34" charset="-128"/>
+              </a:rPr>
+              <a:t>面白いゲームを作るためにゲームデザインについて学ぼう！！</a:t>
+            </a:r>
+            <a:endParaRPr kumimoji="1" lang="ja-JP" altLang="en-US" sz="3200" dirty="0">
+              <a:latin typeface="Adobe Fan Heiti Std B" pitchFamily="34" charset="-128"/>
+              <a:ea typeface="Adobe Fan Heiti Std B" pitchFamily="34" charset="-128"/>
+            </a:endParaRPr>
+          </a:p>
+        </p:txBody>
+      </p:sp>
       <p:pic>
         <p:nvPicPr>
-          <p:cNvPr id="1027" name="Picture 3" descr="C:\Users\akamatsu\Desktop\rtfcuyg.jpg"/>
+          <p:cNvPr id="7" name="Picture 2" descr="C:\Users\akamatsu\Desktop\困った顔.jpg"/>
           <p:cNvPicPr>
             <a:picLocks noChangeAspect="1" noChangeArrowheads="1"/>
           </p:cNvPicPr>
@@ -7164,8 +7261,8 @@
         </p:blipFill>
         <p:spPr bwMode="auto">
           <a:xfrm>
-            <a:off x="2559948" y="3318668"/>
-            <a:ext cx="5395817" cy="3590671"/>
+            <a:off x="1081237" y="2454863"/>
+            <a:ext cx="3679206" cy="2339846"/>
           </a:xfrm>
           <a:prstGeom prst="rect">
             <a:avLst/>
@@ -7184,14 +7281,143 @@
       </p:pic>
       <p:sp>
         <p:nvSpPr>
-          <p:cNvPr id="18" name="テキスト ボックス 17"/>
+          <p:cNvPr id="8" name="下矢印 7"/>
+          <p:cNvSpPr/>
+          <p:nvPr/>
+        </p:nvSpPr>
+        <p:spPr>
+          <a:xfrm>
+            <a:off x="9146038" y="6427019"/>
+            <a:ext cx="3173633" cy="1152128"/>
+          </a:xfrm>
+          <a:prstGeom prst="downArrow">
+            <a:avLst/>
+          </a:prstGeom>
+          <a:solidFill>
+            <a:srgbClr val="FF9933"/>
+          </a:solidFill>
+        </p:spPr>
+        <p:style>
+          <a:lnRef idx="2">
+            <a:schemeClr val="accent1">
+              <a:shade val="50000"/>
+            </a:schemeClr>
+          </a:lnRef>
+          <a:fillRef idx="1">
+            <a:schemeClr val="accent1"/>
+          </a:fillRef>
+          <a:effectRef idx="0">
+            <a:schemeClr val="accent1"/>
+          </a:effectRef>
+          <a:fontRef idx="minor">
+            <a:schemeClr val="lt1"/>
+          </a:fontRef>
+        </p:style>
+        <p:txBody>
+          <a:bodyPr rtlCol="0" anchor="ctr"/>
+          <a:lstStyle/>
+          <a:p>
+            <a:pPr algn="ctr"/>
+            <a:endParaRPr kumimoji="1" lang="ja-JP" altLang="en-US">
+              <a:solidFill>
+                <a:srgbClr val="FF9933"/>
+              </a:solidFill>
+            </a:endParaRPr>
+          </a:p>
+        </p:txBody>
+      </p:sp>
+      <p:pic>
+        <p:nvPicPr>
+          <p:cNvPr id="9" name="Picture 3" descr="C:\Users\akamatsu\Desktop\41rXBmgxrsL._AA300_.jpg"/>
+          <p:cNvPicPr>
+            <a:picLocks noChangeAspect="1" noChangeArrowheads="1"/>
+          </p:cNvPicPr>
+          <p:nvPr/>
+        </p:nvPicPr>
+        <p:blipFill>
+          <a:blip r:embed="rId5">
+            <a:extLst>
+              <a:ext uri="{28A0092B-C50C-407E-A947-70E740481C1C}">
+                <a14:useLocalDpi xmlns:a14="http://schemas.microsoft.com/office/drawing/2010/main" val="0"/>
+              </a:ext>
+            </a:extLst>
+          </a:blip>
+          <a:srcRect/>
+          <a:stretch>
+            <a:fillRect/>
+          </a:stretch>
+        </p:blipFill>
+        <p:spPr bwMode="auto">
+          <a:xfrm>
+            <a:off x="1119667" y="8292012"/>
+            <a:ext cx="2426821" cy="2426821"/>
+          </a:xfrm>
+          <a:prstGeom prst="rect">
+            <a:avLst/>
+          </a:prstGeom>
+          <a:noFill/>
+          <a:extLst>
+            <a:ext uri="{909E8E84-426E-40DD-AFC4-6F175D3DCCD1}">
+              <a14:hiddenFill xmlns:a14="http://schemas.microsoft.com/office/drawing/2010/main">
+                <a:solidFill>
+                  <a:srgbClr val="FFFFFF"/>
+                </a:solidFill>
+              </a14:hiddenFill>
+            </a:ext>
+          </a:extLst>
+        </p:spPr>
+      </p:pic>
+      <p:pic>
+        <p:nvPicPr>
+          <p:cNvPr id="1028" name="Picture 4" descr="C:\Users\akamatsu\Desktop\41n7F4jqHAL._SS400_.jpg"/>
+          <p:cNvPicPr>
+            <a:picLocks noChangeAspect="1" noChangeArrowheads="1"/>
+          </p:cNvPicPr>
+          <p:nvPr/>
+        </p:nvPicPr>
+        <p:blipFill>
+          <a:blip r:embed="rId6">
+            <a:extLst>
+              <a:ext uri="{28A0092B-C50C-407E-A947-70E740481C1C}">
+                <a14:useLocalDpi xmlns:a14="http://schemas.microsoft.com/office/drawing/2010/main" val="0"/>
+              </a:ext>
+            </a:extLst>
+          </a:blip>
+          <a:srcRect/>
+          <a:stretch>
+            <a:fillRect/>
+          </a:stretch>
+        </p:blipFill>
+        <p:spPr bwMode="auto">
+          <a:xfrm>
+            <a:off x="18389895" y="11287501"/>
+            <a:ext cx="2340509" cy="2340509"/>
+          </a:xfrm>
+          <a:prstGeom prst="rect">
+            <a:avLst/>
+          </a:prstGeom>
+          <a:noFill/>
+          <a:extLst>
+            <a:ext uri="{909E8E84-426E-40DD-AFC4-6F175D3DCCD1}">
+              <a14:hiddenFill xmlns:a14="http://schemas.microsoft.com/office/drawing/2010/main">
+                <a:solidFill>
+                  <a:srgbClr val="FFFFFF"/>
+                </a:solidFill>
+              </a14:hiddenFill>
+            </a:ext>
+          </a:extLst>
+        </p:spPr>
+      </p:pic>
+      <p:sp>
+        <p:nvSpPr>
+          <p:cNvPr id="10" name="テキスト ボックス 9"/>
           <p:cNvSpPr txBox="1"/>
           <p:nvPr/>
         </p:nvSpPr>
         <p:spPr>
           <a:xfrm>
-            <a:off x="1188344" y="25653155"/>
-            <a:ext cx="14150608" cy="830997"/>
+            <a:off x="3961462" y="8628259"/>
+            <a:ext cx="10369152" cy="1754326"/>
           </a:xfrm>
           <a:prstGeom prst="rect">
             <a:avLst/>
@@ -7204,17 +7430,299 @@
           </a:bodyPr>
           <a:lstStyle/>
           <a:p>
-            <a:r>
-              <a:rPr lang="ja-JP" altLang="en-US" sz="4800" dirty="0" smtClean="0">
+            <a:pPr algn="ctr"/>
+            <a:r>
+              <a:rPr kumimoji="1" lang="ja-JP" altLang="en-US" sz="3600" dirty="0" smtClean="0">
                 <a:latin typeface="Adobe Fan Heiti Std B" pitchFamily="34" charset="-128"/>
                 <a:ea typeface="Adobe Fan Heiti Std B" pitchFamily="34" charset="-128"/>
               </a:rPr>
-              <a:t>来年度から制作したゲームのデジタル化を予定</a:t>
-            </a:r>
-            <a:endParaRPr kumimoji="1" lang="ja-JP" altLang="en-US" sz="4800" dirty="0">
+              <a:t>「ルールズ・オブ・プレイ」</a:t>
+            </a:r>
+            <a:endParaRPr kumimoji="1" lang="en-US" altLang="ja-JP" sz="3600" dirty="0" smtClean="0">
               <a:latin typeface="Adobe Fan Heiti Std B" pitchFamily="34" charset="-128"/>
               <a:ea typeface="Adobe Fan Heiti Std B" pitchFamily="34" charset="-128"/>
             </a:endParaRPr>
+          </a:p>
+          <a:p>
+            <a:pPr algn="ctr"/>
+            <a:r>
+              <a:rPr lang="ja-JP" altLang="en-US" sz="3600" dirty="0" smtClean="0">
+                <a:latin typeface="Adobe Fan Heiti Std B" pitchFamily="34" charset="-128"/>
+                <a:ea typeface="Adobe Fan Heiti Std B" pitchFamily="34" charset="-128"/>
+              </a:rPr>
+              <a:t>と</a:t>
+            </a:r>
+            <a:endParaRPr lang="en-US" altLang="ja-JP" sz="3600" dirty="0" smtClean="0">
+              <a:latin typeface="Adobe Fan Heiti Std B" pitchFamily="34" charset="-128"/>
+              <a:ea typeface="Adobe Fan Heiti Std B" pitchFamily="34" charset="-128"/>
+            </a:endParaRPr>
+          </a:p>
+          <a:p>
+            <a:pPr algn="ctr"/>
+            <a:r>
+              <a:rPr kumimoji="1" lang="ja-JP" altLang="en-US" sz="3600" dirty="0" smtClean="0">
+                <a:latin typeface="Adobe Fan Heiti Std B" pitchFamily="34" charset="-128"/>
+                <a:ea typeface="Adobe Fan Heiti Std B" pitchFamily="34" charset="-128"/>
+              </a:rPr>
+              <a:t>「</a:t>
+            </a:r>
+            <a:r>
+              <a:rPr lang="ja-JP" altLang="en-US" sz="3600" dirty="0">
+                <a:latin typeface="Adobe Fan Heiti Std B" pitchFamily="34" charset="-128"/>
+                <a:ea typeface="Adobe Fan Heiti Std B" pitchFamily="34" charset="-128"/>
+              </a:rPr>
+              <a:t>「レベルアップ」の</a:t>
+            </a:r>
+            <a:r>
+              <a:rPr lang="ja-JP" altLang="en-US" sz="3600" dirty="0" smtClean="0">
+                <a:latin typeface="Adobe Fan Heiti Std B" pitchFamily="34" charset="-128"/>
+                <a:ea typeface="Adobe Fan Heiti Std B" pitchFamily="34" charset="-128"/>
+              </a:rPr>
+              <a:t>ゲームデザイン」</a:t>
+            </a:r>
+            <a:endParaRPr lang="ja-JP" altLang="en-US" sz="3600" dirty="0">
+              <a:latin typeface="Adobe Fan Heiti Std B" pitchFamily="34" charset="-128"/>
+              <a:ea typeface="Adobe Fan Heiti Std B" pitchFamily="34" charset="-128"/>
+            </a:endParaRPr>
+          </a:p>
+        </p:txBody>
+      </p:sp>
+      <p:sp>
+        <p:nvSpPr>
+          <p:cNvPr id="13" name="テキスト ボックス 12"/>
+          <p:cNvSpPr txBox="1"/>
+          <p:nvPr/>
+        </p:nvSpPr>
+        <p:spPr>
+          <a:xfrm>
+            <a:off x="13523163" y="9182256"/>
+            <a:ext cx="7109639" cy="646331"/>
+          </a:xfrm>
+          <a:prstGeom prst="rect">
+            <a:avLst/>
+          </a:prstGeom>
+          <a:noFill/>
+        </p:spPr>
+        <p:txBody>
+          <a:bodyPr wrap="none" rtlCol="0">
+            <a:spAutoFit/>
+          </a:bodyPr>
+          <a:lstStyle/>
+          <a:p>
+            <a:r>
+              <a:rPr kumimoji="1" lang="ja-JP" altLang="en-US" sz="3600" dirty="0" smtClean="0">
+                <a:latin typeface="Adobe Fan Heiti Std B" pitchFamily="34" charset="-128"/>
+                <a:ea typeface="Adobe Fan Heiti Std B" pitchFamily="34" charset="-128"/>
+              </a:rPr>
+              <a:t>からゲームデザインについて学ぶ</a:t>
+            </a:r>
+            <a:endParaRPr kumimoji="1" lang="ja-JP" altLang="en-US" sz="3600" dirty="0">
+              <a:latin typeface="Adobe Fan Heiti Std B" pitchFamily="34" charset="-128"/>
+              <a:ea typeface="Adobe Fan Heiti Std B" pitchFamily="34" charset="-128"/>
+            </a:endParaRPr>
+          </a:p>
+        </p:txBody>
+      </p:sp>
+      <p:sp>
+        <p:nvSpPr>
+          <p:cNvPr id="14" name="テキスト ボックス 13"/>
+          <p:cNvSpPr txBox="1"/>
+          <p:nvPr/>
+        </p:nvSpPr>
+        <p:spPr>
+          <a:xfrm>
+            <a:off x="4284688" y="11379736"/>
+            <a:ext cx="5519460" cy="1569660"/>
+          </a:xfrm>
+          <a:prstGeom prst="rect">
+            <a:avLst/>
+          </a:prstGeom>
+          <a:noFill/>
+        </p:spPr>
+        <p:txBody>
+          <a:bodyPr wrap="none" rtlCol="0">
+            <a:spAutoFit/>
+          </a:bodyPr>
+          <a:lstStyle/>
+          <a:p>
+            <a:r>
+              <a:rPr kumimoji="1" lang="ja-JP" altLang="en-US" sz="3200" dirty="0" smtClean="0">
+                <a:latin typeface="Adobe Fan Heiti Std B" pitchFamily="34" charset="-128"/>
+                <a:ea typeface="Adobe Fan Heiti Std B" pitchFamily="34" charset="-128"/>
+              </a:rPr>
+              <a:t>・ゲームとは</a:t>
+            </a:r>
+            <a:endParaRPr kumimoji="1" lang="en-US" altLang="ja-JP" sz="3200" dirty="0" smtClean="0">
+              <a:latin typeface="Adobe Fan Heiti Std B" pitchFamily="34" charset="-128"/>
+              <a:ea typeface="Adobe Fan Heiti Std B" pitchFamily="34" charset="-128"/>
+            </a:endParaRPr>
+          </a:p>
+          <a:p>
+            <a:r>
+              <a:rPr kumimoji="1" lang="ja-JP" altLang="en-US" sz="3200" dirty="0" smtClean="0">
+                <a:latin typeface="Adobe Fan Heiti Std B" pitchFamily="34" charset="-128"/>
+                <a:ea typeface="Adobe Fan Heiti Std B" pitchFamily="34" charset="-128"/>
+              </a:rPr>
+              <a:t>・ゲームに関する面白さとは</a:t>
+            </a:r>
+            <a:endParaRPr kumimoji="1" lang="en-US" altLang="ja-JP" sz="3200" dirty="0" smtClean="0">
+              <a:latin typeface="Adobe Fan Heiti Std B" pitchFamily="34" charset="-128"/>
+              <a:ea typeface="Adobe Fan Heiti Std B" pitchFamily="34" charset="-128"/>
+            </a:endParaRPr>
+          </a:p>
+          <a:p>
+            <a:r>
+              <a:rPr lang="ja-JP" altLang="en-US" sz="3200" dirty="0" smtClean="0">
+                <a:latin typeface="Adobe Fan Heiti Std B" pitchFamily="34" charset="-128"/>
+                <a:ea typeface="Adobe Fan Heiti Std B" pitchFamily="34" charset="-128"/>
+              </a:rPr>
+              <a:t>・ゲーム全体のバランス</a:t>
+            </a:r>
+            <a:endParaRPr kumimoji="1" lang="ja-JP" altLang="en-US" sz="3200" dirty="0">
+              <a:latin typeface="Adobe Fan Heiti Std B" pitchFamily="34" charset="-128"/>
+              <a:ea typeface="Adobe Fan Heiti Std B" pitchFamily="34" charset="-128"/>
+            </a:endParaRPr>
+          </a:p>
+        </p:txBody>
+      </p:sp>
+      <p:sp>
+        <p:nvSpPr>
+          <p:cNvPr id="21" name="円/楕円 20"/>
+          <p:cNvSpPr/>
+          <p:nvPr/>
+        </p:nvSpPr>
+        <p:spPr>
+          <a:xfrm>
+            <a:off x="3415444" y="10971056"/>
+            <a:ext cx="6650441" cy="2387019"/>
+          </a:xfrm>
+          <a:prstGeom prst="ellipse">
+            <a:avLst/>
+          </a:prstGeom>
+          <a:noFill/>
+          <a:ln>
+            <a:solidFill>
+              <a:schemeClr val="tx1"/>
+            </a:solidFill>
+          </a:ln>
+        </p:spPr>
+        <p:style>
+          <a:lnRef idx="2">
+            <a:schemeClr val="accent1">
+              <a:shade val="50000"/>
+            </a:schemeClr>
+          </a:lnRef>
+          <a:fillRef idx="1">
+            <a:schemeClr val="accent1"/>
+          </a:fillRef>
+          <a:effectRef idx="0">
+            <a:schemeClr val="accent1"/>
+          </a:effectRef>
+          <a:fontRef idx="minor">
+            <a:schemeClr val="lt1"/>
+          </a:fontRef>
+        </p:style>
+        <p:txBody>
+          <a:bodyPr rtlCol="0" anchor="ctr"/>
+          <a:lstStyle/>
+          <a:p>
+            <a:pPr algn="ctr"/>
+            <a:endParaRPr kumimoji="1" lang="ja-JP" altLang="en-US"/>
+          </a:p>
+        </p:txBody>
+      </p:sp>
+      <p:sp>
+        <p:nvSpPr>
+          <p:cNvPr id="23" name="テキスト ボックス 22"/>
+          <p:cNvSpPr txBox="1"/>
+          <p:nvPr/>
+        </p:nvSpPr>
+        <p:spPr>
+          <a:xfrm>
+            <a:off x="12354865" y="11564402"/>
+            <a:ext cx="3877985" cy="1200329"/>
+          </a:xfrm>
+          <a:prstGeom prst="rect">
+            <a:avLst/>
+          </a:prstGeom>
+          <a:noFill/>
+        </p:spPr>
+        <p:txBody>
+          <a:bodyPr wrap="none" rtlCol="0">
+            <a:spAutoFit/>
+          </a:bodyPr>
+          <a:lstStyle/>
+          <a:p>
+            <a:r>
+              <a:rPr lang="ja-JP" altLang="en-US" sz="3600" dirty="0" smtClean="0">
+                <a:latin typeface="Adobe Fan Heiti Std B" pitchFamily="34" charset="-128"/>
+                <a:ea typeface="Adobe Fan Heiti Std B" pitchFamily="34" charset="-128"/>
+              </a:rPr>
+              <a:t>・ユーザーの属性</a:t>
+            </a:r>
+            <a:endParaRPr lang="en-US" altLang="ja-JP" sz="3600" dirty="0" smtClean="0">
+              <a:latin typeface="Adobe Fan Heiti Std B" pitchFamily="34" charset="-128"/>
+              <a:ea typeface="Adobe Fan Heiti Std B" pitchFamily="34" charset="-128"/>
+            </a:endParaRPr>
+          </a:p>
+          <a:p>
+            <a:r>
+              <a:rPr kumimoji="1" lang="ja-JP" altLang="en-US" sz="3600" dirty="0" smtClean="0">
+                <a:latin typeface="Adobe Fan Heiti Std B" pitchFamily="34" charset="-128"/>
+                <a:ea typeface="Adobe Fan Heiti Std B" pitchFamily="34" charset="-128"/>
+              </a:rPr>
+              <a:t>・ゲームの目的</a:t>
+            </a:r>
+            <a:endParaRPr kumimoji="1" lang="ja-JP" altLang="en-US" sz="3600" dirty="0">
+              <a:latin typeface="Adobe Fan Heiti Std B" pitchFamily="34" charset="-128"/>
+              <a:ea typeface="Adobe Fan Heiti Std B" pitchFamily="34" charset="-128"/>
+            </a:endParaRPr>
+          </a:p>
+        </p:txBody>
+      </p:sp>
+      <p:sp>
+        <p:nvSpPr>
+          <p:cNvPr id="24" name="円/楕円 23"/>
+          <p:cNvSpPr/>
+          <p:nvPr/>
+        </p:nvSpPr>
+        <p:spPr>
+          <a:xfrm>
+            <a:off x="11206585" y="11012140"/>
+            <a:ext cx="6307489" cy="2387020"/>
+          </a:xfrm>
+          <a:prstGeom prst="ellipse">
+            <a:avLst/>
+          </a:prstGeom>
+          <a:noFill/>
+          <a:ln>
+            <a:solidFill>
+              <a:schemeClr val="tx1"/>
+            </a:solidFill>
+          </a:ln>
+        </p:spPr>
+        <p:style>
+          <a:lnRef idx="2">
+            <a:schemeClr val="accent1">
+              <a:shade val="50000"/>
+            </a:schemeClr>
+          </a:lnRef>
+          <a:fillRef idx="1">
+            <a:schemeClr val="accent1"/>
+          </a:fillRef>
+          <a:effectRef idx="0">
+            <a:schemeClr val="accent1"/>
+          </a:effectRef>
+          <a:fontRef idx="minor">
+            <a:schemeClr val="lt1"/>
+          </a:fontRef>
+        </p:style>
+        <p:txBody>
+          <a:bodyPr rtlCol="0" anchor="ctr"/>
+          <a:lstStyle/>
+          <a:p>
+            <a:pPr algn="ctr"/>
+            <a:endParaRPr kumimoji="1" lang="ja-JP" altLang="en-US"/>
           </a:p>
         </p:txBody>
       </p:sp>

--- a/課題研究/2013/赤松佳紀/ポスター　赤松.pptx
+++ b/課題研究/2013/赤松佳紀/ポスター　赤松.pptx
@@ -4294,6 +4294,140 @@
       </p:grpSpPr>
       <p:sp>
         <p:nvSpPr>
+          <p:cNvPr id="1029" name="正方形/長方形 1028"/>
+          <p:cNvSpPr/>
+          <p:nvPr/>
+        </p:nvSpPr>
+        <p:spPr>
+          <a:xfrm>
+            <a:off x="2130979" y="21432746"/>
+            <a:ext cx="13087642" cy="769441"/>
+          </a:xfrm>
+          <a:prstGeom prst="rect">
+            <a:avLst/>
+          </a:prstGeom>
+          <a:solidFill>
+            <a:srgbClr val="FF9933"/>
+          </a:solidFill>
+        </p:spPr>
+        <p:style>
+          <a:lnRef idx="2">
+            <a:schemeClr val="accent1">
+              <a:shade val="50000"/>
+            </a:schemeClr>
+          </a:lnRef>
+          <a:fillRef idx="1">
+            <a:schemeClr val="accent1"/>
+          </a:fillRef>
+          <a:effectRef idx="0">
+            <a:schemeClr val="accent1"/>
+          </a:effectRef>
+          <a:fontRef idx="minor">
+            <a:schemeClr val="lt1"/>
+          </a:fontRef>
+        </p:style>
+        <p:txBody>
+          <a:bodyPr rtlCol="0" anchor="ctr"/>
+          <a:lstStyle/>
+          <a:p>
+            <a:pPr algn="ctr"/>
+            <a:endParaRPr kumimoji="1" lang="ja-JP" altLang="en-US"/>
+          </a:p>
+        </p:txBody>
+      </p:sp>
+      <p:sp>
+        <p:nvSpPr>
+          <p:cNvPr id="31" name="正方形/長方形 30"/>
+          <p:cNvSpPr/>
+          <p:nvPr/>
+        </p:nvSpPr>
+        <p:spPr>
+          <a:xfrm>
+            <a:off x="2130979" y="18879590"/>
+            <a:ext cx="18882062" cy="707886"/>
+          </a:xfrm>
+          <a:prstGeom prst="rect">
+            <a:avLst/>
+          </a:prstGeom>
+          <a:solidFill>
+            <a:srgbClr val="FF9933"/>
+          </a:solidFill>
+        </p:spPr>
+        <p:style>
+          <a:lnRef idx="2">
+            <a:schemeClr val="accent1">
+              <a:shade val="50000"/>
+            </a:schemeClr>
+          </a:lnRef>
+          <a:fillRef idx="1">
+            <a:schemeClr val="accent1"/>
+          </a:fillRef>
+          <a:effectRef idx="0">
+            <a:schemeClr val="accent1"/>
+          </a:effectRef>
+          <a:fontRef idx="minor">
+            <a:schemeClr val="lt1"/>
+          </a:fontRef>
+        </p:style>
+        <p:txBody>
+          <a:bodyPr rtlCol="0" anchor="ctr"/>
+          <a:lstStyle/>
+          <a:p>
+            <a:pPr algn="ctr"/>
+            <a:endParaRPr kumimoji="1" lang="ja-JP" altLang="en-US"/>
+          </a:p>
+        </p:txBody>
+      </p:sp>
+      <p:sp>
+        <p:nvSpPr>
+          <p:cNvPr id="8" name="正方形/長方形 7"/>
+          <p:cNvSpPr/>
+          <p:nvPr/>
+        </p:nvSpPr>
+        <p:spPr>
+          <a:xfrm>
+            <a:off x="2130979" y="11982677"/>
+            <a:ext cx="4262819" cy="646331"/>
+          </a:xfrm>
+          <a:prstGeom prst="rect">
+            <a:avLst/>
+          </a:prstGeom>
+          <a:solidFill>
+            <a:srgbClr val="FF9933"/>
+          </a:solidFill>
+          <a:ln>
+            <a:solidFill>
+              <a:srgbClr val="FF9933"/>
+            </a:solidFill>
+          </a:ln>
+        </p:spPr>
+        <p:style>
+          <a:lnRef idx="2">
+            <a:schemeClr val="accent1">
+              <a:shade val="50000"/>
+            </a:schemeClr>
+          </a:lnRef>
+          <a:fillRef idx="1">
+            <a:schemeClr val="accent1"/>
+          </a:fillRef>
+          <a:effectRef idx="0">
+            <a:schemeClr val="accent1"/>
+          </a:effectRef>
+          <a:fontRef idx="minor">
+            <a:schemeClr val="lt1"/>
+          </a:fontRef>
+        </p:style>
+        <p:txBody>
+          <a:bodyPr rtlCol="0" anchor="ctr"/>
+          <a:lstStyle/>
+          <a:p>
+            <a:pPr algn="ctr"/>
+            <a:endParaRPr kumimoji="1" lang="ja-JP" altLang="en-US"/>
+          </a:p>
+        </p:txBody>
+      </p:sp>
+      <p:sp>
+        <p:nvSpPr>
           <p:cNvPr id="2" name="テキスト ボックス 1"/>
           <p:cNvSpPr txBox="1"/>
           <p:nvPr/>
@@ -4301,7 +4435,7 @@
         <p:spPr>
           <a:xfrm>
             <a:off x="756296" y="0"/>
-            <a:ext cx="17425936" cy="3416298"/>
+            <a:ext cx="17425936" cy="2308302"/>
           </a:xfrm>
           <a:prstGeom prst="rect">
             <a:avLst/>
@@ -4323,7 +4457,7 @@
                 <a:latin typeface="Adobe Heiti Std R" pitchFamily="34" charset="-128"/>
                 <a:ea typeface="Adobe Heiti Std R" pitchFamily="34" charset="-128"/>
               </a:rPr>
-              <a:t>プロジェクトマネジメント</a:t>
+              <a:t>「プロジェクトマネジメントを学ぶ」</a:t>
             </a:r>
             <a:endParaRPr lang="en-US" altLang="ja-JP" sz="7200" b="1" dirty="0" smtClean="0">
               <a:solidFill>
@@ -4343,18 +4477,8 @@
                 <a:latin typeface="Adobe Heiti Std R" pitchFamily="34" charset="-128"/>
                 <a:ea typeface="Adobe Heiti Std R" pitchFamily="34" charset="-128"/>
               </a:rPr>
-              <a:t>を</a:t>
-            </a:r>
-            <a:endParaRPr lang="en-US" altLang="ja-JP" sz="7200" b="1" dirty="0" smtClean="0">
-              <a:solidFill>
-                <a:srgbClr val="0070C0"/>
-              </a:solidFill>
-              <a:latin typeface="Adobe Heiti Std R" pitchFamily="34" charset="-128"/>
-              <a:ea typeface="Adobe Heiti Std R" pitchFamily="34" charset="-128"/>
-            </a:endParaRPr>
-          </a:p>
-          <a:p>
-            <a:pPr algn="ctr"/>
+              <a:t>ゲーム</a:t>
+            </a:r>
             <a:r>
               <a:rPr lang="ja-JP" altLang="en-US" sz="7200" b="1" dirty="0" smtClean="0">
                 <a:solidFill>
@@ -4363,7 +4487,7 @@
                 <a:latin typeface="Adobe Heiti Std R" pitchFamily="34" charset="-128"/>
                 <a:ea typeface="Adobe Heiti Std R" pitchFamily="34" charset="-128"/>
               </a:rPr>
-              <a:t>学ぶゲーム開発</a:t>
+              <a:t>開発</a:t>
             </a:r>
             <a:endParaRPr lang="ja-JP" altLang="en-US" sz="7200" b="1" dirty="0">
               <a:solidFill>
@@ -4476,8 +4600,8 @@
         </p:nvSpPr>
         <p:spPr>
           <a:xfrm>
-            <a:off x="8064769" y="5901625"/>
-            <a:ext cx="8245256" cy="3477722"/>
+            <a:off x="7039952" y="5867740"/>
+            <a:ext cx="5669672" cy="3295583"/>
           </a:xfrm>
           <a:prstGeom prst="cloudCallout">
             <a:avLst>
@@ -4525,8 +4649,8 @@
         </p:nvSpPr>
         <p:spPr>
           <a:xfrm>
-            <a:off x="9438248" y="6855656"/>
-            <a:ext cx="7355178" cy="1569660"/>
+            <a:off x="7757017" y="6855655"/>
+            <a:ext cx="4376543" cy="1200329"/>
           </a:xfrm>
           <a:prstGeom prst="rect">
             <a:avLst/>
@@ -4540,33 +4664,33 @@
           <a:lstStyle/>
           <a:p>
             <a:r>
-              <a:rPr kumimoji="1" lang="ja-JP" altLang="en-US" sz="4800" dirty="0" smtClean="0">
+              <a:rPr kumimoji="1" lang="ja-JP" altLang="en-US" sz="3600" dirty="0" smtClean="0">
                 <a:latin typeface="Adobe Heiti Std R" pitchFamily="34" charset="-128"/>
                 <a:ea typeface="Adobe Heiti Std R" pitchFamily="34" charset="-128"/>
               </a:rPr>
               <a:t>遊びながら勉強</a:t>
             </a:r>
-            <a:endParaRPr kumimoji="1" lang="en-US" altLang="ja-JP" sz="4800" dirty="0" smtClean="0">
+            <a:endParaRPr kumimoji="1" lang="en-US" altLang="ja-JP" sz="3600" dirty="0" smtClean="0">
               <a:latin typeface="Adobe Heiti Std R" pitchFamily="34" charset="-128"/>
               <a:ea typeface="Adobe Heiti Std R" pitchFamily="34" charset="-128"/>
             </a:endParaRPr>
           </a:p>
           <a:p>
             <a:r>
-              <a:rPr lang="ja-JP" altLang="en-US" sz="4800" dirty="0">
+              <a:rPr lang="ja-JP" altLang="en-US" sz="3600" dirty="0">
                 <a:latin typeface="Adobe Heiti Std R" pitchFamily="34" charset="-128"/>
                 <a:ea typeface="Adobe Heiti Std R" pitchFamily="34" charset="-128"/>
               </a:rPr>
               <a:t>できない</a:t>
             </a:r>
             <a:r>
-              <a:rPr lang="ja-JP" altLang="en-US" sz="4800" dirty="0" smtClean="0">
+              <a:rPr lang="ja-JP" altLang="en-US" sz="3600" dirty="0" smtClean="0">
                 <a:latin typeface="Adobe Heiti Std R" pitchFamily="34" charset="-128"/>
                 <a:ea typeface="Adobe Heiti Std R" pitchFamily="34" charset="-128"/>
               </a:rPr>
               <a:t>かな・・・</a:t>
             </a:r>
-            <a:endParaRPr kumimoji="1" lang="ja-JP" altLang="en-US" sz="4800" dirty="0">
+            <a:endParaRPr kumimoji="1" lang="ja-JP" altLang="en-US" sz="3600" dirty="0">
               <a:latin typeface="Adobe Heiti Std R" pitchFamily="34" charset="-128"/>
               <a:ea typeface="Adobe Heiti Std R" pitchFamily="34" charset="-128"/>
             </a:endParaRPr>
@@ -4597,7 +4721,7 @@
         <p:spPr bwMode="auto">
           <a:xfrm>
             <a:off x="2268464" y="7036008"/>
-            <a:ext cx="4888397" cy="3172108"/>
+            <a:ext cx="3835353" cy="2488782"/>
           </a:xfrm>
           <a:prstGeom prst="rect">
             <a:avLst/>
@@ -4637,8 +4761,8 @@
         </p:blipFill>
         <p:spPr bwMode="auto">
           <a:xfrm rot="990131">
-            <a:off x="15420450" y="9854432"/>
-            <a:ext cx="4155413" cy="3942928"/>
+            <a:off x="16211143" y="7844928"/>
+            <a:ext cx="3264408" cy="3097484"/>
           </a:xfrm>
           <a:prstGeom prst="rect">
             <a:avLst/>
@@ -4663,8 +4787,8 @@
         </p:nvSpPr>
         <p:spPr>
           <a:xfrm>
-            <a:off x="6145561" y="9524790"/>
-            <a:ext cx="9005074" cy="4896544"/>
+            <a:off x="8489375" y="8799655"/>
+            <a:ext cx="7383406" cy="3207473"/>
           </a:xfrm>
           <a:prstGeom prst="irregularSeal2">
             <a:avLst/>
@@ -4708,9 +4832,9 @@
           <p:nvPr/>
         </p:nvSpPr>
         <p:spPr>
-          <a:xfrm>
-            <a:off x="9281452" y="11388287"/>
-            <a:ext cx="2236510" cy="584775"/>
+          <a:xfrm rot="20916597">
+            <a:off x="10697428" y="9715153"/>
+            <a:ext cx="1980029" cy="523220"/>
           </a:xfrm>
           <a:prstGeom prst="rect">
             <a:avLst/>
@@ -4724,13 +4848,13 @@
           <a:lstStyle/>
           <a:p>
             <a:r>
-              <a:rPr kumimoji="1" lang="ja-JP" altLang="en-US" sz="3200" dirty="0" smtClean="0">
+              <a:rPr kumimoji="1" lang="ja-JP" altLang="en-US" sz="2800" dirty="0" smtClean="0">
                 <a:latin typeface="Adobe Heiti Std R" pitchFamily="34" charset="-128"/>
                 <a:ea typeface="Adobe Heiti Std R" pitchFamily="34" charset="-128"/>
               </a:rPr>
               <a:t>そうだ！！</a:t>
             </a:r>
-            <a:endParaRPr kumimoji="1" lang="ja-JP" altLang="en-US" sz="3200" dirty="0">
+            <a:endParaRPr kumimoji="1" lang="ja-JP" altLang="en-US" sz="2800" dirty="0">
               <a:latin typeface="Adobe Heiti Std R" pitchFamily="34" charset="-128"/>
               <a:ea typeface="Adobe Heiti Std R" pitchFamily="34" charset="-128"/>
             </a:endParaRPr>
@@ -4744,9 +4868,9 @@
           <p:nvPr/>
         </p:nvSpPr>
         <p:spPr>
-          <a:xfrm>
-            <a:off x="7434793" y="12193754"/>
-            <a:ext cx="5929828" cy="584775"/>
+          <a:xfrm rot="20737709">
+            <a:off x="9752924" y="10488467"/>
+            <a:ext cx="4493538" cy="461665"/>
           </a:xfrm>
           <a:prstGeom prst="rect">
             <a:avLst/>
@@ -4760,13 +4884,13 @@
           <a:lstStyle/>
           <a:p>
             <a:r>
-              <a:rPr kumimoji="1" lang="ja-JP" altLang="en-US" sz="3200" dirty="0" smtClean="0">
+              <a:rPr kumimoji="1" lang="ja-JP" altLang="en-US" sz="2400" dirty="0" smtClean="0">
                 <a:latin typeface="Adobe Heiti Std R" pitchFamily="34" charset="-128"/>
                 <a:ea typeface="Adobe Heiti Std R" pitchFamily="34" charset="-128"/>
               </a:rPr>
               <a:t>勉強できるゲームをつくろう！</a:t>
             </a:r>
-            <a:endParaRPr kumimoji="1" lang="ja-JP" altLang="en-US" sz="3200" dirty="0">
+            <a:endParaRPr kumimoji="1" lang="ja-JP" altLang="en-US" sz="2400" dirty="0">
               <a:latin typeface="Adobe Heiti Std R" pitchFamily="34" charset="-128"/>
               <a:ea typeface="Adobe Heiti Std R" pitchFamily="34" charset="-128"/>
             </a:endParaRPr>
@@ -4781,7 +4905,7 @@
         </p:nvSpPr>
         <p:spPr>
           <a:xfrm>
-            <a:off x="2268464" y="14466694"/>
+            <a:off x="2268464" y="20108539"/>
             <a:ext cx="3760966" cy="984885"/>
           </a:xfrm>
           <a:prstGeom prst="rect">
@@ -4816,9 +4940,251 @@
           </a:p>
         </p:txBody>
       </p:sp>
+      <p:sp>
+        <p:nvSpPr>
+          <p:cNvPr id="14" name="テキスト ボックス 13"/>
+          <p:cNvSpPr txBox="1"/>
+          <p:nvPr/>
+        </p:nvSpPr>
+        <p:spPr>
+          <a:xfrm>
+            <a:off x="-7596632" y="28605020"/>
+            <a:ext cx="3223959" cy="2308324"/>
+          </a:xfrm>
+          <a:prstGeom prst="rect">
+            <a:avLst/>
+          </a:prstGeom>
+          <a:noFill/>
+        </p:spPr>
+        <p:txBody>
+          <a:bodyPr wrap="none" rtlCol="0">
+            <a:spAutoFit/>
+          </a:bodyPr>
+          <a:lstStyle/>
+          <a:p>
+            <a:r>
+              <a:rPr kumimoji="1" lang="ja-JP" altLang="en-US" sz="3600" dirty="0" smtClean="0">
+                <a:solidFill>
+                  <a:srgbClr val="FF0000"/>
+                </a:solidFill>
+                <a:latin typeface="+mj-ea"/>
+                <a:ea typeface="+mj-ea"/>
+              </a:rPr>
+              <a:t>赤</a:t>
+            </a:r>
+            <a:r>
+              <a:rPr kumimoji="1" lang="ja-JP" altLang="en-US" sz="3600" dirty="0" smtClean="0">
+                <a:latin typeface="+mj-ea"/>
+                <a:ea typeface="+mj-ea"/>
+              </a:rPr>
+              <a:t>：トランプ</a:t>
+            </a:r>
+            <a:endParaRPr kumimoji="1" lang="en-US" altLang="ja-JP" sz="3600" dirty="0" smtClean="0">
+              <a:latin typeface="+mj-ea"/>
+              <a:ea typeface="+mj-ea"/>
+            </a:endParaRPr>
+          </a:p>
+          <a:p>
+            <a:r>
+              <a:rPr lang="ja-JP" altLang="en-US" sz="3600" dirty="0" smtClean="0">
+                <a:solidFill>
+                  <a:srgbClr val="00B0F0"/>
+                </a:solidFill>
+                <a:latin typeface="+mj-ea"/>
+                <a:ea typeface="+mj-ea"/>
+              </a:rPr>
+              <a:t>水色</a:t>
+            </a:r>
+            <a:r>
+              <a:rPr lang="ja-JP" altLang="en-US" sz="3600" dirty="0" smtClean="0">
+                <a:latin typeface="+mj-ea"/>
+                <a:ea typeface="+mj-ea"/>
+              </a:rPr>
+              <a:t>：ドミニオン</a:t>
+            </a:r>
+            <a:endParaRPr lang="en-US" altLang="ja-JP" sz="3600" dirty="0" smtClean="0">
+              <a:latin typeface="+mj-ea"/>
+              <a:ea typeface="+mj-ea"/>
+            </a:endParaRPr>
+          </a:p>
+          <a:p>
+            <a:r>
+              <a:rPr lang="ja-JP" altLang="en-US" sz="3600" dirty="0" smtClean="0">
+                <a:solidFill>
+                  <a:srgbClr val="FF9933"/>
+                </a:solidFill>
+                <a:latin typeface="+mj-ea"/>
+                <a:ea typeface="+mj-ea"/>
+              </a:rPr>
+              <a:t>橙</a:t>
+            </a:r>
+            <a:r>
+              <a:rPr lang="ja-JP" altLang="en-US" sz="3600" dirty="0" smtClean="0">
+                <a:latin typeface="+mj-ea"/>
+                <a:ea typeface="+mj-ea"/>
+              </a:rPr>
+              <a:t>：人生ゲーム</a:t>
+            </a:r>
+            <a:endParaRPr lang="en-US" altLang="ja-JP" sz="3600" dirty="0" smtClean="0">
+              <a:latin typeface="+mj-ea"/>
+              <a:ea typeface="+mj-ea"/>
+            </a:endParaRPr>
+          </a:p>
+          <a:p>
+            <a:r>
+              <a:rPr kumimoji="1" lang="ja-JP" altLang="en-US" sz="3600" dirty="0" smtClean="0">
+                <a:solidFill>
+                  <a:srgbClr val="92D050"/>
+                </a:solidFill>
+                <a:latin typeface="+mj-ea"/>
+                <a:ea typeface="+mj-ea"/>
+              </a:rPr>
+              <a:t>緑</a:t>
+            </a:r>
+            <a:r>
+              <a:rPr kumimoji="1" lang="ja-JP" altLang="en-US" sz="3600" dirty="0" smtClean="0">
+                <a:latin typeface="+mj-ea"/>
+                <a:ea typeface="+mj-ea"/>
+              </a:rPr>
+              <a:t>：カタン</a:t>
+            </a:r>
+            <a:endParaRPr kumimoji="1" lang="ja-JP" altLang="en-US" sz="3600" dirty="0">
+              <a:latin typeface="+mj-ea"/>
+              <a:ea typeface="+mj-ea"/>
+            </a:endParaRPr>
+          </a:p>
+        </p:txBody>
+      </p:sp>
+      <p:sp>
+        <p:nvSpPr>
+          <p:cNvPr id="4" name="テキスト ボックス 3"/>
+          <p:cNvSpPr txBox="1"/>
+          <p:nvPr/>
+        </p:nvSpPr>
+        <p:spPr>
+          <a:xfrm>
+            <a:off x="2130979" y="11982677"/>
+            <a:ext cx="19112925" cy="646331"/>
+          </a:xfrm>
+          <a:prstGeom prst="rect">
+            <a:avLst/>
+          </a:prstGeom>
+          <a:noFill/>
+        </p:spPr>
+        <p:txBody>
+          <a:bodyPr wrap="none" rtlCol="0">
+            <a:spAutoFit/>
+          </a:bodyPr>
+          <a:lstStyle/>
+          <a:p>
+            <a:r>
+              <a:rPr kumimoji="1" lang="ja-JP" altLang="en-US" sz="3600" dirty="0" smtClean="0">
+                <a:latin typeface="Adobe Heiti Std R" pitchFamily="34" charset="-128"/>
+                <a:ea typeface="Adobe Heiti Std R" pitchFamily="34" charset="-128"/>
+              </a:rPr>
+              <a:t>マネジメントゲーム・・・</a:t>
+            </a:r>
+            <a:r>
+              <a:rPr lang="ja-JP" altLang="ja-JP" sz="3600" dirty="0">
+                <a:latin typeface="Adobe Heiti Std R" pitchFamily="34" charset="-128"/>
+                <a:ea typeface="Adobe Heiti Std R" pitchFamily="34" charset="-128"/>
+              </a:rPr>
+              <a:t>従業員教育を目的として開発された経営シミュレーションゲーム</a:t>
+            </a:r>
+            <a:endParaRPr kumimoji="1" lang="ja-JP" altLang="en-US" sz="3600" dirty="0">
+              <a:latin typeface="Adobe Heiti Std R" pitchFamily="34" charset="-128"/>
+              <a:ea typeface="Adobe Heiti Std R" pitchFamily="34" charset="-128"/>
+            </a:endParaRPr>
+          </a:p>
+        </p:txBody>
+      </p:sp>
+      <p:sp>
+        <p:nvSpPr>
+          <p:cNvPr id="24" name="屈折矢印 23"/>
+          <p:cNvSpPr/>
+          <p:nvPr/>
+        </p:nvSpPr>
+        <p:spPr>
+          <a:xfrm rot="5400000">
+            <a:off x="3829239" y="12232964"/>
+            <a:ext cx="1368152" cy="2160240"/>
+          </a:xfrm>
+          <a:prstGeom prst="bentUpArrow">
+            <a:avLst/>
+          </a:prstGeom>
+          <a:solidFill>
+            <a:schemeClr val="tx1"/>
+          </a:solidFill>
+          <a:ln>
+            <a:solidFill>
+              <a:schemeClr val="tx1"/>
+            </a:solidFill>
+          </a:ln>
+        </p:spPr>
+        <p:style>
+          <a:lnRef idx="2">
+            <a:schemeClr val="accent1">
+              <a:shade val="50000"/>
+            </a:schemeClr>
+          </a:lnRef>
+          <a:fillRef idx="1">
+            <a:schemeClr val="accent1"/>
+          </a:fillRef>
+          <a:effectRef idx="0">
+            <a:schemeClr val="accent1"/>
+          </a:effectRef>
+          <a:fontRef idx="minor">
+            <a:schemeClr val="lt1"/>
+          </a:fontRef>
+        </p:style>
+        <p:txBody>
+          <a:bodyPr rtlCol="0" anchor="ctr"/>
+          <a:lstStyle/>
+          <a:p>
+            <a:pPr algn="ctr"/>
+            <a:endParaRPr kumimoji="1" lang="ja-JP" altLang="en-US"/>
+          </a:p>
+        </p:txBody>
+      </p:sp>
+      <p:sp>
+        <p:nvSpPr>
+          <p:cNvPr id="25" name="テキスト ボックス 24"/>
+          <p:cNvSpPr txBox="1"/>
+          <p:nvPr/>
+        </p:nvSpPr>
+        <p:spPr>
+          <a:xfrm>
+            <a:off x="5593435" y="13350829"/>
+            <a:ext cx="15419606" cy="646331"/>
+          </a:xfrm>
+          <a:prstGeom prst="rect">
+            <a:avLst/>
+          </a:prstGeom>
+          <a:noFill/>
+        </p:spPr>
+        <p:txBody>
+          <a:bodyPr wrap="none" rtlCol="0">
+            <a:spAutoFit/>
+          </a:bodyPr>
+          <a:lstStyle/>
+          <a:p>
+            <a:r>
+              <a:rPr kumimoji="1" lang="ja-JP" altLang="en-US" sz="3600" dirty="0" smtClean="0">
+                <a:latin typeface="Adobe Heiti Std R" pitchFamily="34" charset="-128"/>
+                <a:ea typeface="Adobe Heiti Std R" pitchFamily="34" charset="-128"/>
+              </a:rPr>
+              <a:t>実際に企業で使われているマネジメントゲームを学生用に応用できないか</a:t>
+            </a:r>
+            <a:endParaRPr kumimoji="1" lang="ja-JP" altLang="en-US" sz="3600" dirty="0">
+              <a:latin typeface="Adobe Heiti Std R" pitchFamily="34" charset="-128"/>
+              <a:ea typeface="Adobe Heiti Std R" pitchFamily="34" charset="-128"/>
+            </a:endParaRPr>
+          </a:p>
+        </p:txBody>
+      </p:sp>
       <p:pic>
         <p:nvPicPr>
-          <p:cNvPr id="1028" name="Picture 4" descr="C:\Users\akamatsu\Desktop\pmbok_002.jpg"/>
+          <p:cNvPr id="26" name="Picture 2" descr="C:\Users\akamatsu\Desktop\mgban300.jpg"/>
           <p:cNvPicPr>
             <a:picLocks noChangeAspect="1" noChangeArrowheads="1"/>
           </p:cNvPicPr>
@@ -4838,9 +5204,9 @@
           </a:stretch>
         </p:blipFill>
         <p:spPr bwMode="auto">
-          <a:xfrm>
-            <a:off x="1989119" y="15788059"/>
-            <a:ext cx="10198278" cy="13892741"/>
+          <a:xfrm rot="696815">
+            <a:off x="15871807" y="14685864"/>
+            <a:ext cx="3943080" cy="2557631"/>
           </a:xfrm>
           <a:prstGeom prst="rect">
             <a:avLst/>
@@ -4857,16 +5223,106 @@
           </a:extLst>
         </p:spPr>
       </p:pic>
-      <p:sp>
-        <p:nvSpPr>
-          <p:cNvPr id="14" name="テキスト ボックス 13"/>
+      <p:pic>
+        <p:nvPicPr>
+          <p:cNvPr id="27" name="Picture 3" descr="C:\Users\akamatsu\Desktop\困った顔.jpg"/>
+          <p:cNvPicPr>
+            <a:picLocks noChangeAspect="1" noChangeArrowheads="1"/>
+          </p:cNvPicPr>
+          <p:nvPr/>
+        </p:nvPicPr>
+        <p:blipFill>
+          <a:blip r:embed="rId5">
+            <a:extLst>
+              <a:ext uri="{28A0092B-C50C-407E-A947-70E740481C1C}">
+                <a14:useLocalDpi xmlns:a14="http://schemas.microsoft.com/office/drawing/2010/main" val="0"/>
+              </a:ext>
+            </a:extLst>
+          </a:blip>
+          <a:srcRect/>
+          <a:stretch>
+            <a:fillRect/>
+          </a:stretch>
+        </p:blipFill>
+        <p:spPr bwMode="auto">
+          <a:xfrm>
+            <a:off x="2631737" y="14851955"/>
+            <a:ext cx="4343400" cy="2762250"/>
+          </a:xfrm>
+          <a:prstGeom prst="rect">
+            <a:avLst/>
+          </a:prstGeom>
+          <a:noFill/>
+          <a:extLst>
+            <a:ext uri="{909E8E84-426E-40DD-AFC4-6F175D3DCCD1}">
+              <a14:hiddenFill xmlns:a14="http://schemas.microsoft.com/office/drawing/2010/main">
+                <a:solidFill>
+                  <a:srgbClr val="FFFFFF"/>
+                </a:solidFill>
+              </a14:hiddenFill>
+            </a:ext>
+          </a:extLst>
+        </p:spPr>
+      </p:pic>
+      <p:sp>
+        <p:nvSpPr>
+          <p:cNvPr id="28" name="雲形吹き出し 27"/>
+          <p:cNvSpPr/>
+          <p:nvPr/>
+        </p:nvSpPr>
+        <p:spPr>
+          <a:xfrm>
+            <a:off x="7599093" y="14280333"/>
+            <a:ext cx="6132336" cy="2197591"/>
+          </a:xfrm>
+          <a:prstGeom prst="cloudCallout">
+            <a:avLst>
+              <a:gd name="adj1" fmla="val -57326"/>
+              <a:gd name="adj2" fmla="val 18701"/>
+            </a:avLst>
+          </a:prstGeom>
+          <a:noFill/>
+          <a:ln>
+            <a:solidFill>
+              <a:schemeClr val="tx1"/>
+            </a:solidFill>
+          </a:ln>
+        </p:spPr>
+        <p:style>
+          <a:lnRef idx="2">
+            <a:schemeClr val="accent1">
+              <a:shade val="50000"/>
+            </a:schemeClr>
+          </a:lnRef>
+          <a:fillRef idx="1">
+            <a:schemeClr val="accent1"/>
+          </a:fillRef>
+          <a:effectRef idx="0">
+            <a:schemeClr val="accent1"/>
+          </a:effectRef>
+          <a:fontRef idx="minor">
+            <a:schemeClr val="lt1"/>
+          </a:fontRef>
+        </p:style>
+        <p:txBody>
+          <a:bodyPr rtlCol="0" anchor="ctr"/>
+          <a:lstStyle/>
+          <a:p>
+            <a:pPr algn="ctr"/>
+            <a:endParaRPr kumimoji="1" lang="ja-JP" altLang="en-US"/>
+          </a:p>
+        </p:txBody>
+      </p:sp>
+      <p:sp>
+        <p:nvSpPr>
+          <p:cNvPr id="29" name="テキスト ボックス 28"/>
           <p:cNvSpPr txBox="1"/>
           <p:nvPr/>
         </p:nvSpPr>
         <p:spPr>
           <a:xfrm>
-            <a:off x="14371032" y="17108927"/>
-            <a:ext cx="3223959" cy="2308324"/>
+            <a:off x="8505148" y="14851955"/>
+            <a:ext cx="4323620" cy="954107"/>
           </a:xfrm>
           <a:prstGeom prst="rect">
             <a:avLst/>
@@ -4880,108 +5336,42 @@
           <a:lstStyle/>
           <a:p>
             <a:r>
-              <a:rPr kumimoji="1" lang="ja-JP" altLang="en-US" sz="3600" dirty="0" smtClean="0">
-                <a:solidFill>
-                  <a:srgbClr val="FF0000"/>
-                </a:solidFill>
+              <a:rPr kumimoji="1" lang="ja-JP" altLang="en-US" sz="2800" dirty="0" smtClean="0">
                 <a:latin typeface="+mj-ea"/>
                 <a:ea typeface="+mj-ea"/>
               </a:rPr>
-              <a:t>赤</a:t>
-            </a:r>
-            <a:r>
-              <a:rPr kumimoji="1" lang="ja-JP" altLang="en-US" sz="3600" dirty="0" smtClean="0">
+              <a:t>なんだか難しいなぁ・・・</a:t>
+            </a:r>
+            <a:endParaRPr kumimoji="1" lang="en-US" altLang="ja-JP" sz="2800" dirty="0" smtClean="0">
+              <a:latin typeface="+mj-ea"/>
+              <a:ea typeface="+mj-ea"/>
+            </a:endParaRPr>
+          </a:p>
+          <a:p>
+            <a:r>
+              <a:rPr kumimoji="1" lang="ja-JP" altLang="en-US" sz="2800" dirty="0" smtClean="0">
                 <a:latin typeface="+mj-ea"/>
                 <a:ea typeface="+mj-ea"/>
               </a:rPr>
-              <a:t>：トランプ</a:t>
-            </a:r>
-            <a:endParaRPr kumimoji="1" lang="en-US" altLang="ja-JP" sz="3600" dirty="0" smtClean="0">
+              <a:t>もう少し楽しそうならなぁ・・・</a:t>
+            </a:r>
+            <a:endParaRPr kumimoji="1" lang="ja-JP" altLang="en-US" sz="2800" dirty="0">
               <a:latin typeface="+mj-ea"/>
               <a:ea typeface="+mj-ea"/>
             </a:endParaRPr>
           </a:p>
-          <a:p>
-            <a:r>
-              <a:rPr lang="ja-JP" altLang="en-US" sz="3600" dirty="0" smtClean="0">
-                <a:solidFill>
-                  <a:srgbClr val="00B0F0"/>
-                </a:solidFill>
-                <a:latin typeface="+mj-ea"/>
-                <a:ea typeface="+mj-ea"/>
-              </a:rPr>
-              <a:t>水色</a:t>
-            </a:r>
-            <a:r>
-              <a:rPr lang="ja-JP" altLang="en-US" sz="3600" dirty="0" smtClean="0">
-                <a:latin typeface="+mj-ea"/>
-                <a:ea typeface="+mj-ea"/>
-              </a:rPr>
-              <a:t>：ドミニオン</a:t>
-            </a:r>
-            <a:endParaRPr lang="en-US" altLang="ja-JP" sz="3600" dirty="0" smtClean="0">
-              <a:latin typeface="+mj-ea"/>
-              <a:ea typeface="+mj-ea"/>
-            </a:endParaRPr>
-          </a:p>
-          <a:p>
-            <a:r>
-              <a:rPr lang="ja-JP" altLang="en-US" sz="3600" dirty="0" smtClean="0">
-                <a:solidFill>
-                  <a:srgbClr val="FF9933"/>
-                </a:solidFill>
-                <a:latin typeface="+mj-ea"/>
-                <a:ea typeface="+mj-ea"/>
-              </a:rPr>
-              <a:t>橙</a:t>
-            </a:r>
-            <a:r>
-              <a:rPr lang="ja-JP" altLang="en-US" sz="3600" dirty="0" smtClean="0">
-                <a:latin typeface="+mj-ea"/>
-                <a:ea typeface="+mj-ea"/>
-              </a:rPr>
-              <a:t>：人生ゲーム</a:t>
-            </a:r>
-            <a:endParaRPr lang="en-US" altLang="ja-JP" sz="3600" dirty="0" smtClean="0">
-              <a:latin typeface="+mj-ea"/>
-              <a:ea typeface="+mj-ea"/>
-            </a:endParaRPr>
-          </a:p>
-          <a:p>
-            <a:r>
-              <a:rPr kumimoji="1" lang="ja-JP" altLang="en-US" sz="3600" dirty="0" smtClean="0">
-                <a:solidFill>
-                  <a:srgbClr val="92D050"/>
-                </a:solidFill>
-                <a:latin typeface="+mj-ea"/>
-                <a:ea typeface="+mj-ea"/>
-              </a:rPr>
-              <a:t>緑</a:t>
-            </a:r>
-            <a:r>
-              <a:rPr kumimoji="1" lang="ja-JP" altLang="en-US" sz="3600" dirty="0" smtClean="0">
-                <a:latin typeface="+mj-ea"/>
-                <a:ea typeface="+mj-ea"/>
-              </a:rPr>
-              <a:t>：カタン</a:t>
-            </a:r>
-            <a:endParaRPr kumimoji="1" lang="ja-JP" altLang="en-US" sz="3600" dirty="0">
-              <a:latin typeface="+mj-ea"/>
-              <a:ea typeface="+mj-ea"/>
-            </a:endParaRPr>
-          </a:p>
-        </p:txBody>
-      </p:sp>
-      <p:sp>
-        <p:nvSpPr>
-          <p:cNvPr id="15" name="テキスト ボックス 14"/>
+        </p:txBody>
+      </p:sp>
+      <p:sp>
+        <p:nvSpPr>
+          <p:cNvPr id="30" name="テキスト ボックス 29"/>
           <p:cNvSpPr txBox="1"/>
           <p:nvPr/>
         </p:nvSpPr>
         <p:spPr>
           <a:xfrm>
-            <a:off x="12637616" y="16167967"/>
-            <a:ext cx="7622600" cy="707886"/>
+            <a:off x="2286278" y="18879590"/>
+            <a:ext cx="19164221" cy="707886"/>
           </a:xfrm>
           <a:prstGeom prst="rect">
             <a:avLst/>
@@ -4995,36 +5385,29 @@
           <a:lstStyle/>
           <a:p>
             <a:r>
-              <a:rPr kumimoji="1" lang="en-US" altLang="ja-JP" sz="4000" dirty="0" smtClean="0">
-                <a:latin typeface="+mj-ea"/>
-                <a:ea typeface="+mj-ea"/>
+              <a:rPr lang="ja-JP" altLang="en-US" sz="4000" dirty="0" smtClean="0">
+                <a:latin typeface="Adobe Heiti Std R" pitchFamily="34" charset="-128"/>
+                <a:ea typeface="Adobe Heiti Std R" pitchFamily="34" charset="-128"/>
               </a:rPr>
-              <a:t>PMBOK</a:t>
-            </a:r>
-            <a:r>
-              <a:rPr kumimoji="1" lang="ja-JP" altLang="en-US" sz="4000" dirty="0" smtClean="0">
-                <a:latin typeface="+mj-ea"/>
-                <a:ea typeface="+mj-ea"/>
-              </a:rPr>
-              <a:t>の知識エリアに対する要素</a:t>
+              <a:t>既存の人気の高いゲームにマネジメントの要素を取り入れればいいのではないか？</a:t>
             </a:r>
             <a:endParaRPr kumimoji="1" lang="ja-JP" altLang="en-US" sz="4000" dirty="0">
-              <a:latin typeface="+mj-ea"/>
-              <a:ea typeface="+mj-ea"/>
+              <a:latin typeface="Adobe Heiti Std R" pitchFamily="34" charset="-128"/>
+              <a:ea typeface="Adobe Heiti Std R" pitchFamily="34" charset="-128"/>
             </a:endParaRPr>
           </a:p>
         </p:txBody>
       </p:sp>
       <p:sp>
         <p:nvSpPr>
-          <p:cNvPr id="17" name="テキスト ボックス 16"/>
+          <p:cNvPr id="1024" name="テキスト ボックス 1023"/>
           <p:cNvSpPr txBox="1"/>
           <p:nvPr/>
         </p:nvSpPr>
         <p:spPr>
           <a:xfrm>
-            <a:off x="12315277" y="22416863"/>
-            <a:ext cx="8571577" cy="3416320"/>
+            <a:off x="2631737" y="21432746"/>
+            <a:ext cx="12253676" cy="769441"/>
           </a:xfrm>
           <a:prstGeom prst="rect">
             <a:avLst/>
@@ -5038,108 +5421,43 @@
           <a:lstStyle/>
           <a:p>
             <a:r>
-              <a:rPr kumimoji="1" lang="ja-JP" altLang="en-US" sz="3600" dirty="0" smtClean="0">
-                <a:latin typeface="+mj-ea"/>
-                <a:ea typeface="+mj-ea"/>
+              <a:rPr lang="ja-JP" altLang="en-US" sz="4400" dirty="0">
+                <a:latin typeface="Adobe Heiti Std R" pitchFamily="34" charset="-128"/>
+                <a:ea typeface="Adobe Heiti Std R" pitchFamily="34" charset="-128"/>
               </a:rPr>
-              <a:t>プロジェクトマネジメントを学習するとい</a:t>
-            </a:r>
-            <a:endParaRPr kumimoji="1" lang="en-US" altLang="ja-JP" sz="3600" dirty="0" smtClean="0">
-              <a:latin typeface="+mj-ea"/>
-              <a:ea typeface="+mj-ea"/>
+              <a:t>既存のゲームがサポートする</a:t>
+            </a:r>
+            <a:r>
+              <a:rPr lang="en-US" altLang="ja-JP" sz="4400" dirty="0">
+                <a:latin typeface="Adobe Heiti Std R" pitchFamily="34" charset="-128"/>
+                <a:ea typeface="Adobe Heiti Std R" pitchFamily="34" charset="-128"/>
+              </a:rPr>
+              <a:t>PMBOK</a:t>
+            </a:r>
+            <a:r>
+              <a:rPr lang="ja-JP" altLang="en-US" sz="4400" dirty="0">
+                <a:latin typeface="Adobe Heiti Std R" pitchFamily="34" charset="-128"/>
+                <a:ea typeface="Adobe Heiti Std R" pitchFamily="34" charset="-128"/>
+              </a:rPr>
+              <a:t>知識エリア</a:t>
+            </a:r>
+            <a:endParaRPr kumimoji="1" lang="ja-JP" altLang="en-US" sz="4400" dirty="0">
+              <a:latin typeface="Adobe Heiti Std R" pitchFamily="34" charset="-128"/>
+              <a:ea typeface="Adobe Heiti Std R" pitchFamily="34" charset="-128"/>
             </a:endParaRPr>
           </a:p>
-          <a:p>
-            <a:r>
-              <a:rPr lang="ja-JP" altLang="en-US" sz="3600" dirty="0" smtClean="0">
-                <a:latin typeface="+mj-ea"/>
-                <a:ea typeface="+mj-ea"/>
-              </a:rPr>
-              <a:t>う目的に対して、必要であると考えられる</a:t>
-            </a:r>
-            <a:endParaRPr lang="en-US" altLang="ja-JP" sz="3600" dirty="0" smtClean="0">
-              <a:latin typeface="+mj-ea"/>
-              <a:ea typeface="+mj-ea"/>
-            </a:endParaRPr>
-          </a:p>
-          <a:p>
-            <a:r>
-              <a:rPr kumimoji="1" lang="ja-JP" altLang="en-US" sz="3600" dirty="0" smtClean="0">
-                <a:latin typeface="+mj-ea"/>
-                <a:ea typeface="+mj-ea"/>
-              </a:rPr>
-              <a:t>知識エリアの要素は黒○で囲んだ部分だと</a:t>
-            </a:r>
-            <a:endParaRPr kumimoji="1" lang="en-US" altLang="ja-JP" sz="3600" dirty="0" smtClean="0">
-              <a:latin typeface="+mj-ea"/>
-              <a:ea typeface="+mj-ea"/>
-            </a:endParaRPr>
-          </a:p>
-          <a:p>
-            <a:r>
-              <a:rPr lang="ja-JP" altLang="en-US" sz="3600" dirty="0" smtClean="0">
-                <a:latin typeface="+mj-ea"/>
-                <a:ea typeface="+mj-ea"/>
-              </a:rPr>
-              <a:t>考えた。</a:t>
-            </a:r>
-            <a:endParaRPr kumimoji="1" lang="en-US" altLang="ja-JP" sz="3600" dirty="0" smtClean="0">
-              <a:latin typeface="+mj-ea"/>
-              <a:ea typeface="+mj-ea"/>
-            </a:endParaRPr>
-          </a:p>
-          <a:p>
-            <a:r>
-              <a:rPr kumimoji="1" lang="ja-JP" altLang="en-US" sz="3600" dirty="0" smtClean="0">
-                <a:latin typeface="+mj-ea"/>
-                <a:ea typeface="+mj-ea"/>
-              </a:rPr>
-              <a:t>そのため黒い部分の知識エリアを今回の制</a:t>
-            </a:r>
-            <a:endParaRPr kumimoji="1" lang="en-US" altLang="ja-JP" sz="3600" dirty="0" smtClean="0">
-              <a:latin typeface="+mj-ea"/>
-              <a:ea typeface="+mj-ea"/>
-            </a:endParaRPr>
-          </a:p>
-          <a:p>
-            <a:r>
-              <a:rPr kumimoji="1" lang="ja-JP" altLang="en-US" sz="3600" dirty="0" smtClean="0">
-                <a:latin typeface="+mj-ea"/>
-                <a:ea typeface="+mj-ea"/>
-              </a:rPr>
-              <a:t>作</a:t>
-            </a:r>
-            <a:r>
-              <a:rPr lang="ja-JP" altLang="en-US" sz="3600" dirty="0" smtClean="0">
-                <a:latin typeface="+mj-ea"/>
-                <a:ea typeface="+mj-ea"/>
-              </a:rPr>
-              <a:t>付け足していこうと考える</a:t>
-            </a:r>
-            <a:r>
-              <a:rPr lang="ja-JP" altLang="en-US" sz="3600" dirty="0">
-                <a:latin typeface="+mj-ea"/>
-                <a:ea typeface="+mj-ea"/>
-              </a:rPr>
-              <a:t>。</a:t>
-            </a:r>
-            <a:endParaRPr kumimoji="1" lang="ja-JP" altLang="en-US" sz="3600" dirty="0">
-              <a:latin typeface="+mj-ea"/>
-              <a:ea typeface="+mj-ea"/>
-            </a:endParaRPr>
-          </a:p>
-        </p:txBody>
-      </p:sp>
-      <p:sp>
-        <p:nvSpPr>
-          <p:cNvPr id="19" name="テキスト ボックス 18"/>
+        </p:txBody>
+      </p:sp>
+      <p:sp>
+        <p:nvSpPr>
+          <p:cNvPr id="1025" name="テキスト ボックス 1024"/>
           <p:cNvSpPr txBox="1"/>
           <p:nvPr/>
         </p:nvSpPr>
         <p:spPr>
           <a:xfrm>
-            <a:off x="12315277" y="20108539"/>
-            <a:ext cx="8329524" cy="2308324"/>
+            <a:off x="3433195" y="23393612"/>
+            <a:ext cx="13008689" cy="1323439"/>
           </a:xfrm>
           <a:prstGeom prst="rect">
             <a:avLst/>
@@ -5153,68 +5471,42 @@
           <a:lstStyle/>
           <a:p>
             <a:r>
-              <a:rPr kumimoji="1" lang="ja-JP" altLang="en-US" sz="3600" dirty="0" smtClean="0">
-                <a:latin typeface="+mj-ea"/>
-                <a:ea typeface="+mj-ea"/>
+              <a:rPr kumimoji="1" lang="ja-JP" altLang="en-US" sz="4000" dirty="0" smtClean="0">
+                <a:latin typeface="Adobe Heiti Std R" pitchFamily="34" charset="-128"/>
+                <a:ea typeface="Adobe Heiti Std R" pitchFamily="34" charset="-128"/>
               </a:rPr>
-              <a:t>比較的ドミニオンとカタンが多くの要素</a:t>
-            </a:r>
-            <a:endParaRPr kumimoji="1" lang="en-US" altLang="ja-JP" sz="3600" dirty="0" smtClean="0">
-              <a:latin typeface="+mj-ea"/>
-              <a:ea typeface="+mj-ea"/>
+              <a:t>・既存のボードゲームを実際にやってみて知識エリアを</a:t>
+            </a:r>
+            <a:endParaRPr kumimoji="1" lang="en-US" altLang="ja-JP" sz="4000" dirty="0" smtClean="0">
+              <a:latin typeface="Adobe Heiti Std R" pitchFamily="34" charset="-128"/>
+              <a:ea typeface="Adobe Heiti Std R" pitchFamily="34" charset="-128"/>
             </a:endParaRPr>
           </a:p>
           <a:p>
             <a:r>
-              <a:rPr lang="ja-JP" altLang="en-US" sz="3600" dirty="0" smtClean="0">
-                <a:latin typeface="+mj-ea"/>
-                <a:ea typeface="+mj-ea"/>
+              <a:rPr kumimoji="1" lang="ja-JP" altLang="en-US" sz="4000" dirty="0" smtClean="0">
+                <a:latin typeface="Adobe Heiti Std R" pitchFamily="34" charset="-128"/>
+                <a:ea typeface="Adobe Heiti Std R" pitchFamily="34" charset="-128"/>
               </a:rPr>
-              <a:t>を含んでいると考えたため、ドミニオンを</a:t>
-            </a:r>
-            <a:endParaRPr lang="en-US" altLang="ja-JP" sz="3600" dirty="0" smtClean="0">
-              <a:latin typeface="+mj-ea"/>
-              <a:ea typeface="+mj-ea"/>
+              <a:t>　どのようにサポートしているか調査する</a:t>
+            </a:r>
+            <a:endParaRPr kumimoji="1" lang="ja-JP" altLang="en-US" sz="4000" dirty="0">
+              <a:latin typeface="Adobe Heiti Std R" pitchFamily="34" charset="-128"/>
+              <a:ea typeface="Adobe Heiti Std R" pitchFamily="34" charset="-128"/>
             </a:endParaRPr>
           </a:p>
-          <a:p>
-            <a:r>
-              <a:rPr kumimoji="1" lang="ja-JP" altLang="en-US" sz="3600" dirty="0" smtClean="0">
-                <a:latin typeface="+mj-ea"/>
-                <a:ea typeface="+mj-ea"/>
-              </a:rPr>
-              <a:t>ベースとしたゲーム制作が現実的であると</a:t>
-            </a:r>
-            <a:endParaRPr kumimoji="1" lang="en-US" altLang="ja-JP" sz="3600" dirty="0" smtClean="0">
-              <a:latin typeface="+mj-ea"/>
-              <a:ea typeface="+mj-ea"/>
-            </a:endParaRPr>
-          </a:p>
-          <a:p>
-            <a:r>
-              <a:rPr lang="ja-JP" altLang="en-US" sz="3600" dirty="0" smtClean="0">
-                <a:latin typeface="+mj-ea"/>
-                <a:ea typeface="+mj-ea"/>
-              </a:rPr>
-              <a:t>考えた。</a:t>
-            </a:r>
-            <a:endParaRPr kumimoji="1" lang="ja-JP" altLang="en-US" sz="3600" dirty="0">
-              <a:latin typeface="+mj-ea"/>
-              <a:ea typeface="+mj-ea"/>
-            </a:endParaRPr>
-          </a:p>
-        </p:txBody>
-      </p:sp>
-      <p:sp>
-        <p:nvSpPr>
-          <p:cNvPr id="20" name="テキスト ボックス 19"/>
+        </p:txBody>
+      </p:sp>
+      <p:sp>
+        <p:nvSpPr>
+          <p:cNvPr id="1030" name="テキスト ボックス 1029"/>
           <p:cNvSpPr txBox="1"/>
           <p:nvPr/>
         </p:nvSpPr>
         <p:spPr>
           <a:xfrm>
-            <a:off x="12315277" y="25833183"/>
-            <a:ext cx="8654933" cy="2308324"/>
+            <a:off x="3433195" y="26157211"/>
+            <a:ext cx="15573494" cy="1323439"/>
           </a:xfrm>
           <a:prstGeom prst="rect">
             <a:avLst/>
@@ -5227,70 +5519,32 @@
           </a:bodyPr>
           <a:lstStyle/>
           <a:p>
-            <a:r>
-              <a:rPr lang="ja-JP" altLang="en-US" sz="3600" dirty="0">
-                <a:latin typeface="+mj-ea"/>
-                <a:ea typeface="+mj-ea"/>
+            <a:pPr algn="ctr"/>
+            <a:r>
+              <a:rPr kumimoji="1" lang="ja-JP" altLang="en-US" sz="4000" dirty="0" smtClean="0">
+                <a:latin typeface="Adobe Heiti Std R" pitchFamily="34" charset="-128"/>
+                <a:ea typeface="Adobe Heiti Std R" pitchFamily="34" charset="-128"/>
               </a:rPr>
-              <a:t>さらにゲームデザインに関する書籍を読み</a:t>
-            </a:r>
-            <a:r>
-              <a:rPr lang="ja-JP" altLang="en-US" sz="3600" dirty="0" smtClean="0">
-                <a:latin typeface="+mj-ea"/>
-                <a:ea typeface="+mj-ea"/>
+              <a:t>ベースとなるゲームにプロジェクトマネジメントを学習するために</a:t>
+            </a:r>
+            <a:endParaRPr kumimoji="1" lang="en-US" altLang="ja-JP" sz="4000" dirty="0" smtClean="0">
+              <a:latin typeface="Adobe Heiti Std R" pitchFamily="34" charset="-128"/>
+              <a:ea typeface="Adobe Heiti Std R" pitchFamily="34" charset="-128"/>
+            </a:endParaRPr>
+          </a:p>
+          <a:p>
+            <a:pPr algn="ctr"/>
+            <a:r>
+              <a:rPr lang="ja-JP" altLang="en-US" sz="4000" dirty="0" smtClean="0">
+                <a:latin typeface="Adobe Heiti Std R" pitchFamily="34" charset="-128"/>
+                <a:ea typeface="Adobe Heiti Std R" pitchFamily="34" charset="-128"/>
               </a:rPr>
-              <a:t>、</a:t>
-            </a:r>
-            <a:endParaRPr lang="en-US" altLang="ja-JP" sz="3600" dirty="0" smtClean="0">
-              <a:latin typeface="+mj-ea"/>
-              <a:ea typeface="+mj-ea"/>
+              <a:t>必要となる知識エリアの要素を追加する</a:t>
+            </a:r>
+            <a:endParaRPr kumimoji="1" lang="ja-JP" altLang="en-US" sz="4000" dirty="0">
+              <a:latin typeface="Adobe Heiti Std R" pitchFamily="34" charset="-128"/>
+              <a:ea typeface="Adobe Heiti Std R" pitchFamily="34" charset="-128"/>
             </a:endParaRPr>
-          </a:p>
-          <a:p>
-            <a:r>
-              <a:rPr lang="ja-JP" altLang="en-US" sz="3600" dirty="0" smtClean="0">
-                <a:latin typeface="+mj-ea"/>
-                <a:ea typeface="+mj-ea"/>
-              </a:rPr>
-              <a:t>ゲームデザイン</a:t>
-            </a:r>
-            <a:r>
-              <a:rPr lang="ja-JP" altLang="en-US" sz="3600" dirty="0">
-                <a:latin typeface="+mj-ea"/>
-                <a:ea typeface="+mj-ea"/>
-              </a:rPr>
-              <a:t>に関する知識を身に</a:t>
-            </a:r>
-            <a:r>
-              <a:rPr lang="ja-JP" altLang="en-US" sz="3600" dirty="0" smtClean="0">
-                <a:latin typeface="+mj-ea"/>
-                <a:ea typeface="+mj-ea"/>
-              </a:rPr>
-              <a:t>付ける</a:t>
-            </a:r>
-            <a:endParaRPr lang="en-US" altLang="ja-JP" sz="3600" dirty="0" smtClean="0">
-              <a:latin typeface="+mj-ea"/>
-              <a:ea typeface="+mj-ea"/>
-            </a:endParaRPr>
-          </a:p>
-          <a:p>
-            <a:r>
-              <a:rPr lang="ja-JP" altLang="en-US" sz="3600" dirty="0" smtClean="0">
-                <a:latin typeface="+mj-ea"/>
-                <a:ea typeface="+mj-ea"/>
-              </a:rPr>
-              <a:t>ことに</a:t>
-            </a:r>
-            <a:r>
-              <a:rPr lang="ja-JP" altLang="en-US" sz="3600" dirty="0">
-                <a:latin typeface="+mj-ea"/>
-                <a:ea typeface="+mj-ea"/>
-              </a:rPr>
-              <a:t>した。</a:t>
-            </a:r>
-          </a:p>
-          <a:p>
-            <a:endParaRPr kumimoji="1" lang="ja-JP" altLang="en-US" sz="3600" dirty="0"/>
           </a:p>
         </p:txBody>
       </p:sp>
@@ -5333,13 +5587,56 @@
       </p:grpSpPr>
       <p:sp>
         <p:nvSpPr>
+          <p:cNvPr id="12" name="正方形/長方形 11"/>
+          <p:cNvSpPr/>
+          <p:nvPr/>
+        </p:nvSpPr>
+        <p:spPr>
+          <a:xfrm>
+            <a:off x="3883383" y="11179547"/>
+            <a:ext cx="11783076" cy="584775"/>
+          </a:xfrm>
+          <a:prstGeom prst="rect">
+            <a:avLst/>
+          </a:prstGeom>
+          <a:solidFill>
+            <a:srgbClr val="FF9933"/>
+          </a:solidFill>
+        </p:spPr>
+        <p:style>
+          <a:lnRef idx="2">
+            <a:schemeClr val="accent1">
+              <a:shade val="50000"/>
+            </a:schemeClr>
+          </a:lnRef>
+          <a:fillRef idx="1">
+            <a:schemeClr val="accent1"/>
+          </a:fillRef>
+          <a:effectRef idx="0">
+            <a:schemeClr val="accent1"/>
+          </a:effectRef>
+          <a:fontRef idx="minor">
+            <a:schemeClr val="lt1"/>
+          </a:fontRef>
+        </p:style>
+        <p:txBody>
+          <a:bodyPr rtlCol="0" anchor="ctr"/>
+          <a:lstStyle/>
+          <a:p>
+            <a:pPr algn="ctr"/>
+            <a:endParaRPr kumimoji="1" lang="ja-JP" altLang="en-US"/>
+          </a:p>
+        </p:txBody>
+      </p:sp>
+      <p:sp>
+        <p:nvSpPr>
           <p:cNvPr id="19" name="右矢印 18"/>
           <p:cNvSpPr/>
           <p:nvPr/>
         </p:nvSpPr>
         <p:spPr>
           <a:xfrm>
-            <a:off x="900312" y="24573035"/>
+            <a:off x="1962621" y="26248384"/>
             <a:ext cx="14041560" cy="3024336"/>
           </a:xfrm>
           <a:prstGeom prst="rightArrow">
@@ -5376,56 +5673,13 @@
       </p:sp>
       <p:sp>
         <p:nvSpPr>
-          <p:cNvPr id="15" name="正方形/長方形 14"/>
-          <p:cNvSpPr/>
-          <p:nvPr/>
-        </p:nvSpPr>
-        <p:spPr>
-          <a:xfrm>
-            <a:off x="2559948" y="561466"/>
-            <a:ext cx="16345816" cy="1584176"/>
-          </a:xfrm>
-          <a:prstGeom prst="rect">
-            <a:avLst/>
-          </a:prstGeom>
-          <a:solidFill>
-            <a:srgbClr val="F1934D"/>
-          </a:solidFill>
-        </p:spPr>
-        <p:style>
-          <a:lnRef idx="2">
-            <a:schemeClr val="accent1">
-              <a:shade val="50000"/>
-            </a:schemeClr>
-          </a:lnRef>
-          <a:fillRef idx="1">
-            <a:schemeClr val="accent1"/>
-          </a:fillRef>
-          <a:effectRef idx="0">
-            <a:schemeClr val="accent1"/>
-          </a:effectRef>
-          <a:fontRef idx="minor">
-            <a:schemeClr val="lt1"/>
-          </a:fontRef>
-        </p:style>
-        <p:txBody>
-          <a:bodyPr rtlCol="0" anchor="ctr"/>
-          <a:lstStyle/>
-          <a:p>
-            <a:pPr algn="ctr"/>
-            <a:endParaRPr kumimoji="1" lang="ja-JP" altLang="en-US"/>
-          </a:p>
-        </p:txBody>
-      </p:sp>
-      <p:sp>
-        <p:nvSpPr>
           <p:cNvPr id="2" name="テキスト ボックス 1"/>
           <p:cNvSpPr txBox="1"/>
           <p:nvPr/>
         </p:nvSpPr>
         <p:spPr>
           <a:xfrm>
-            <a:off x="456572" y="13945468"/>
+            <a:off x="741337" y="17876291"/>
             <a:ext cx="6284093" cy="923330"/>
           </a:xfrm>
           <a:prstGeom prst="rect">
@@ -5469,25 +5723,25 @@
           <p:nvPr>
             <p:extLst>
               <p:ext uri="{D42A27DB-BD31-4B8C-83A1-F6EECF244321}">
-                <p14:modId xmlns:p14="http://schemas.microsoft.com/office/powerpoint/2010/main" val="1743167010"/>
+                <p14:modId xmlns:p14="http://schemas.microsoft.com/office/powerpoint/2010/main" val="1236541856"/>
               </p:ext>
             </p:extLst>
           </p:nvPr>
         </p:nvGraphicFramePr>
         <p:xfrm>
-          <a:off x="1188344" y="16580147"/>
-          <a:ext cx="18650073" cy="6048670"/>
+          <a:off x="1388921" y="20756611"/>
+          <a:ext cx="17353928" cy="3909939"/>
         </p:xfrm>
         <a:graphic>
           <a:graphicData uri="http://schemas.openxmlformats.org/drawingml/2006/table">
             <a:tbl>
               <a:tblPr firstRow="1" firstCol="1" bandRow="1"/>
               <a:tblGrid>
-                <a:gridCol w="6215263"/>
-                <a:gridCol w="6217405"/>
-                <a:gridCol w="6217405"/>
+                <a:gridCol w="5783314"/>
+                <a:gridCol w="5785307"/>
+                <a:gridCol w="5785307"/>
               </a:tblGrid>
-              <a:tr h="992790">
+              <a:tr h="626403">
                 <a:tc>
                   <a:txBody>
                     <a:bodyPr/>
@@ -5687,7 +5941,7 @@
                   </a:tcPr>
                 </a:tc>
               </a:tr>
-              <a:tr h="1011176">
+              <a:tr h="638004">
                 <a:tc>
                   <a:txBody>
                     <a:bodyPr/>
@@ -5902,7 +6156,7 @@
                   </a:tcPr>
                 </a:tc>
               </a:tr>
-              <a:tr h="1011176">
+              <a:tr h="638004">
                 <a:tc>
                   <a:txBody>
                     <a:bodyPr/>
@@ -6175,7 +6429,7 @@
                   </a:tcPr>
                 </a:tc>
               </a:tr>
-              <a:tr h="1011176">
+              <a:tr h="638004">
                 <a:tc>
                   <a:txBody>
                     <a:bodyPr/>
@@ -6369,7 +6623,7 @@
                   </a:tcPr>
                 </a:tc>
               </a:tr>
-              <a:tr h="1011176">
+              <a:tr h="638004">
                 <a:tc>
                   <a:txBody>
                     <a:bodyPr/>
@@ -6590,7 +6844,7 @@
                   </a:tcPr>
                 </a:tc>
               </a:tr>
-              <a:tr h="1011176">
+              <a:tr h="638004">
                 <a:tc>
                   <a:txBody>
                     <a:bodyPr/>
@@ -6823,8 +7077,8 @@
         </p:nvSpPr>
         <p:spPr>
           <a:xfrm>
-            <a:off x="1188344" y="15428019"/>
-            <a:ext cx="4820550" cy="584775"/>
+            <a:off x="1044072" y="19892515"/>
+            <a:ext cx="5109091" cy="584775"/>
           </a:xfrm>
           <a:prstGeom prst="rect">
             <a:avLst/>
@@ -6839,14 +7093,14 @@
           <a:p>
             <a:r>
               <a:rPr kumimoji="1" lang="ja-JP" altLang="en-US" sz="3200" dirty="0" smtClean="0">
-                <a:latin typeface="+mj-ea"/>
-                <a:ea typeface="+mj-ea"/>
+                <a:latin typeface="Adobe Heiti Std R" pitchFamily="34" charset="-128"/>
+                <a:ea typeface="Adobe Heiti Std R" pitchFamily="34" charset="-128"/>
               </a:rPr>
               <a:t>大まかな制作スケジュール</a:t>
             </a:r>
             <a:endParaRPr kumimoji="1" lang="ja-JP" altLang="en-US" sz="3200" dirty="0">
-              <a:latin typeface="+mj-ea"/>
-              <a:ea typeface="+mj-ea"/>
+              <a:latin typeface="Adobe Heiti Std R" pitchFamily="34" charset="-128"/>
+              <a:ea typeface="Adobe Heiti Std R" pitchFamily="34" charset="-128"/>
             </a:endParaRPr>
           </a:p>
         </p:txBody>
@@ -6874,8 +7128,8 @@
         </p:blipFill>
         <p:spPr bwMode="auto">
           <a:xfrm rot="1453820">
-            <a:off x="15135744" y="24361208"/>
-            <a:ext cx="2722178" cy="5632721"/>
+            <a:off x="16501160" y="25491299"/>
+            <a:ext cx="2193366" cy="4538506"/>
           </a:xfrm>
           <a:prstGeom prst="rect">
             <a:avLst/>
@@ -6892,9 +7146,81 @@
           </a:extLst>
         </p:spPr>
       </p:pic>
+      <p:sp>
+        <p:nvSpPr>
+          <p:cNvPr id="18" name="テキスト ボックス 17"/>
+          <p:cNvSpPr txBox="1"/>
+          <p:nvPr/>
+        </p:nvSpPr>
+        <p:spPr>
+          <a:xfrm>
+            <a:off x="2242724" y="27345053"/>
+            <a:ext cx="14150608" cy="830997"/>
+          </a:xfrm>
+          <a:prstGeom prst="rect">
+            <a:avLst/>
+          </a:prstGeom>
+          <a:noFill/>
+        </p:spPr>
+        <p:txBody>
+          <a:bodyPr wrap="square" rtlCol="0">
+            <a:spAutoFit/>
+          </a:bodyPr>
+          <a:lstStyle/>
+          <a:p>
+            <a:r>
+              <a:rPr lang="ja-JP" altLang="en-US" sz="4800" dirty="0" smtClean="0">
+                <a:latin typeface="Adobe Fan Heiti Std B" pitchFamily="34" charset="-128"/>
+                <a:ea typeface="Adobe Fan Heiti Std B" pitchFamily="34" charset="-128"/>
+              </a:rPr>
+              <a:t>来年度から制作したゲームのデジタル化を予定</a:t>
+            </a:r>
+            <a:endParaRPr kumimoji="1" lang="ja-JP" altLang="en-US" sz="4800" dirty="0">
+              <a:latin typeface="Adobe Fan Heiti Std B" pitchFamily="34" charset="-128"/>
+              <a:ea typeface="Adobe Fan Heiti Std B" pitchFamily="34" charset="-128"/>
+            </a:endParaRPr>
+          </a:p>
+        </p:txBody>
+      </p:sp>
+      <p:sp>
+        <p:nvSpPr>
+          <p:cNvPr id="6" name="テキスト ボックス 5"/>
+          <p:cNvSpPr txBox="1"/>
+          <p:nvPr/>
+        </p:nvSpPr>
+        <p:spPr>
+          <a:xfrm>
+            <a:off x="3963238" y="11179547"/>
+            <a:ext cx="11953328" cy="584775"/>
+          </a:xfrm>
+          <a:prstGeom prst="rect">
+            <a:avLst/>
+          </a:prstGeom>
+          <a:noFill/>
+        </p:spPr>
+        <p:txBody>
+          <a:bodyPr wrap="square" rtlCol="0">
+            <a:spAutoFit/>
+          </a:bodyPr>
+          <a:lstStyle/>
+          <a:p>
+            <a:r>
+              <a:rPr kumimoji="1" lang="ja-JP" altLang="en-US" sz="3200" dirty="0" smtClean="0">
+                <a:latin typeface="Adobe Fan Heiti Std B" pitchFamily="34" charset="-128"/>
+                <a:ea typeface="Adobe Fan Heiti Std B" pitchFamily="34" charset="-128"/>
+              </a:rPr>
+              <a:t>面白いゲームを作るためにゲームデザインについて学ぼう！！</a:t>
+            </a:r>
+            <a:endParaRPr kumimoji="1" lang="ja-JP" altLang="en-US" sz="3200" dirty="0">
+              <a:latin typeface="Adobe Fan Heiti Std B" pitchFamily="34" charset="-128"/>
+              <a:ea typeface="Adobe Fan Heiti Std B" pitchFamily="34" charset="-128"/>
+            </a:endParaRPr>
+          </a:p>
+        </p:txBody>
+      </p:sp>
       <p:pic>
         <p:nvPicPr>
-          <p:cNvPr id="1026" name="Picture 2" descr="C:\Users\akamatsu\Desktop\mgban300.jpg"/>
+          <p:cNvPr id="9" name="Picture 3" descr="C:\Users\akamatsu\Desktop\41rXBmgxrsL._AA300_.jpg"/>
           <p:cNvPicPr>
             <a:picLocks noChangeAspect="1" noChangeArrowheads="1"/>
           </p:cNvPicPr>
@@ -6915,441 +7241,7 @@
         </p:blipFill>
         <p:spPr bwMode="auto">
           <a:xfrm>
-            <a:off x="15733960" y="2484530"/>
-            <a:ext cx="4327636" cy="3095821"/>
-          </a:xfrm>
-          <a:prstGeom prst="rect">
-            <a:avLst/>
-          </a:prstGeom>
-          <a:noFill/>
-          <a:extLst>
-            <a:ext uri="{909E8E84-426E-40DD-AFC4-6F175D3DCCD1}">
-              <a14:hiddenFill xmlns:a14="http://schemas.microsoft.com/office/drawing/2010/main">
-                <a:solidFill>
-                  <a:srgbClr val="FFFFFF"/>
-                </a:solidFill>
-              </a14:hiddenFill>
-            </a:ext>
-          </a:extLst>
-        </p:spPr>
-      </p:pic>
-      <p:sp>
-        <p:nvSpPr>
-          <p:cNvPr id="4" name="テキスト ボックス 3"/>
-          <p:cNvSpPr txBox="1"/>
-          <p:nvPr/>
-        </p:nvSpPr>
-        <p:spPr>
-          <a:xfrm>
-            <a:off x="3086371" y="1063551"/>
-            <a:ext cx="15292969" cy="584775"/>
-          </a:xfrm>
-          <a:prstGeom prst="rect">
-            <a:avLst/>
-          </a:prstGeom>
-          <a:noFill/>
-        </p:spPr>
-        <p:txBody>
-          <a:bodyPr wrap="none" rtlCol="0">
-            <a:spAutoFit/>
-          </a:bodyPr>
-          <a:lstStyle/>
-          <a:p>
-            <a:r>
-              <a:rPr kumimoji="1" lang="ja-JP" altLang="en-US" sz="3200" dirty="0" smtClean="0">
-                <a:latin typeface="+mj-ea"/>
-                <a:ea typeface="+mj-ea"/>
-              </a:rPr>
-              <a:t>マネジメントゲーム・・・従業員の教育を目的として開発された経営シュミレーションゲーム</a:t>
-            </a:r>
-            <a:endParaRPr kumimoji="1" lang="ja-JP" altLang="en-US" sz="3200" dirty="0">
-              <a:latin typeface="+mj-ea"/>
-              <a:ea typeface="+mj-ea"/>
-            </a:endParaRPr>
-          </a:p>
-        </p:txBody>
-      </p:sp>
-      <p:sp>
-        <p:nvSpPr>
-          <p:cNvPr id="16" name="爆発 1 15"/>
-          <p:cNvSpPr/>
-          <p:nvPr/>
-        </p:nvSpPr>
-        <p:spPr>
-          <a:xfrm rot="21055876">
-            <a:off x="8865830" y="3793577"/>
-            <a:ext cx="6978071" cy="2404757"/>
-          </a:xfrm>
-          <a:prstGeom prst="irregularSeal1">
-            <a:avLst/>
-          </a:prstGeom>
-          <a:noFill/>
-          <a:ln>
-            <a:solidFill>
-              <a:schemeClr val="tx1"/>
-            </a:solidFill>
-          </a:ln>
-        </p:spPr>
-        <p:style>
-          <a:lnRef idx="2">
-            <a:schemeClr val="accent1">
-              <a:shade val="50000"/>
-            </a:schemeClr>
-          </a:lnRef>
-          <a:fillRef idx="1">
-            <a:schemeClr val="accent1"/>
-          </a:fillRef>
-          <a:effectRef idx="0">
-            <a:schemeClr val="accent1"/>
-          </a:effectRef>
-          <a:fontRef idx="minor">
-            <a:schemeClr val="lt1"/>
-          </a:fontRef>
-        </p:style>
-        <p:txBody>
-          <a:bodyPr rtlCol="0" anchor="ctr"/>
-          <a:lstStyle/>
-          <a:p>
-            <a:pPr algn="ctr"/>
-            <a:r>
-              <a:rPr lang="ja-JP" altLang="en-US" sz="1800" dirty="0" smtClean="0">
-                <a:solidFill>
-                  <a:schemeClr val="tx1"/>
-                </a:solidFill>
-                <a:latin typeface="Adobe Fan Heiti Std B" pitchFamily="34" charset="-128"/>
-                <a:ea typeface="Adobe Fan Heiti Std B" pitchFamily="34" charset="-128"/>
-              </a:rPr>
-              <a:t>マネジメントゲームに面白さ</a:t>
-            </a:r>
-            <a:endParaRPr lang="en-US" altLang="ja-JP" sz="1800" dirty="0" smtClean="0">
-              <a:solidFill>
-                <a:schemeClr val="tx1"/>
-              </a:solidFill>
-              <a:latin typeface="Adobe Fan Heiti Std B" pitchFamily="34" charset="-128"/>
-              <a:ea typeface="Adobe Fan Heiti Std B" pitchFamily="34" charset="-128"/>
-            </a:endParaRPr>
-          </a:p>
-          <a:p>
-            <a:pPr algn="ctr"/>
-            <a:r>
-              <a:rPr kumimoji="1" lang="ja-JP" altLang="en-US" sz="1800" dirty="0" smtClean="0">
-                <a:solidFill>
-                  <a:schemeClr val="tx1"/>
-                </a:solidFill>
-                <a:latin typeface="Adobe Fan Heiti Std B" pitchFamily="34" charset="-128"/>
-                <a:ea typeface="Adobe Fan Heiti Std B" pitchFamily="34" charset="-128"/>
-              </a:rPr>
-              <a:t>を</a:t>
-            </a:r>
-            <a:endParaRPr kumimoji="1" lang="en-US" altLang="ja-JP" sz="1800" dirty="0" smtClean="0">
-              <a:solidFill>
-                <a:schemeClr val="tx1"/>
-              </a:solidFill>
-              <a:latin typeface="Adobe Fan Heiti Std B" pitchFamily="34" charset="-128"/>
-              <a:ea typeface="Adobe Fan Heiti Std B" pitchFamily="34" charset="-128"/>
-            </a:endParaRPr>
-          </a:p>
-          <a:p>
-            <a:pPr algn="ctr"/>
-            <a:r>
-              <a:rPr lang="ja-JP" altLang="en-US" sz="1800" dirty="0" smtClean="0">
-                <a:solidFill>
-                  <a:schemeClr val="tx1"/>
-                </a:solidFill>
-                <a:latin typeface="Adobe Fan Heiti Std B" pitchFamily="34" charset="-128"/>
-                <a:ea typeface="Adobe Fan Heiti Std B" pitchFamily="34" charset="-128"/>
-              </a:rPr>
-              <a:t>追加すればいいのではないか？</a:t>
-            </a:r>
-            <a:endParaRPr kumimoji="1" lang="ja-JP" altLang="en-US" sz="1800" dirty="0">
-              <a:solidFill>
-                <a:schemeClr val="tx1"/>
-              </a:solidFill>
-              <a:latin typeface="Adobe Fan Heiti Std B" pitchFamily="34" charset="-128"/>
-              <a:ea typeface="Adobe Fan Heiti Std B" pitchFamily="34" charset="-128"/>
-            </a:endParaRPr>
-          </a:p>
-        </p:txBody>
-      </p:sp>
-      <p:sp>
-        <p:nvSpPr>
-          <p:cNvPr id="17" name="雲形吹き出し 16"/>
-          <p:cNvSpPr/>
-          <p:nvPr/>
-        </p:nvSpPr>
-        <p:spPr>
-          <a:xfrm>
-            <a:off x="5796470" y="2422474"/>
-            <a:ext cx="5886847" cy="2049129"/>
-          </a:xfrm>
-          <a:prstGeom prst="cloudCallout">
-            <a:avLst>
-              <a:gd name="adj1" fmla="val -63041"/>
-              <a:gd name="adj2" fmla="val 3346"/>
-            </a:avLst>
-          </a:prstGeom>
-          <a:noFill/>
-          <a:ln>
-            <a:solidFill>
-              <a:schemeClr val="tx1"/>
-            </a:solidFill>
-          </a:ln>
-        </p:spPr>
-        <p:style>
-          <a:lnRef idx="2">
-            <a:schemeClr val="accent1">
-              <a:shade val="50000"/>
-            </a:schemeClr>
-          </a:lnRef>
-          <a:fillRef idx="1">
-            <a:schemeClr val="accent1"/>
-          </a:fillRef>
-          <a:effectRef idx="0">
-            <a:schemeClr val="accent1"/>
-          </a:effectRef>
-          <a:fontRef idx="minor">
-            <a:schemeClr val="lt1"/>
-          </a:fontRef>
-        </p:style>
-        <p:txBody>
-          <a:bodyPr rtlCol="0" anchor="ctr"/>
-          <a:lstStyle/>
-          <a:p>
-            <a:pPr algn="ctr"/>
-            <a:r>
-              <a:rPr kumimoji="1" lang="ja-JP" altLang="en-US" sz="2000" dirty="0" smtClean="0">
-                <a:solidFill>
-                  <a:schemeClr val="tx1"/>
-                </a:solidFill>
-                <a:latin typeface="Adobe Fan Heiti Std B" pitchFamily="34" charset="-128"/>
-                <a:ea typeface="Adobe Fan Heiti Std B" pitchFamily="34" charset="-128"/>
-              </a:rPr>
-              <a:t>ちょっと面白くなさそだなぁ・・・</a:t>
-            </a:r>
-            <a:endParaRPr kumimoji="1" lang="en-US" altLang="ja-JP" sz="2000" dirty="0" smtClean="0">
-              <a:solidFill>
-                <a:schemeClr val="tx1"/>
-              </a:solidFill>
-              <a:latin typeface="Adobe Fan Heiti Std B" pitchFamily="34" charset="-128"/>
-              <a:ea typeface="Adobe Fan Heiti Std B" pitchFamily="34" charset="-128"/>
-            </a:endParaRPr>
-          </a:p>
-          <a:p>
-            <a:pPr algn="ctr"/>
-            <a:r>
-              <a:rPr lang="ja-JP" altLang="en-US" sz="2000" dirty="0" smtClean="0">
-                <a:solidFill>
-                  <a:schemeClr val="tx1"/>
-                </a:solidFill>
-                <a:latin typeface="Adobe Fan Heiti Std B" pitchFamily="34" charset="-128"/>
-                <a:ea typeface="Adobe Fan Heiti Std B" pitchFamily="34" charset="-128"/>
-              </a:rPr>
-              <a:t>固そうなイメージもある・・</a:t>
-            </a:r>
-            <a:r>
-              <a:rPr lang="ja-JP" altLang="en-US" sz="2800" dirty="0" smtClean="0">
-                <a:solidFill>
-                  <a:schemeClr val="tx1"/>
-                </a:solidFill>
-                <a:latin typeface="Adobe Fan Heiti Std B" pitchFamily="34" charset="-128"/>
-                <a:ea typeface="Adobe Fan Heiti Std B" pitchFamily="34" charset="-128"/>
-              </a:rPr>
-              <a:t>・</a:t>
-            </a:r>
-            <a:endParaRPr kumimoji="1" lang="ja-JP" altLang="en-US" sz="2800" dirty="0">
-              <a:solidFill>
-                <a:schemeClr val="tx1"/>
-              </a:solidFill>
-              <a:latin typeface="Adobe Fan Heiti Std B" pitchFamily="34" charset="-128"/>
-              <a:ea typeface="Adobe Fan Heiti Std B" pitchFamily="34" charset="-128"/>
-            </a:endParaRPr>
-          </a:p>
-        </p:txBody>
-      </p:sp>
-      <p:sp>
-        <p:nvSpPr>
-          <p:cNvPr id="18" name="テキスト ボックス 17"/>
-          <p:cNvSpPr txBox="1"/>
-          <p:nvPr/>
-        </p:nvSpPr>
-        <p:spPr>
-          <a:xfrm>
-            <a:off x="1188344" y="25653155"/>
-            <a:ext cx="14150608" cy="830997"/>
-          </a:xfrm>
-          <a:prstGeom prst="rect">
-            <a:avLst/>
-          </a:prstGeom>
-          <a:noFill/>
-        </p:spPr>
-        <p:txBody>
-          <a:bodyPr wrap="square" rtlCol="0">
-            <a:spAutoFit/>
-          </a:bodyPr>
-          <a:lstStyle/>
-          <a:p>
-            <a:r>
-              <a:rPr lang="ja-JP" altLang="en-US" sz="4800" dirty="0" smtClean="0">
-                <a:latin typeface="Adobe Fan Heiti Std B" pitchFamily="34" charset="-128"/>
-                <a:ea typeface="Adobe Fan Heiti Std B" pitchFamily="34" charset="-128"/>
-              </a:rPr>
-              <a:t>来年度から制作したゲームのデジタル化を予定</a:t>
-            </a:r>
-            <a:endParaRPr kumimoji="1" lang="ja-JP" altLang="en-US" sz="4800" dirty="0">
-              <a:latin typeface="Adobe Fan Heiti Std B" pitchFamily="34" charset="-128"/>
-              <a:ea typeface="Adobe Fan Heiti Std B" pitchFamily="34" charset="-128"/>
-            </a:endParaRPr>
-          </a:p>
-        </p:txBody>
-      </p:sp>
-      <p:sp>
-        <p:nvSpPr>
-          <p:cNvPr id="6" name="テキスト ボックス 5"/>
-          <p:cNvSpPr txBox="1"/>
-          <p:nvPr/>
-        </p:nvSpPr>
-        <p:spPr>
-          <a:xfrm>
-            <a:off x="5076776" y="7669207"/>
-            <a:ext cx="11953328" cy="584775"/>
-          </a:xfrm>
-          <a:prstGeom prst="rect">
-            <a:avLst/>
-          </a:prstGeom>
-          <a:noFill/>
-        </p:spPr>
-        <p:txBody>
-          <a:bodyPr wrap="square" rtlCol="0">
-            <a:spAutoFit/>
-          </a:bodyPr>
-          <a:lstStyle/>
-          <a:p>
-            <a:r>
-              <a:rPr kumimoji="1" lang="ja-JP" altLang="en-US" sz="3200" dirty="0" smtClean="0">
-                <a:latin typeface="Adobe Fan Heiti Std B" pitchFamily="34" charset="-128"/>
-                <a:ea typeface="Adobe Fan Heiti Std B" pitchFamily="34" charset="-128"/>
-              </a:rPr>
-              <a:t>面白いゲームを作るためにゲームデザインについて学ぼう！！</a:t>
-            </a:r>
-            <a:endParaRPr kumimoji="1" lang="ja-JP" altLang="en-US" sz="3200" dirty="0">
-              <a:latin typeface="Adobe Fan Heiti Std B" pitchFamily="34" charset="-128"/>
-              <a:ea typeface="Adobe Fan Heiti Std B" pitchFamily="34" charset="-128"/>
-            </a:endParaRPr>
-          </a:p>
-        </p:txBody>
-      </p:sp>
-      <p:pic>
-        <p:nvPicPr>
-          <p:cNvPr id="7" name="Picture 2" descr="C:\Users\akamatsu\Desktop\困った顔.jpg"/>
-          <p:cNvPicPr>
-            <a:picLocks noChangeAspect="1" noChangeArrowheads="1"/>
-          </p:cNvPicPr>
-          <p:nvPr/>
-        </p:nvPicPr>
-        <p:blipFill>
-          <a:blip r:embed="rId4">
-            <a:extLst>
-              <a:ext uri="{28A0092B-C50C-407E-A947-70E740481C1C}">
-                <a14:useLocalDpi xmlns:a14="http://schemas.microsoft.com/office/drawing/2010/main" val="0"/>
-              </a:ext>
-            </a:extLst>
-          </a:blip>
-          <a:srcRect/>
-          <a:stretch>
-            <a:fillRect/>
-          </a:stretch>
-        </p:blipFill>
-        <p:spPr bwMode="auto">
-          <a:xfrm>
-            <a:off x="1081237" y="2454863"/>
-            <a:ext cx="3679206" cy="2339846"/>
-          </a:xfrm>
-          <a:prstGeom prst="rect">
-            <a:avLst/>
-          </a:prstGeom>
-          <a:noFill/>
-          <a:extLst>
-            <a:ext uri="{909E8E84-426E-40DD-AFC4-6F175D3DCCD1}">
-              <a14:hiddenFill xmlns:a14="http://schemas.microsoft.com/office/drawing/2010/main">
-                <a:solidFill>
-                  <a:srgbClr val="FFFFFF"/>
-                </a:solidFill>
-              </a14:hiddenFill>
-            </a:ext>
-          </a:extLst>
-        </p:spPr>
-      </p:pic>
-      <p:sp>
-        <p:nvSpPr>
-          <p:cNvPr id="8" name="下矢印 7"/>
-          <p:cNvSpPr/>
-          <p:nvPr/>
-        </p:nvSpPr>
-        <p:spPr>
-          <a:xfrm>
-            <a:off x="9146038" y="6427019"/>
-            <a:ext cx="3173633" cy="1152128"/>
-          </a:xfrm>
-          <a:prstGeom prst="downArrow">
-            <a:avLst/>
-          </a:prstGeom>
-          <a:solidFill>
-            <a:srgbClr val="FF9933"/>
-          </a:solidFill>
-        </p:spPr>
-        <p:style>
-          <a:lnRef idx="2">
-            <a:schemeClr val="accent1">
-              <a:shade val="50000"/>
-            </a:schemeClr>
-          </a:lnRef>
-          <a:fillRef idx="1">
-            <a:schemeClr val="accent1"/>
-          </a:fillRef>
-          <a:effectRef idx="0">
-            <a:schemeClr val="accent1"/>
-          </a:effectRef>
-          <a:fontRef idx="minor">
-            <a:schemeClr val="lt1"/>
-          </a:fontRef>
-        </p:style>
-        <p:txBody>
-          <a:bodyPr rtlCol="0" anchor="ctr"/>
-          <a:lstStyle/>
-          <a:p>
-            <a:pPr algn="ctr"/>
-            <a:endParaRPr kumimoji="1" lang="ja-JP" altLang="en-US">
-              <a:solidFill>
-                <a:srgbClr val="FF9933"/>
-              </a:solidFill>
-            </a:endParaRPr>
-          </a:p>
-        </p:txBody>
-      </p:sp>
-      <p:pic>
-        <p:nvPicPr>
-          <p:cNvPr id="9" name="Picture 3" descr="C:\Users\akamatsu\Desktop\41rXBmgxrsL._AA300_.jpg"/>
-          <p:cNvPicPr>
-            <a:picLocks noChangeAspect="1" noChangeArrowheads="1"/>
-          </p:cNvPicPr>
-          <p:nvPr/>
-        </p:nvPicPr>
-        <p:blipFill>
-          <a:blip r:embed="rId5">
-            <a:extLst>
-              <a:ext uri="{28A0092B-C50C-407E-A947-70E740481C1C}">
-                <a14:useLocalDpi xmlns:a14="http://schemas.microsoft.com/office/drawing/2010/main" val="0"/>
-              </a:ext>
-            </a:extLst>
-          </a:blip>
-          <a:srcRect/>
-          <a:stretch>
-            <a:fillRect/>
-          </a:stretch>
-        </p:blipFill>
-        <p:spPr bwMode="auto">
-          <a:xfrm>
-            <a:off x="1119667" y="8292012"/>
+            <a:off x="1047696" y="12439238"/>
             <a:ext cx="2426821" cy="2426821"/>
           </a:xfrm>
           <a:prstGeom prst="rect">
@@ -7376,7 +7268,7 @@
           <p:nvPr/>
         </p:nvPicPr>
         <p:blipFill>
-          <a:blip r:embed="rId6">
+          <a:blip r:embed="rId4">
             <a:extLst>
               <a:ext uri="{28A0092B-C50C-407E-A947-70E740481C1C}">
                 <a14:useLocalDpi xmlns:a14="http://schemas.microsoft.com/office/drawing/2010/main" val="0"/>
@@ -7390,7 +7282,7 @@
         </p:blipFill>
         <p:spPr bwMode="auto">
           <a:xfrm>
-            <a:off x="18389895" y="11287501"/>
+            <a:off x="17596677" y="14876910"/>
             <a:ext cx="2340509" cy="2340509"/>
           </a:xfrm>
           <a:prstGeom prst="rect">
@@ -7416,7 +7308,7 @@
         </p:nvSpPr>
         <p:spPr>
           <a:xfrm>
-            <a:off x="3961462" y="8628259"/>
+            <a:off x="3961462" y="13122584"/>
             <a:ext cx="10369152" cy="1754326"/>
           </a:xfrm>
           <a:prstGeom prst="rect">
@@ -7495,7 +7387,7 @@
         </p:nvSpPr>
         <p:spPr>
           <a:xfrm>
-            <a:off x="13523163" y="9182256"/>
+            <a:off x="13122087" y="13676581"/>
             <a:ext cx="7109639" cy="646331"/>
           </a:xfrm>
           <a:prstGeom prst="rect">
@@ -7531,7 +7423,7 @@
         </p:nvSpPr>
         <p:spPr>
           <a:xfrm>
-            <a:off x="4284688" y="11379736"/>
+            <a:off x="2945249" y="15644043"/>
             <a:ext cx="5519460" cy="1569660"/>
           </a:xfrm>
           <a:prstGeom prst="rect">
@@ -7593,7 +7485,7 @@
         </p:nvSpPr>
         <p:spPr>
           <a:xfrm>
-            <a:off x="3415444" y="10971056"/>
+            <a:off x="2379758" y="15119109"/>
             <a:ext cx="6650441" cy="2387019"/>
           </a:xfrm>
           <a:prstGeom prst="ellipse">
@@ -7639,7 +7531,7 @@
         </p:nvSpPr>
         <p:spPr>
           <a:xfrm>
-            <a:off x="12354865" y="11564402"/>
+            <a:off x="11584170" y="15634066"/>
             <a:ext cx="3877985" cy="1200329"/>
           </a:xfrm>
           <a:prstGeom prst="rect">
@@ -7688,8 +7580,8 @@
         </p:nvSpPr>
         <p:spPr>
           <a:xfrm>
-            <a:off x="11206585" y="11012140"/>
-            <a:ext cx="6307489" cy="2387020"/>
+            <a:off x="10369418" y="15119109"/>
+            <a:ext cx="6307489" cy="2503274"/>
           </a:xfrm>
           <a:prstGeom prst="ellipse">
             <a:avLst/>
@@ -7723,6 +7615,299 @@
           <a:p>
             <a:pPr algn="ctr"/>
             <a:endParaRPr kumimoji="1" lang="ja-JP" altLang="en-US"/>
+          </a:p>
+        </p:txBody>
+      </p:sp>
+      <p:sp>
+        <p:nvSpPr>
+          <p:cNvPr id="11" name="テキスト ボックス 10"/>
+          <p:cNvSpPr txBox="1"/>
+          <p:nvPr/>
+        </p:nvSpPr>
+        <p:spPr>
+          <a:xfrm>
+            <a:off x="9759853" y="8224892"/>
+            <a:ext cx="3467616" cy="2954655"/>
+          </a:xfrm>
+          <a:prstGeom prst="rect">
+            <a:avLst/>
+          </a:prstGeom>
+          <a:noFill/>
+        </p:spPr>
+        <p:txBody>
+          <a:bodyPr wrap="none" rtlCol="0">
+            <a:spAutoFit/>
+          </a:bodyPr>
+          <a:lstStyle/>
+          <a:p>
+            <a:r>
+              <a:rPr lang="ja-JP" altLang="en-US" sz="3200" dirty="0">
+                <a:solidFill>
+                  <a:srgbClr val="FF0000"/>
+                </a:solidFill>
+                <a:latin typeface="Adobe Heiti Std R" pitchFamily="34" charset="-128"/>
+                <a:ea typeface="Adobe Heiti Std R" pitchFamily="34" charset="-128"/>
+              </a:rPr>
+              <a:t>赤</a:t>
+            </a:r>
+            <a:r>
+              <a:rPr lang="ja-JP" altLang="en-US" sz="3200" dirty="0">
+                <a:latin typeface="Adobe Heiti Std R" pitchFamily="34" charset="-128"/>
+                <a:ea typeface="Adobe Heiti Std R" pitchFamily="34" charset="-128"/>
+              </a:rPr>
+              <a:t>：トランプ</a:t>
+            </a:r>
+            <a:endParaRPr lang="en-US" altLang="ja-JP" sz="3200" dirty="0">
+              <a:latin typeface="Adobe Heiti Std R" pitchFamily="34" charset="-128"/>
+              <a:ea typeface="Adobe Heiti Std R" pitchFamily="34" charset="-128"/>
+            </a:endParaRPr>
+          </a:p>
+          <a:p>
+            <a:r>
+              <a:rPr lang="ja-JP" altLang="en-US" sz="3200" dirty="0">
+                <a:solidFill>
+                  <a:srgbClr val="00B0F0"/>
+                </a:solidFill>
+                <a:latin typeface="Adobe Heiti Std R" pitchFamily="34" charset="-128"/>
+                <a:ea typeface="Adobe Heiti Std R" pitchFamily="34" charset="-128"/>
+              </a:rPr>
+              <a:t>水色</a:t>
+            </a:r>
+            <a:r>
+              <a:rPr lang="ja-JP" altLang="en-US" sz="3200" dirty="0">
+                <a:latin typeface="Adobe Heiti Std R" pitchFamily="34" charset="-128"/>
+                <a:ea typeface="Adobe Heiti Std R" pitchFamily="34" charset="-128"/>
+              </a:rPr>
+              <a:t>：ドミニオン</a:t>
+            </a:r>
+            <a:endParaRPr lang="en-US" altLang="ja-JP" sz="3200" dirty="0">
+              <a:latin typeface="Adobe Heiti Std R" pitchFamily="34" charset="-128"/>
+              <a:ea typeface="Adobe Heiti Std R" pitchFamily="34" charset="-128"/>
+            </a:endParaRPr>
+          </a:p>
+          <a:p>
+            <a:r>
+              <a:rPr lang="ja-JP" altLang="en-US" sz="3200" dirty="0">
+                <a:solidFill>
+                  <a:srgbClr val="FF9933"/>
+                </a:solidFill>
+                <a:latin typeface="Adobe Heiti Std R" pitchFamily="34" charset="-128"/>
+                <a:ea typeface="Adobe Heiti Std R" pitchFamily="34" charset="-128"/>
+              </a:rPr>
+              <a:t>橙</a:t>
+            </a:r>
+            <a:r>
+              <a:rPr lang="ja-JP" altLang="en-US" sz="3200" dirty="0">
+                <a:latin typeface="Adobe Heiti Std R" pitchFamily="34" charset="-128"/>
+                <a:ea typeface="Adobe Heiti Std R" pitchFamily="34" charset="-128"/>
+              </a:rPr>
+              <a:t>：人生ゲーム</a:t>
+            </a:r>
+            <a:endParaRPr lang="en-US" altLang="ja-JP" sz="3200" dirty="0">
+              <a:latin typeface="Adobe Heiti Std R" pitchFamily="34" charset="-128"/>
+              <a:ea typeface="Adobe Heiti Std R" pitchFamily="34" charset="-128"/>
+            </a:endParaRPr>
+          </a:p>
+          <a:p>
+            <a:r>
+              <a:rPr lang="ja-JP" altLang="en-US" sz="3200" dirty="0">
+                <a:solidFill>
+                  <a:srgbClr val="92D050"/>
+                </a:solidFill>
+                <a:latin typeface="Adobe Heiti Std R" pitchFamily="34" charset="-128"/>
+                <a:ea typeface="Adobe Heiti Std R" pitchFamily="34" charset="-128"/>
+              </a:rPr>
+              <a:t>緑</a:t>
+            </a:r>
+            <a:r>
+              <a:rPr lang="ja-JP" altLang="en-US" sz="3200" dirty="0">
+                <a:latin typeface="Adobe Heiti Std R" pitchFamily="34" charset="-128"/>
+                <a:ea typeface="Adobe Heiti Std R" pitchFamily="34" charset="-128"/>
+              </a:rPr>
+              <a:t>：カタン</a:t>
+            </a:r>
+          </a:p>
+          <a:p>
+            <a:endParaRPr kumimoji="1" lang="ja-JP" altLang="en-US" dirty="0"/>
+          </a:p>
+        </p:txBody>
+      </p:sp>
+      <p:pic>
+        <p:nvPicPr>
+          <p:cNvPr id="2050" name="Picture 2" descr="C:\Users\akamatsu\Desktop\pmbok_002.jpg"/>
+          <p:cNvPicPr>
+            <a:picLocks noChangeAspect="1" noChangeArrowheads="1"/>
+          </p:cNvPicPr>
+          <p:nvPr/>
+        </p:nvPicPr>
+        <p:blipFill>
+          <a:blip r:embed="rId5">
+            <a:extLst>
+              <a:ext uri="{28A0092B-C50C-407E-A947-70E740481C1C}">
+                <a14:useLocalDpi xmlns:a14="http://schemas.microsoft.com/office/drawing/2010/main" val="0"/>
+              </a:ext>
+            </a:extLst>
+          </a:blip>
+          <a:srcRect/>
+          <a:stretch>
+            <a:fillRect/>
+          </a:stretch>
+        </p:blipFill>
+        <p:spPr bwMode="auto">
+          <a:xfrm>
+            <a:off x="1504320" y="1568564"/>
+            <a:ext cx="7813708" cy="8941141"/>
+          </a:xfrm>
+          <a:prstGeom prst="rect">
+            <a:avLst/>
+          </a:prstGeom>
+          <a:noFill/>
+          <a:extLst>
+            <a:ext uri="{909E8E84-426E-40DD-AFC4-6F175D3DCCD1}">
+              <a14:hiddenFill xmlns:a14="http://schemas.microsoft.com/office/drawing/2010/main">
+                <a:solidFill>
+                  <a:srgbClr val="FFFFFF"/>
+                </a:solidFill>
+              </a14:hiddenFill>
+            </a:ext>
+          </a:extLst>
+        </p:spPr>
+      </p:pic>
+      <p:sp>
+        <p:nvSpPr>
+          <p:cNvPr id="20" name="テキスト ボックス 19"/>
+          <p:cNvSpPr txBox="1"/>
+          <p:nvPr/>
+        </p:nvSpPr>
+        <p:spPr>
+          <a:xfrm>
+            <a:off x="1625522" y="630963"/>
+            <a:ext cx="7571303" cy="646331"/>
+          </a:xfrm>
+          <a:prstGeom prst="rect">
+            <a:avLst/>
+          </a:prstGeom>
+          <a:noFill/>
+        </p:spPr>
+        <p:txBody>
+          <a:bodyPr wrap="none" rtlCol="0">
+            <a:spAutoFit/>
+          </a:bodyPr>
+          <a:lstStyle/>
+          <a:p>
+            <a:r>
+              <a:rPr kumimoji="1" lang="ja-JP" altLang="en-US" sz="3600" dirty="0" smtClean="0">
+                <a:latin typeface="Adobe Heiti Std R" pitchFamily="34" charset="-128"/>
+                <a:ea typeface="Adobe Heiti Std R" pitchFamily="34" charset="-128"/>
+              </a:rPr>
+              <a:t>各ゲームがサポートする知識エリア</a:t>
+            </a:r>
+            <a:endParaRPr kumimoji="1" lang="ja-JP" altLang="en-US" sz="3600" dirty="0">
+              <a:latin typeface="Adobe Heiti Std R" pitchFamily="34" charset="-128"/>
+              <a:ea typeface="Adobe Heiti Std R" pitchFamily="34" charset="-128"/>
+            </a:endParaRPr>
+          </a:p>
+        </p:txBody>
+      </p:sp>
+      <p:sp>
+        <p:nvSpPr>
+          <p:cNvPr id="22" name="テキスト ボックス 21"/>
+          <p:cNvSpPr txBox="1"/>
+          <p:nvPr/>
+        </p:nvSpPr>
+        <p:spPr>
+          <a:xfrm>
+            <a:off x="9774921" y="1928275"/>
+            <a:ext cx="11264622" cy="1200329"/>
+          </a:xfrm>
+          <a:prstGeom prst="rect">
+            <a:avLst/>
+          </a:prstGeom>
+          <a:noFill/>
+        </p:spPr>
+        <p:txBody>
+          <a:bodyPr wrap="none" rtlCol="0">
+            <a:spAutoFit/>
+          </a:bodyPr>
+          <a:lstStyle/>
+          <a:p>
+            <a:pPr algn="ctr"/>
+            <a:r>
+              <a:rPr kumimoji="1" lang="ja-JP" altLang="en-US" sz="3600" dirty="0" smtClean="0">
+                <a:latin typeface="Adobe Heiti Std R" pitchFamily="34" charset="-128"/>
+                <a:ea typeface="Adobe Heiti Std R" pitchFamily="34" charset="-128"/>
+              </a:rPr>
+              <a:t>既存のゲームのままではプロジェクトマネジメントを</a:t>
+            </a:r>
+            <a:endParaRPr kumimoji="1" lang="en-US" altLang="ja-JP" sz="3600" dirty="0" smtClean="0">
+              <a:latin typeface="Adobe Heiti Std R" pitchFamily="34" charset="-128"/>
+              <a:ea typeface="Adobe Heiti Std R" pitchFamily="34" charset="-128"/>
+            </a:endParaRPr>
+          </a:p>
+          <a:p>
+            <a:pPr algn="ctr"/>
+            <a:r>
+              <a:rPr lang="ja-JP" altLang="en-US" sz="3600" dirty="0" smtClean="0">
+                <a:latin typeface="Adobe Heiti Std R" pitchFamily="34" charset="-128"/>
+                <a:ea typeface="Adobe Heiti Std R" pitchFamily="34" charset="-128"/>
+              </a:rPr>
+              <a:t>学習するには不十分</a:t>
+            </a:r>
+            <a:endParaRPr kumimoji="1" lang="ja-JP" altLang="en-US" sz="3600" dirty="0">
+              <a:latin typeface="Adobe Heiti Std R" pitchFamily="34" charset="-128"/>
+              <a:ea typeface="Adobe Heiti Std R" pitchFamily="34" charset="-128"/>
+            </a:endParaRPr>
+          </a:p>
+        </p:txBody>
+      </p:sp>
+      <p:sp>
+        <p:nvSpPr>
+          <p:cNvPr id="25" name="テキスト ボックス 24"/>
+          <p:cNvSpPr txBox="1"/>
+          <p:nvPr/>
+        </p:nvSpPr>
+        <p:spPr>
+          <a:xfrm rot="994705">
+            <a:off x="9550982" y="4850473"/>
+            <a:ext cx="11611618" cy="1754326"/>
+          </a:xfrm>
+          <a:prstGeom prst="rect">
+            <a:avLst/>
+          </a:prstGeom>
+          <a:noFill/>
+        </p:spPr>
+        <p:txBody>
+          <a:bodyPr wrap="square" rtlCol="0">
+            <a:spAutoFit/>
+          </a:bodyPr>
+          <a:lstStyle/>
+          <a:p>
+            <a:pPr algn="ctr"/>
+            <a:r>
+              <a:rPr kumimoji="1" lang="ja-JP" altLang="en-US" sz="5400" dirty="0" smtClean="0">
+                <a:latin typeface="Adobe Heiti Std R" pitchFamily="34" charset="-128"/>
+                <a:ea typeface="Adobe Heiti Std R" pitchFamily="34" charset="-128"/>
+              </a:rPr>
+              <a:t>黒○の部分を新たに取り入れた</a:t>
+            </a:r>
+            <a:endParaRPr kumimoji="1" lang="en-US" altLang="ja-JP" sz="5400" dirty="0" smtClean="0">
+              <a:latin typeface="Adobe Heiti Std R" pitchFamily="34" charset="-128"/>
+              <a:ea typeface="Adobe Heiti Std R" pitchFamily="34" charset="-128"/>
+            </a:endParaRPr>
+          </a:p>
+          <a:p>
+            <a:pPr algn="ctr"/>
+            <a:r>
+              <a:rPr kumimoji="1" lang="ja-JP" altLang="en-US" sz="5400" dirty="0" smtClean="0">
+                <a:latin typeface="Adobe Heiti Std R" pitchFamily="34" charset="-128"/>
+                <a:ea typeface="Adobe Heiti Std R" pitchFamily="34" charset="-128"/>
+              </a:rPr>
+              <a:t>ゲームを制作する！</a:t>
+            </a:r>
+            <a:endParaRPr kumimoji="1" lang="ja-JP" altLang="en-US" sz="5400" dirty="0">
+              <a:latin typeface="Adobe Heiti Std R" pitchFamily="34" charset="-128"/>
+              <a:ea typeface="Adobe Heiti Std R" pitchFamily="34" charset="-128"/>
+            </a:endParaRPr>
           </a:p>
         </p:txBody>
       </p:sp>

--- a/課題研究/2013/赤松佳紀/ポスター　赤松.pptx
+++ b/課題研究/2013/赤松佳紀/ポスター　赤松.pptx
@@ -373,7 +373,7 @@
           <a:p>
             <a:fld id="{CD18CB5A-6947-405F-A94A-52FF85729738}" type="datetimeFigureOut">
               <a:rPr kumimoji="1" lang="ja-JP" altLang="en-US" smtClean="0"/>
-              <a:t>2013/12/11</a:t>
+              <a:t>2013/12/12</a:t>
             </a:fld>
             <a:endParaRPr kumimoji="1" lang="ja-JP" altLang="en-US"/>
           </a:p>
@@ -1016,7 +1016,7 @@
           <a:p>
             <a:fld id="{CD18CB5A-6947-405F-A94A-52FF85729738}" type="datetimeFigureOut">
               <a:rPr kumimoji="1" lang="ja-JP" altLang="en-US" smtClean="0"/>
-              <a:t>2013/12/11</a:t>
+              <a:t>2013/12/12</a:t>
             </a:fld>
             <a:endParaRPr kumimoji="1" lang="ja-JP" altLang="en-US"/>
           </a:p>
@@ -1230,7 +1230,7 @@
           <a:p>
             <a:fld id="{CD18CB5A-6947-405F-A94A-52FF85729738}" type="datetimeFigureOut">
               <a:rPr kumimoji="1" lang="ja-JP" altLang="en-US" smtClean="0"/>
-              <a:t>2013/12/11</a:t>
+              <a:t>2013/12/12</a:t>
             </a:fld>
             <a:endParaRPr kumimoji="1" lang="ja-JP" altLang="en-US"/>
           </a:p>
@@ -1490,7 +1490,7 @@
           <a:p>
             <a:fld id="{CD18CB5A-6947-405F-A94A-52FF85729738}" type="datetimeFigureOut">
               <a:rPr kumimoji="1" lang="ja-JP" altLang="en-US" smtClean="0"/>
-              <a:t>2013/12/11</a:t>
+              <a:t>2013/12/12</a:t>
             </a:fld>
             <a:endParaRPr kumimoji="1" lang="ja-JP" altLang="en-US"/>
           </a:p>
@@ -1744,7 +1744,7 @@
           <a:p>
             <a:fld id="{CD18CB5A-6947-405F-A94A-52FF85729738}" type="datetimeFigureOut">
               <a:rPr kumimoji="1" lang="ja-JP" altLang="en-US" smtClean="0"/>
-              <a:t>2013/12/11</a:t>
+              <a:t>2013/12/12</a:t>
             </a:fld>
             <a:endParaRPr kumimoji="1" lang="ja-JP" altLang="en-US"/>
           </a:p>
@@ -1868,7 +1868,7 @@
           <a:p>
             <a:fld id="{CD18CB5A-6947-405F-A94A-52FF85729738}" type="datetimeFigureOut">
               <a:rPr kumimoji="1" lang="ja-JP" altLang="en-US" smtClean="0"/>
-              <a:t>2013/12/11</a:t>
+              <a:t>2013/12/12</a:t>
             </a:fld>
             <a:endParaRPr kumimoji="1" lang="ja-JP" altLang="en-US"/>
           </a:p>
@@ -2304,7 +2304,7 @@
           <a:p>
             <a:fld id="{CD18CB5A-6947-405F-A94A-52FF85729738}" type="datetimeFigureOut">
               <a:rPr kumimoji="1" lang="ja-JP" altLang="en-US" smtClean="0"/>
-              <a:t>2013/12/11</a:t>
+              <a:t>2013/12/12</a:t>
             </a:fld>
             <a:endParaRPr kumimoji="1" lang="ja-JP" altLang="en-US"/>
           </a:p>
@@ -2606,7 +2606,7 @@
           <a:p>
             <a:fld id="{CD18CB5A-6947-405F-A94A-52FF85729738}" type="datetimeFigureOut">
               <a:rPr kumimoji="1" lang="ja-JP" altLang="en-US" smtClean="0"/>
-              <a:t>2013/12/11</a:t>
+              <a:t>2013/12/12</a:t>
             </a:fld>
             <a:endParaRPr kumimoji="1" lang="ja-JP" altLang="en-US"/>
           </a:p>
@@ -2703,7 +2703,7 @@
           <a:p>
             <a:fld id="{CD18CB5A-6947-405F-A94A-52FF85729738}" type="datetimeFigureOut">
               <a:rPr kumimoji="1" lang="ja-JP" altLang="en-US" smtClean="0"/>
-              <a:t>2013/12/11</a:t>
+              <a:t>2013/12/12</a:t>
             </a:fld>
             <a:endParaRPr kumimoji="1" lang="ja-JP" altLang="en-US"/>
           </a:p>
@@ -3001,7 +3001,7 @@
           <a:p>
             <a:fld id="{CD18CB5A-6947-405F-A94A-52FF85729738}" type="datetimeFigureOut">
               <a:rPr kumimoji="1" lang="ja-JP" altLang="en-US" smtClean="0"/>
-              <a:t>2013/12/11</a:t>
+              <a:t>2013/12/12</a:t>
             </a:fld>
             <a:endParaRPr kumimoji="1" lang="ja-JP" altLang="en-US"/>
           </a:p>
@@ -3272,7 +3272,7 @@
           <a:p>
             <a:fld id="{CD18CB5A-6947-405F-A94A-52FF85729738}" type="datetimeFigureOut">
               <a:rPr kumimoji="1" lang="ja-JP" altLang="en-US" smtClean="0"/>
-              <a:t>2013/12/11</a:t>
+              <a:t>2013/12/12</a:t>
             </a:fld>
             <a:endParaRPr kumimoji="1" lang="ja-JP" altLang="en-US"/>
           </a:p>
@@ -3845,7 +3845,7 @@
           <a:p>
             <a:fld id="{CD18CB5A-6947-405F-A94A-52FF85729738}" type="datetimeFigureOut">
               <a:rPr kumimoji="1" lang="ja-JP" altLang="en-US" smtClean="0"/>
-              <a:t>2013/12/11</a:t>
+              <a:t>2013/12/12</a:t>
             </a:fld>
             <a:endParaRPr kumimoji="1" lang="ja-JP" altLang="en-US"/>
           </a:p>
@@ -4343,7 +4343,7 @@
         </p:nvSpPr>
         <p:spPr>
           <a:xfrm>
-            <a:off x="2130979" y="18879590"/>
+            <a:off x="2130979" y="18065462"/>
             <a:ext cx="18882062" cy="707886"/>
           </a:xfrm>
           <a:prstGeom prst="rect">
@@ -4477,17 +4477,7 @@
                 <a:latin typeface="Adobe Heiti Std R" pitchFamily="34" charset="-128"/>
                 <a:ea typeface="Adobe Heiti Std R" pitchFamily="34" charset="-128"/>
               </a:rPr>
-              <a:t>ゲーム</a:t>
-            </a:r>
-            <a:r>
-              <a:rPr lang="ja-JP" altLang="en-US" sz="7200" b="1" dirty="0" smtClean="0">
-                <a:solidFill>
-                  <a:srgbClr val="0070C0"/>
-                </a:solidFill>
-                <a:latin typeface="Adobe Heiti Std R" pitchFamily="34" charset="-128"/>
-                <a:ea typeface="Adobe Heiti Std R" pitchFamily="34" charset="-128"/>
-              </a:rPr>
-              <a:t>開発</a:t>
+              <a:t>ゲーム開発</a:t>
             </a:r>
             <a:endParaRPr lang="ja-JP" altLang="en-US" sz="7200" b="1" dirty="0">
               <a:solidFill>
@@ -5106,7 +5096,7 @@
         </p:nvSpPr>
         <p:spPr>
           <a:xfrm rot="5400000">
-            <a:off x="3829239" y="12232964"/>
+            <a:off x="3240572" y="12232964"/>
             <a:ext cx="1368152" cy="2160240"/>
           </a:xfrm>
           <a:prstGeom prst="bentUpArrow">
@@ -5154,8 +5144,8 @@
         </p:nvSpPr>
         <p:spPr>
           <a:xfrm>
-            <a:off x="5593435" y="13350829"/>
-            <a:ext cx="15419606" cy="646331"/>
+            <a:off x="5004768" y="13350829"/>
+            <a:ext cx="16091265" cy="646331"/>
           </a:xfrm>
           <a:prstGeom prst="rect">
             <a:avLst/>
@@ -5173,7 +5163,21 @@
                 <a:latin typeface="Adobe Heiti Std R" pitchFamily="34" charset="-128"/>
                 <a:ea typeface="Adobe Heiti Std R" pitchFamily="34" charset="-128"/>
               </a:rPr>
-              <a:t>実際に企業で使われているマネジメントゲームを学生用に応用できないか</a:t>
+              <a:t>実際に企業で使われているマネジメントゲームを</a:t>
+            </a:r>
+            <a:r>
+              <a:rPr kumimoji="1" lang="en-US" altLang="ja-JP" sz="3600" dirty="0" smtClean="0">
+                <a:latin typeface="Adobe Heiti Std R" pitchFamily="34" charset="-128"/>
+                <a:ea typeface="Adobe Heiti Std R" pitchFamily="34" charset="-128"/>
+              </a:rPr>
+              <a:t>PM</a:t>
+            </a:r>
+            <a:r>
+              <a:rPr kumimoji="1" lang="ja-JP" altLang="en-US" sz="3600" dirty="0" smtClean="0">
+                <a:latin typeface="Adobe Heiti Std R" pitchFamily="34" charset="-128"/>
+                <a:ea typeface="Adobe Heiti Std R" pitchFamily="34" charset="-128"/>
+              </a:rPr>
+              <a:t>学習用に応用できないか</a:t>
             </a:r>
             <a:endParaRPr kumimoji="1" lang="ja-JP" altLang="en-US" sz="3600" dirty="0">
               <a:latin typeface="Adobe Heiti Std R" pitchFamily="34" charset="-128"/>
@@ -5321,8 +5325,8 @@
         </p:nvSpPr>
         <p:spPr>
           <a:xfrm>
-            <a:off x="8505148" y="14851955"/>
-            <a:ext cx="4323620" cy="954107"/>
+            <a:off x="8308686" y="14963629"/>
+            <a:ext cx="4405373" cy="830997"/>
           </a:xfrm>
           <a:prstGeom prst="rect">
             <a:avLst/>
@@ -5336,26 +5340,26 @@
           <a:lstStyle/>
           <a:p>
             <a:r>
-              <a:rPr kumimoji="1" lang="ja-JP" altLang="en-US" sz="2800" dirty="0" smtClean="0">
+              <a:rPr kumimoji="1" lang="ja-JP" altLang="en-US" sz="2400" dirty="0" smtClean="0">
                 <a:latin typeface="+mj-ea"/>
                 <a:ea typeface="+mj-ea"/>
               </a:rPr>
-              <a:t>なんだか難しいなぁ・・・</a:t>
-            </a:r>
-            <a:endParaRPr kumimoji="1" lang="en-US" altLang="ja-JP" sz="2800" dirty="0" smtClean="0">
+              <a:t>経営ではなくプロジェクト</a:t>
+            </a:r>
+            <a:endParaRPr kumimoji="1" lang="en-US" altLang="ja-JP" sz="2400" dirty="0" smtClean="0">
               <a:latin typeface="+mj-ea"/>
               <a:ea typeface="+mj-ea"/>
             </a:endParaRPr>
           </a:p>
           <a:p>
             <a:r>
-              <a:rPr kumimoji="1" lang="ja-JP" altLang="en-US" sz="2800" dirty="0" smtClean="0">
+              <a:rPr kumimoji="1" lang="ja-JP" altLang="en-US" sz="2400" dirty="0" smtClean="0">
                 <a:latin typeface="+mj-ea"/>
                 <a:ea typeface="+mj-ea"/>
               </a:rPr>
-              <a:t>もう少し楽しそうならなぁ・・・</a:t>
-            </a:r>
-            <a:endParaRPr kumimoji="1" lang="ja-JP" altLang="en-US" sz="2800" dirty="0">
+              <a:t>マネジメントを学習できればなぁ</a:t>
+            </a:r>
+            <a:endParaRPr kumimoji="1" lang="ja-JP" altLang="en-US" sz="2400" dirty="0">
               <a:latin typeface="+mj-ea"/>
               <a:ea typeface="+mj-ea"/>
             </a:endParaRPr>
@@ -5370,8 +5374,8 @@
         </p:nvSpPr>
         <p:spPr>
           <a:xfrm>
-            <a:off x="2286278" y="18879590"/>
-            <a:ext cx="19164221" cy="707886"/>
+            <a:off x="3014788" y="18065462"/>
+            <a:ext cx="16833454" cy="707886"/>
           </a:xfrm>
           <a:prstGeom prst="rect">
             <a:avLst/>
@@ -5384,12 +5388,41 @@
           </a:bodyPr>
           <a:lstStyle/>
           <a:p>
+            <a:pPr algn="ctr"/>
             <a:r>
               <a:rPr lang="ja-JP" altLang="en-US" sz="4000" dirty="0" smtClean="0">
                 <a:latin typeface="Adobe Heiti Std R" pitchFamily="34" charset="-128"/>
                 <a:ea typeface="Adobe Heiti Std R" pitchFamily="34" charset="-128"/>
               </a:rPr>
-              <a:t>既存の人気の高いゲームにマネジメントの要素を取り入れればいいのではないか？</a:t>
+              <a:t>既存の人気の高いゲーム</a:t>
+            </a:r>
+            <a:r>
+              <a:rPr lang="ja-JP" altLang="en-US" sz="4000" dirty="0" smtClean="0">
+                <a:latin typeface="Adobe Heiti Std R" pitchFamily="34" charset="-128"/>
+                <a:ea typeface="Adobe Heiti Std R" pitchFamily="34" charset="-128"/>
+              </a:rPr>
+              <a:t>に</a:t>
+            </a:r>
+            <a:r>
+              <a:rPr lang="en-US" altLang="ja-JP" sz="4000" dirty="0" smtClean="0">
+                <a:latin typeface="Adobe Heiti Std R" pitchFamily="34" charset="-128"/>
+                <a:ea typeface="Adobe Heiti Std R" pitchFamily="34" charset="-128"/>
+              </a:rPr>
+              <a:t>PM</a:t>
+            </a:r>
+            <a:r>
+              <a:rPr lang="ja-JP" altLang="en-US" sz="4000" dirty="0" smtClean="0">
+                <a:latin typeface="Adobe Heiti Std R" pitchFamily="34" charset="-128"/>
+                <a:ea typeface="Adobe Heiti Std R" pitchFamily="34" charset="-128"/>
+              </a:rPr>
+              <a:t>の</a:t>
+            </a:r>
+            <a:r>
+              <a:rPr lang="ja-JP" altLang="en-US" sz="4000" dirty="0" smtClean="0">
+                <a:latin typeface="Adobe Heiti Std R" pitchFamily="34" charset="-128"/>
+                <a:ea typeface="Adobe Heiti Std R" pitchFamily="34" charset="-128"/>
+              </a:rPr>
+              <a:t>要素を取り入れればいいのではないか？</a:t>
             </a:r>
             <a:endParaRPr kumimoji="1" lang="ja-JP" altLang="en-US" sz="4000" dirty="0">
               <a:latin typeface="Adobe Heiti Std R" pitchFamily="34" charset="-128"/>
@@ -5636,7 +5669,7 @@
         </p:nvSpPr>
         <p:spPr>
           <a:xfrm>
-            <a:off x="1962621" y="26248384"/>
+            <a:off x="2379758" y="26248383"/>
             <a:ext cx="14041560" cy="3024336"/>
           </a:xfrm>
           <a:prstGeom prst="rightArrow">
@@ -5679,7 +5712,7 @@
         </p:nvSpPr>
         <p:spPr>
           <a:xfrm>
-            <a:off x="741337" y="17876291"/>
+            <a:off x="594463" y="20337337"/>
             <a:ext cx="6284093" cy="923330"/>
           </a:xfrm>
           <a:prstGeom prst="rect">
@@ -5723,13 +5756,13 @@
           <p:nvPr>
             <p:extLst>
               <p:ext uri="{D42A27DB-BD31-4B8C-83A1-F6EECF244321}">
-                <p14:modId xmlns:p14="http://schemas.microsoft.com/office/powerpoint/2010/main" val="1236541856"/>
+                <p14:modId xmlns:p14="http://schemas.microsoft.com/office/powerpoint/2010/main" val="433875693"/>
               </p:ext>
             </p:extLst>
           </p:nvPr>
         </p:nvGraphicFramePr>
         <p:xfrm>
-          <a:off x="1388921" y="20756611"/>
+          <a:off x="1486348" y="21974849"/>
           <a:ext cx="17353928" cy="3909939"/>
         </p:xfrm>
         <a:graphic>
@@ -7077,7 +7110,7 @@
         </p:nvSpPr>
         <p:spPr>
           <a:xfrm>
-            <a:off x="1044072" y="19892515"/>
+            <a:off x="1504320" y="21260667"/>
             <a:ext cx="5109091" cy="584775"/>
           </a:xfrm>
           <a:prstGeom prst="rect">
@@ -7128,8 +7161,8 @@
         </p:blipFill>
         <p:spPr bwMode="auto">
           <a:xfrm rot="1453820">
-            <a:off x="16501160" y="25491299"/>
-            <a:ext cx="2193366" cy="4538506"/>
+            <a:off x="17083142" y="26135102"/>
+            <a:ext cx="1898484" cy="3928337"/>
           </a:xfrm>
           <a:prstGeom prst="rect">
             <a:avLst/>
@@ -7154,7 +7187,7 @@
         </p:nvSpPr>
         <p:spPr>
           <a:xfrm>
-            <a:off x="2242724" y="27345053"/>
+            <a:off x="2684549" y="27345053"/>
             <a:ext cx="14150608" cy="830997"/>
           </a:xfrm>
           <a:prstGeom prst="rect">
@@ -7308,8 +7341,8 @@
         </p:nvSpPr>
         <p:spPr>
           <a:xfrm>
-            <a:off x="3961462" y="13122584"/>
-            <a:ext cx="10369152" cy="1754326"/>
+            <a:off x="3338493" y="12763723"/>
+            <a:ext cx="17685255" cy="1261884"/>
           </a:xfrm>
           <a:prstGeom prst="rect">
             <a:avLst/>
@@ -7324,16 +7357,103 @@
           <a:p>
             <a:pPr algn="ctr"/>
             <a:r>
-              <a:rPr kumimoji="1" lang="ja-JP" altLang="en-US" sz="3600" dirty="0" smtClean="0">
-                <a:latin typeface="Adobe Fan Heiti Std B" pitchFamily="34" charset="-128"/>
-                <a:ea typeface="Adobe Fan Heiti Std B" pitchFamily="34" charset="-128"/>
-              </a:rPr>
-              <a:t>「ルールズ・オブ・プレイ」</a:t>
-            </a:r>
-            <a:endParaRPr kumimoji="1" lang="en-US" altLang="ja-JP" sz="3600" dirty="0" smtClean="0">
-              <a:latin typeface="Adobe Fan Heiti Std B" pitchFamily="34" charset="-128"/>
-              <a:ea typeface="Adobe Fan Heiti Std B" pitchFamily="34" charset="-128"/>
-            </a:endParaRPr>
+              <a:rPr lang="ja-JP" altLang="ja-JP" sz="2000" dirty="0">
+                <a:latin typeface="Adobe Heiti Std R" pitchFamily="34" charset="-128"/>
+                <a:ea typeface="Adobe Heiti Std R" pitchFamily="34" charset="-128"/>
+              </a:rPr>
+              <a:t>ケイティ・サレン</a:t>
+            </a:r>
+            <a:r>
+              <a:rPr lang="en-US" altLang="ja-JP" sz="2000" dirty="0">
+                <a:latin typeface="Adobe Heiti Std R" pitchFamily="34" charset="-128"/>
+                <a:ea typeface="Adobe Heiti Std R" pitchFamily="34" charset="-128"/>
+              </a:rPr>
+              <a:t>, </a:t>
+            </a:r>
+            <a:r>
+              <a:rPr lang="ja-JP" altLang="ja-JP" sz="2000" dirty="0">
+                <a:latin typeface="Adobe Heiti Std R" pitchFamily="34" charset="-128"/>
+                <a:ea typeface="Adobe Heiti Std R" pitchFamily="34" charset="-128"/>
+              </a:rPr>
+              <a:t>エリックジマーマン </a:t>
+            </a:r>
+            <a:r>
+              <a:rPr lang="ja-JP" altLang="en-US" sz="2000" dirty="0" smtClean="0">
+                <a:latin typeface="Adobe Heiti Std R" pitchFamily="34" charset="-128"/>
+                <a:ea typeface="Adobe Heiti Std R" pitchFamily="34" charset="-128"/>
+              </a:rPr>
+              <a:t>　著，</a:t>
+            </a:r>
+            <a:r>
+              <a:rPr lang="ja-JP" altLang="ja-JP" sz="2000" dirty="0" smtClean="0">
+                <a:latin typeface="Adobe Heiti Std R" pitchFamily="34" charset="-128"/>
+                <a:ea typeface="Adobe Heiti Std R" pitchFamily="34" charset="-128"/>
+              </a:rPr>
+              <a:t>山本</a:t>
+            </a:r>
+            <a:r>
+              <a:rPr lang="ja-JP" altLang="ja-JP" sz="2000" dirty="0">
+                <a:latin typeface="Adobe Heiti Std R" pitchFamily="34" charset="-128"/>
+                <a:ea typeface="Adobe Heiti Std R" pitchFamily="34" charset="-128"/>
+              </a:rPr>
+              <a:t>貴光　訳</a:t>
+            </a:r>
+            <a:r>
+              <a:rPr lang="en-US" altLang="ja-JP" sz="2000" dirty="0">
+                <a:latin typeface="Adobe Heiti Std R" pitchFamily="34" charset="-128"/>
+                <a:ea typeface="Adobe Heiti Std R" pitchFamily="34" charset="-128"/>
+              </a:rPr>
+              <a:t>. </a:t>
+            </a:r>
+            <a:r>
+              <a:rPr lang="ja-JP" altLang="ja-JP" sz="2000" dirty="0">
+                <a:latin typeface="Adobe Heiti Std R" pitchFamily="34" charset="-128"/>
+                <a:ea typeface="Adobe Heiti Std R" pitchFamily="34" charset="-128"/>
+              </a:rPr>
+              <a:t>ルールズ・オブ・プレイ</a:t>
+            </a:r>
+            <a:r>
+              <a:rPr lang="en-US" altLang="ja-JP" sz="2000" dirty="0">
+                <a:latin typeface="Adobe Heiti Std R" pitchFamily="34" charset="-128"/>
+                <a:ea typeface="Adobe Heiti Std R" pitchFamily="34" charset="-128"/>
+              </a:rPr>
+              <a:t>. </a:t>
+            </a:r>
+            <a:r>
+              <a:rPr lang="ja-JP" altLang="ja-JP" sz="2000" dirty="0">
+                <a:latin typeface="Adobe Heiti Std R" pitchFamily="34" charset="-128"/>
+                <a:ea typeface="Adobe Heiti Std R" pitchFamily="34" charset="-128"/>
+              </a:rPr>
+              <a:t>初版</a:t>
+            </a:r>
+            <a:r>
+              <a:rPr lang="en-US" altLang="ja-JP" sz="2000" dirty="0">
+                <a:latin typeface="Adobe Heiti Std R" pitchFamily="34" charset="-128"/>
+                <a:ea typeface="Adobe Heiti Std R" pitchFamily="34" charset="-128"/>
+              </a:rPr>
+              <a:t>, </a:t>
+            </a:r>
+            <a:r>
+              <a:rPr lang="ja-JP" altLang="ja-JP" sz="2000" dirty="0">
+                <a:latin typeface="Adobe Heiti Std R" pitchFamily="34" charset="-128"/>
+                <a:ea typeface="Adobe Heiti Std R" pitchFamily="34" charset="-128"/>
+              </a:rPr>
+              <a:t>ソフトバンククリエイティブ</a:t>
+            </a:r>
+            <a:r>
+              <a:rPr lang="en-US" altLang="ja-JP" sz="2000" dirty="0">
+                <a:latin typeface="Adobe Heiti Std R" pitchFamily="34" charset="-128"/>
+                <a:ea typeface="Adobe Heiti Std R" pitchFamily="34" charset="-128"/>
+              </a:rPr>
+              <a:t>, </a:t>
+            </a:r>
+            <a:r>
+              <a:rPr lang="en-US" altLang="ja-JP" sz="2000" dirty="0" smtClean="0">
+                <a:latin typeface="Adobe Heiti Std R" pitchFamily="34" charset="-128"/>
+                <a:ea typeface="Adobe Heiti Std R" pitchFamily="34" charset="-128"/>
+              </a:rPr>
+              <a:t>2011/02/07</a:t>
+            </a:r>
           </a:p>
           <a:p>
             <a:pPr algn="ctr"/>
@@ -7352,29 +7472,64 @@
           <a:p>
             <a:pPr algn="ctr"/>
             <a:r>
-              <a:rPr kumimoji="1" lang="ja-JP" altLang="en-US" sz="3600" dirty="0" smtClean="0">
-                <a:latin typeface="Adobe Fan Heiti Std B" pitchFamily="34" charset="-128"/>
-                <a:ea typeface="Adobe Fan Heiti Std B" pitchFamily="34" charset="-128"/>
-              </a:rPr>
-              <a:t>「</a:t>
-            </a:r>
-            <a:r>
-              <a:rPr lang="ja-JP" altLang="en-US" sz="3600" dirty="0">
-                <a:latin typeface="Adobe Fan Heiti Std B" pitchFamily="34" charset="-128"/>
-                <a:ea typeface="Adobe Fan Heiti Std B" pitchFamily="34" charset="-128"/>
-              </a:rPr>
-              <a:t>「レベルアップ」の</a:t>
-            </a:r>
-            <a:r>
-              <a:rPr lang="ja-JP" altLang="en-US" sz="3600" dirty="0" smtClean="0">
-                <a:latin typeface="Adobe Fan Heiti Std B" pitchFamily="34" charset="-128"/>
-                <a:ea typeface="Adobe Fan Heiti Std B" pitchFamily="34" charset="-128"/>
-              </a:rPr>
-              <a:t>ゲームデザイン」</a:t>
-            </a:r>
-            <a:endParaRPr lang="ja-JP" altLang="en-US" sz="3600" dirty="0">
-              <a:latin typeface="Adobe Fan Heiti Std B" pitchFamily="34" charset="-128"/>
-              <a:ea typeface="Adobe Fan Heiti Std B" pitchFamily="34" charset="-128"/>
+              <a:rPr lang="en-US" altLang="ja-JP" sz="2000" dirty="0">
+                <a:latin typeface="Adobe Heiti Std R" pitchFamily="34" charset="-128"/>
+                <a:ea typeface="Adobe Heiti Std R" pitchFamily="34" charset="-128"/>
+              </a:rPr>
+              <a:t>Scott Rogers</a:t>
+            </a:r>
+            <a:r>
+              <a:rPr lang="ja-JP" altLang="en-US" sz="2000" dirty="0">
+                <a:latin typeface="Adobe Heiti Std R" pitchFamily="34" charset="-128"/>
+                <a:ea typeface="Adobe Heiti Std R" pitchFamily="34" charset="-128"/>
+              </a:rPr>
+              <a:t>　</a:t>
+            </a:r>
+            <a:r>
+              <a:rPr lang="ja-JP" altLang="en-US" sz="2000" dirty="0" smtClean="0">
+                <a:latin typeface="Adobe Heiti Std R" pitchFamily="34" charset="-128"/>
+                <a:ea typeface="Adobe Heiti Std R" pitchFamily="34" charset="-128"/>
+              </a:rPr>
+              <a:t>著，塩川 </a:t>
+            </a:r>
+            <a:r>
+              <a:rPr lang="ja-JP" altLang="en-US" sz="2000" dirty="0">
+                <a:latin typeface="Adobe Heiti Std R" pitchFamily="34" charset="-128"/>
+                <a:ea typeface="Adobe Heiti Std R" pitchFamily="34" charset="-128"/>
+              </a:rPr>
+              <a:t>洋介　監</a:t>
+            </a:r>
+            <a:r>
+              <a:rPr lang="ja-JP" altLang="en-US" sz="2000" dirty="0" smtClean="0">
+                <a:latin typeface="Adobe Heiti Std R" pitchFamily="34" charset="-128"/>
+                <a:ea typeface="Adobe Heiti Std R" pitchFamily="34" charset="-128"/>
+              </a:rPr>
+              <a:t>訳，佐藤 </a:t>
+            </a:r>
+            <a:r>
+              <a:rPr lang="ja-JP" altLang="en-US" sz="2000" dirty="0">
+                <a:latin typeface="Adobe Heiti Std R" pitchFamily="34" charset="-128"/>
+                <a:ea typeface="Adobe Heiti Std R" pitchFamily="34" charset="-128"/>
+              </a:rPr>
+              <a:t>理絵子　</a:t>
+            </a:r>
+            <a:r>
+              <a:rPr lang="ja-JP" altLang="en-US" sz="2000" dirty="0" smtClean="0">
+                <a:latin typeface="Adobe Heiti Std R" pitchFamily="34" charset="-128"/>
+                <a:ea typeface="Adobe Heiti Std R" pitchFamily="34" charset="-128"/>
+              </a:rPr>
+              <a:t>訳．レベルアップのゲームデザイン．初版，オライリージャパン，</a:t>
+            </a:r>
+            <a:r>
+              <a:rPr lang="en-US" altLang="ja-JP" sz="2000" dirty="0" smtClean="0">
+                <a:latin typeface="Adobe Heiti Std R" pitchFamily="34" charset="-128"/>
+                <a:ea typeface="Adobe Heiti Std R" pitchFamily="34" charset="-128"/>
+              </a:rPr>
+              <a:t>2012/08/18</a:t>
+            </a:r>
+            <a:endParaRPr lang="ja-JP" altLang="en-US" sz="2000" dirty="0">
+              <a:latin typeface="Adobe Heiti Std R" pitchFamily="34" charset="-128"/>
+              <a:ea typeface="Adobe Heiti Std R" pitchFamily="34" charset="-128"/>
             </a:endParaRPr>
           </a:p>
         </p:txBody>
@@ -7387,8 +7542,8 @@
         </p:nvSpPr>
         <p:spPr>
           <a:xfrm>
-            <a:off x="13122087" y="13676581"/>
-            <a:ext cx="7109639" cy="646331"/>
+            <a:off x="6740242" y="18723307"/>
+            <a:ext cx="13111282" cy="646331"/>
           </a:xfrm>
           <a:prstGeom prst="rect">
             <a:avLst/>
@@ -7406,7 +7561,14 @@
                 <a:latin typeface="Adobe Fan Heiti Std B" pitchFamily="34" charset="-128"/>
                 <a:ea typeface="Adobe Fan Heiti Std B" pitchFamily="34" charset="-128"/>
               </a:rPr>
-              <a:t>からゲームデザインについて学ぶ</a:t>
+              <a:t>などのゲームデザインの書籍から</a:t>
+            </a:r>
+            <a:r>
+              <a:rPr kumimoji="1" lang="ja-JP" altLang="en-US" sz="3600" dirty="0" smtClean="0">
+                <a:latin typeface="Adobe Fan Heiti Std B" pitchFamily="34" charset="-128"/>
+                <a:ea typeface="Adobe Fan Heiti Std B" pitchFamily="34" charset="-128"/>
+              </a:rPr>
+              <a:t>ゲームデザインについて学ぶ</a:t>
             </a:r>
             <a:endParaRPr kumimoji="1" lang="ja-JP" altLang="en-US" sz="3600" dirty="0">
               <a:latin typeface="Adobe Fan Heiti Std B" pitchFamily="34" charset="-128"/>

--- a/課題研究/2013/赤松佳紀/ポスター　赤松.pptx
+++ b/課題研究/2013/赤松佳紀/ポスター　赤松.pptx
@@ -4932,121 +4932,6 @@
       </p:sp>
       <p:sp>
         <p:nvSpPr>
-          <p:cNvPr id="14" name="テキスト ボックス 13"/>
-          <p:cNvSpPr txBox="1"/>
-          <p:nvPr/>
-        </p:nvSpPr>
-        <p:spPr>
-          <a:xfrm>
-            <a:off x="-7596632" y="28605020"/>
-            <a:ext cx="3223959" cy="2308324"/>
-          </a:xfrm>
-          <a:prstGeom prst="rect">
-            <a:avLst/>
-          </a:prstGeom>
-          <a:noFill/>
-        </p:spPr>
-        <p:txBody>
-          <a:bodyPr wrap="none" rtlCol="0">
-            <a:spAutoFit/>
-          </a:bodyPr>
-          <a:lstStyle/>
-          <a:p>
-            <a:r>
-              <a:rPr kumimoji="1" lang="ja-JP" altLang="en-US" sz="3600" dirty="0" smtClean="0">
-                <a:solidFill>
-                  <a:srgbClr val="FF0000"/>
-                </a:solidFill>
-                <a:latin typeface="+mj-ea"/>
-                <a:ea typeface="+mj-ea"/>
-              </a:rPr>
-              <a:t>赤</a:t>
-            </a:r>
-            <a:r>
-              <a:rPr kumimoji="1" lang="ja-JP" altLang="en-US" sz="3600" dirty="0" smtClean="0">
-                <a:latin typeface="+mj-ea"/>
-                <a:ea typeface="+mj-ea"/>
-              </a:rPr>
-              <a:t>：トランプ</a:t>
-            </a:r>
-            <a:endParaRPr kumimoji="1" lang="en-US" altLang="ja-JP" sz="3600" dirty="0" smtClean="0">
-              <a:latin typeface="+mj-ea"/>
-              <a:ea typeface="+mj-ea"/>
-            </a:endParaRPr>
-          </a:p>
-          <a:p>
-            <a:r>
-              <a:rPr lang="ja-JP" altLang="en-US" sz="3600" dirty="0" smtClean="0">
-                <a:solidFill>
-                  <a:srgbClr val="00B0F0"/>
-                </a:solidFill>
-                <a:latin typeface="+mj-ea"/>
-                <a:ea typeface="+mj-ea"/>
-              </a:rPr>
-              <a:t>水色</a:t>
-            </a:r>
-            <a:r>
-              <a:rPr lang="ja-JP" altLang="en-US" sz="3600" dirty="0" smtClean="0">
-                <a:latin typeface="+mj-ea"/>
-                <a:ea typeface="+mj-ea"/>
-              </a:rPr>
-              <a:t>：ドミニオン</a:t>
-            </a:r>
-            <a:endParaRPr lang="en-US" altLang="ja-JP" sz="3600" dirty="0" smtClean="0">
-              <a:latin typeface="+mj-ea"/>
-              <a:ea typeface="+mj-ea"/>
-            </a:endParaRPr>
-          </a:p>
-          <a:p>
-            <a:r>
-              <a:rPr lang="ja-JP" altLang="en-US" sz="3600" dirty="0" smtClean="0">
-                <a:solidFill>
-                  <a:srgbClr val="FF9933"/>
-                </a:solidFill>
-                <a:latin typeface="+mj-ea"/>
-                <a:ea typeface="+mj-ea"/>
-              </a:rPr>
-              <a:t>橙</a:t>
-            </a:r>
-            <a:r>
-              <a:rPr lang="ja-JP" altLang="en-US" sz="3600" dirty="0" smtClean="0">
-                <a:latin typeface="+mj-ea"/>
-                <a:ea typeface="+mj-ea"/>
-              </a:rPr>
-              <a:t>：人生ゲーム</a:t>
-            </a:r>
-            <a:endParaRPr lang="en-US" altLang="ja-JP" sz="3600" dirty="0" smtClean="0">
-              <a:latin typeface="+mj-ea"/>
-              <a:ea typeface="+mj-ea"/>
-            </a:endParaRPr>
-          </a:p>
-          <a:p>
-            <a:r>
-              <a:rPr kumimoji="1" lang="ja-JP" altLang="en-US" sz="3600" dirty="0" smtClean="0">
-                <a:solidFill>
-                  <a:srgbClr val="92D050"/>
-                </a:solidFill>
-                <a:latin typeface="+mj-ea"/>
-                <a:ea typeface="+mj-ea"/>
-              </a:rPr>
-              <a:t>緑</a:t>
-            </a:r>
-            <a:r>
-              <a:rPr kumimoji="1" lang="ja-JP" altLang="en-US" sz="3600" dirty="0" smtClean="0">
-                <a:latin typeface="+mj-ea"/>
-                <a:ea typeface="+mj-ea"/>
-              </a:rPr>
-              <a:t>：カタン</a:t>
-            </a:r>
-            <a:endParaRPr kumimoji="1" lang="ja-JP" altLang="en-US" sz="3600" dirty="0">
-              <a:latin typeface="+mj-ea"/>
-              <a:ea typeface="+mj-ea"/>
-            </a:endParaRPr>
-          </a:p>
-        </p:txBody>
-      </p:sp>
-      <p:sp>
-        <p:nvSpPr>
           <p:cNvPr id="4" name="テキスト ボックス 3"/>
           <p:cNvSpPr txBox="1"/>
           <p:nvPr/>
@@ -5394,14 +5279,7 @@
                 <a:latin typeface="Adobe Heiti Std R" pitchFamily="34" charset="-128"/>
                 <a:ea typeface="Adobe Heiti Std R" pitchFamily="34" charset="-128"/>
               </a:rPr>
-              <a:t>既存の人気の高いゲーム</a:t>
-            </a:r>
-            <a:r>
-              <a:rPr lang="ja-JP" altLang="en-US" sz="4000" dirty="0" smtClean="0">
-                <a:latin typeface="Adobe Heiti Std R" pitchFamily="34" charset="-128"/>
-                <a:ea typeface="Adobe Heiti Std R" pitchFamily="34" charset="-128"/>
-              </a:rPr>
-              <a:t>に</a:t>
+              <a:t>既存の人気の高いゲームに</a:t>
             </a:r>
             <a:r>
               <a:rPr lang="en-US" altLang="ja-JP" sz="4000" dirty="0" smtClean="0">
@@ -5415,14 +5293,7 @@
                 <a:latin typeface="Adobe Heiti Std R" pitchFamily="34" charset="-128"/>
                 <a:ea typeface="Adobe Heiti Std R" pitchFamily="34" charset="-128"/>
               </a:rPr>
-              <a:t>の</a:t>
-            </a:r>
-            <a:r>
-              <a:rPr lang="ja-JP" altLang="en-US" sz="4000" dirty="0" smtClean="0">
-                <a:latin typeface="Adobe Heiti Std R" pitchFamily="34" charset="-128"/>
-                <a:ea typeface="Adobe Heiti Std R" pitchFamily="34" charset="-128"/>
-              </a:rPr>
-              <a:t>要素を取り入れればいいのではないか？</a:t>
+              <a:t>の要素を取り入れればいいのではないか？</a:t>
             </a:r>
             <a:endParaRPr kumimoji="1" lang="ja-JP" altLang="en-US" sz="4000" dirty="0">
               <a:latin typeface="Adobe Heiti Std R" pitchFamily="34" charset="-128"/>
@@ -7561,14 +7432,7 @@
                 <a:latin typeface="Adobe Fan Heiti Std B" pitchFamily="34" charset="-128"/>
                 <a:ea typeface="Adobe Fan Heiti Std B" pitchFamily="34" charset="-128"/>
               </a:rPr>
-              <a:t>などのゲームデザインの書籍から</a:t>
-            </a:r>
-            <a:r>
-              <a:rPr kumimoji="1" lang="ja-JP" altLang="en-US" sz="3600" dirty="0" smtClean="0">
-                <a:latin typeface="Adobe Fan Heiti Std B" pitchFamily="34" charset="-128"/>
-                <a:ea typeface="Adobe Fan Heiti Std B" pitchFamily="34" charset="-128"/>
-              </a:rPr>
-              <a:t>ゲームデザインについて学ぶ</a:t>
+              <a:t>などのゲームデザインの書籍からゲームデザインについて学ぶ</a:t>
             </a:r>
             <a:endParaRPr kumimoji="1" lang="ja-JP" altLang="en-US" sz="3600" dirty="0">
               <a:latin typeface="Adobe Fan Heiti Std B" pitchFamily="34" charset="-128"/>

--- a/課題研究/2013/赤松佳紀/ポスター　赤松.pptx
+++ b/課題研究/2013/赤松佳紀/ポスター　赤松.pptx
@@ -373,7 +373,7 @@
           <a:p>
             <a:fld id="{CD18CB5A-6947-405F-A94A-52FF85729738}" type="datetimeFigureOut">
               <a:rPr kumimoji="1" lang="ja-JP" altLang="en-US" smtClean="0"/>
-              <a:t>2013/12/11</a:t>
+              <a:t>2013/12/12</a:t>
             </a:fld>
             <a:endParaRPr kumimoji="1" lang="ja-JP" altLang="en-US"/>
           </a:p>
@@ -1016,7 +1016,7 @@
           <a:p>
             <a:fld id="{CD18CB5A-6947-405F-A94A-52FF85729738}" type="datetimeFigureOut">
               <a:rPr kumimoji="1" lang="ja-JP" altLang="en-US" smtClean="0"/>
-              <a:t>2013/12/11</a:t>
+              <a:t>2013/12/12</a:t>
             </a:fld>
             <a:endParaRPr kumimoji="1" lang="ja-JP" altLang="en-US"/>
           </a:p>
@@ -1230,7 +1230,7 @@
           <a:p>
             <a:fld id="{CD18CB5A-6947-405F-A94A-52FF85729738}" type="datetimeFigureOut">
               <a:rPr kumimoji="1" lang="ja-JP" altLang="en-US" smtClean="0"/>
-              <a:t>2013/12/11</a:t>
+              <a:t>2013/12/12</a:t>
             </a:fld>
             <a:endParaRPr kumimoji="1" lang="ja-JP" altLang="en-US"/>
           </a:p>
@@ -1490,7 +1490,7 @@
           <a:p>
             <a:fld id="{CD18CB5A-6947-405F-A94A-52FF85729738}" type="datetimeFigureOut">
               <a:rPr kumimoji="1" lang="ja-JP" altLang="en-US" smtClean="0"/>
-              <a:t>2013/12/11</a:t>
+              <a:t>2013/12/12</a:t>
             </a:fld>
             <a:endParaRPr kumimoji="1" lang="ja-JP" altLang="en-US"/>
           </a:p>
@@ -1744,7 +1744,7 @@
           <a:p>
             <a:fld id="{CD18CB5A-6947-405F-A94A-52FF85729738}" type="datetimeFigureOut">
               <a:rPr kumimoji="1" lang="ja-JP" altLang="en-US" smtClean="0"/>
-              <a:t>2013/12/11</a:t>
+              <a:t>2013/12/12</a:t>
             </a:fld>
             <a:endParaRPr kumimoji="1" lang="ja-JP" altLang="en-US"/>
           </a:p>
@@ -1868,7 +1868,7 @@
           <a:p>
             <a:fld id="{CD18CB5A-6947-405F-A94A-52FF85729738}" type="datetimeFigureOut">
               <a:rPr kumimoji="1" lang="ja-JP" altLang="en-US" smtClean="0"/>
-              <a:t>2013/12/11</a:t>
+              <a:t>2013/12/12</a:t>
             </a:fld>
             <a:endParaRPr kumimoji="1" lang="ja-JP" altLang="en-US"/>
           </a:p>
@@ -2304,7 +2304,7 @@
           <a:p>
             <a:fld id="{CD18CB5A-6947-405F-A94A-52FF85729738}" type="datetimeFigureOut">
               <a:rPr kumimoji="1" lang="ja-JP" altLang="en-US" smtClean="0"/>
-              <a:t>2013/12/11</a:t>
+              <a:t>2013/12/12</a:t>
             </a:fld>
             <a:endParaRPr kumimoji="1" lang="ja-JP" altLang="en-US"/>
           </a:p>
@@ -2606,7 +2606,7 @@
           <a:p>
             <a:fld id="{CD18CB5A-6947-405F-A94A-52FF85729738}" type="datetimeFigureOut">
               <a:rPr kumimoji="1" lang="ja-JP" altLang="en-US" smtClean="0"/>
-              <a:t>2013/12/11</a:t>
+              <a:t>2013/12/12</a:t>
             </a:fld>
             <a:endParaRPr kumimoji="1" lang="ja-JP" altLang="en-US"/>
           </a:p>
@@ -2703,7 +2703,7 @@
           <a:p>
             <a:fld id="{CD18CB5A-6947-405F-A94A-52FF85729738}" type="datetimeFigureOut">
               <a:rPr kumimoji="1" lang="ja-JP" altLang="en-US" smtClean="0"/>
-              <a:t>2013/12/11</a:t>
+              <a:t>2013/12/12</a:t>
             </a:fld>
             <a:endParaRPr kumimoji="1" lang="ja-JP" altLang="en-US"/>
           </a:p>
@@ -3001,7 +3001,7 @@
           <a:p>
             <a:fld id="{CD18CB5A-6947-405F-A94A-52FF85729738}" type="datetimeFigureOut">
               <a:rPr kumimoji="1" lang="ja-JP" altLang="en-US" smtClean="0"/>
-              <a:t>2013/12/11</a:t>
+              <a:t>2013/12/12</a:t>
             </a:fld>
             <a:endParaRPr kumimoji="1" lang="ja-JP" altLang="en-US"/>
           </a:p>
@@ -3272,7 +3272,7 @@
           <a:p>
             <a:fld id="{CD18CB5A-6947-405F-A94A-52FF85729738}" type="datetimeFigureOut">
               <a:rPr kumimoji="1" lang="ja-JP" altLang="en-US" smtClean="0"/>
-              <a:t>2013/12/11</a:t>
+              <a:t>2013/12/12</a:t>
             </a:fld>
             <a:endParaRPr kumimoji="1" lang="ja-JP" altLang="en-US"/>
           </a:p>
@@ -3845,7 +3845,7 @@
           <a:p>
             <a:fld id="{CD18CB5A-6947-405F-A94A-52FF85729738}" type="datetimeFigureOut">
               <a:rPr kumimoji="1" lang="ja-JP" altLang="en-US" smtClean="0"/>
-              <a:t>2013/12/11</a:t>
+              <a:t>2013/12/12</a:t>
             </a:fld>
             <a:endParaRPr kumimoji="1" lang="ja-JP" altLang="en-US"/>
           </a:p>
@@ -4343,7 +4343,7 @@
         </p:nvSpPr>
         <p:spPr>
           <a:xfrm>
-            <a:off x="2130979" y="18879590"/>
+            <a:off x="2130979" y="18065462"/>
             <a:ext cx="18882062" cy="707886"/>
           </a:xfrm>
           <a:prstGeom prst="rect">
@@ -4477,17 +4477,7 @@
                 <a:latin typeface="Adobe Heiti Std R" pitchFamily="34" charset="-128"/>
                 <a:ea typeface="Adobe Heiti Std R" pitchFamily="34" charset="-128"/>
               </a:rPr>
-              <a:t>ゲーム</a:t>
-            </a:r>
-            <a:r>
-              <a:rPr lang="ja-JP" altLang="en-US" sz="7200" b="1" dirty="0" smtClean="0">
-                <a:solidFill>
-                  <a:srgbClr val="0070C0"/>
-                </a:solidFill>
-                <a:latin typeface="Adobe Heiti Std R" pitchFamily="34" charset="-128"/>
-                <a:ea typeface="Adobe Heiti Std R" pitchFamily="34" charset="-128"/>
-              </a:rPr>
-              <a:t>開発</a:t>
+              <a:t>ゲーム開発</a:t>
             </a:r>
             <a:endParaRPr lang="ja-JP" altLang="en-US" sz="7200" b="1" dirty="0">
               <a:solidFill>
@@ -4942,121 +4932,6 @@
       </p:sp>
       <p:sp>
         <p:nvSpPr>
-          <p:cNvPr id="14" name="テキスト ボックス 13"/>
-          <p:cNvSpPr txBox="1"/>
-          <p:nvPr/>
-        </p:nvSpPr>
-        <p:spPr>
-          <a:xfrm>
-            <a:off x="-7596632" y="28605020"/>
-            <a:ext cx="3223959" cy="2308324"/>
-          </a:xfrm>
-          <a:prstGeom prst="rect">
-            <a:avLst/>
-          </a:prstGeom>
-          <a:noFill/>
-        </p:spPr>
-        <p:txBody>
-          <a:bodyPr wrap="none" rtlCol="0">
-            <a:spAutoFit/>
-          </a:bodyPr>
-          <a:lstStyle/>
-          <a:p>
-            <a:r>
-              <a:rPr kumimoji="1" lang="ja-JP" altLang="en-US" sz="3600" dirty="0" smtClean="0">
-                <a:solidFill>
-                  <a:srgbClr val="FF0000"/>
-                </a:solidFill>
-                <a:latin typeface="+mj-ea"/>
-                <a:ea typeface="+mj-ea"/>
-              </a:rPr>
-              <a:t>赤</a:t>
-            </a:r>
-            <a:r>
-              <a:rPr kumimoji="1" lang="ja-JP" altLang="en-US" sz="3600" dirty="0" smtClean="0">
-                <a:latin typeface="+mj-ea"/>
-                <a:ea typeface="+mj-ea"/>
-              </a:rPr>
-              <a:t>：トランプ</a:t>
-            </a:r>
-            <a:endParaRPr kumimoji="1" lang="en-US" altLang="ja-JP" sz="3600" dirty="0" smtClean="0">
-              <a:latin typeface="+mj-ea"/>
-              <a:ea typeface="+mj-ea"/>
-            </a:endParaRPr>
-          </a:p>
-          <a:p>
-            <a:r>
-              <a:rPr lang="ja-JP" altLang="en-US" sz="3600" dirty="0" smtClean="0">
-                <a:solidFill>
-                  <a:srgbClr val="00B0F0"/>
-                </a:solidFill>
-                <a:latin typeface="+mj-ea"/>
-                <a:ea typeface="+mj-ea"/>
-              </a:rPr>
-              <a:t>水色</a:t>
-            </a:r>
-            <a:r>
-              <a:rPr lang="ja-JP" altLang="en-US" sz="3600" dirty="0" smtClean="0">
-                <a:latin typeface="+mj-ea"/>
-                <a:ea typeface="+mj-ea"/>
-              </a:rPr>
-              <a:t>：ドミニオン</a:t>
-            </a:r>
-            <a:endParaRPr lang="en-US" altLang="ja-JP" sz="3600" dirty="0" smtClean="0">
-              <a:latin typeface="+mj-ea"/>
-              <a:ea typeface="+mj-ea"/>
-            </a:endParaRPr>
-          </a:p>
-          <a:p>
-            <a:r>
-              <a:rPr lang="ja-JP" altLang="en-US" sz="3600" dirty="0" smtClean="0">
-                <a:solidFill>
-                  <a:srgbClr val="FF9933"/>
-                </a:solidFill>
-                <a:latin typeface="+mj-ea"/>
-                <a:ea typeface="+mj-ea"/>
-              </a:rPr>
-              <a:t>橙</a:t>
-            </a:r>
-            <a:r>
-              <a:rPr lang="ja-JP" altLang="en-US" sz="3600" dirty="0" smtClean="0">
-                <a:latin typeface="+mj-ea"/>
-                <a:ea typeface="+mj-ea"/>
-              </a:rPr>
-              <a:t>：人生ゲーム</a:t>
-            </a:r>
-            <a:endParaRPr lang="en-US" altLang="ja-JP" sz="3600" dirty="0" smtClean="0">
-              <a:latin typeface="+mj-ea"/>
-              <a:ea typeface="+mj-ea"/>
-            </a:endParaRPr>
-          </a:p>
-          <a:p>
-            <a:r>
-              <a:rPr kumimoji="1" lang="ja-JP" altLang="en-US" sz="3600" dirty="0" smtClean="0">
-                <a:solidFill>
-                  <a:srgbClr val="92D050"/>
-                </a:solidFill>
-                <a:latin typeface="+mj-ea"/>
-                <a:ea typeface="+mj-ea"/>
-              </a:rPr>
-              <a:t>緑</a:t>
-            </a:r>
-            <a:r>
-              <a:rPr kumimoji="1" lang="ja-JP" altLang="en-US" sz="3600" dirty="0" smtClean="0">
-                <a:latin typeface="+mj-ea"/>
-                <a:ea typeface="+mj-ea"/>
-              </a:rPr>
-              <a:t>：カタン</a:t>
-            </a:r>
-            <a:endParaRPr kumimoji="1" lang="ja-JP" altLang="en-US" sz="3600" dirty="0">
-              <a:latin typeface="+mj-ea"/>
-              <a:ea typeface="+mj-ea"/>
-            </a:endParaRPr>
-          </a:p>
-        </p:txBody>
-      </p:sp>
-      <p:sp>
-        <p:nvSpPr>
           <p:cNvPr id="4" name="テキスト ボックス 3"/>
           <p:cNvSpPr txBox="1"/>
           <p:nvPr/>
@@ -5106,7 +4981,7 @@
         </p:nvSpPr>
         <p:spPr>
           <a:xfrm rot="5400000">
-            <a:off x="3829239" y="12232964"/>
+            <a:off x="3240572" y="12232964"/>
             <a:ext cx="1368152" cy="2160240"/>
           </a:xfrm>
           <a:prstGeom prst="bentUpArrow">
@@ -5154,8 +5029,8 @@
         </p:nvSpPr>
         <p:spPr>
           <a:xfrm>
-            <a:off x="5593435" y="13350829"/>
-            <a:ext cx="15419606" cy="646331"/>
+            <a:off x="5004768" y="13350829"/>
+            <a:ext cx="16091265" cy="646331"/>
           </a:xfrm>
           <a:prstGeom prst="rect">
             <a:avLst/>
@@ -5173,7 +5048,21 @@
                 <a:latin typeface="Adobe Heiti Std R" pitchFamily="34" charset="-128"/>
                 <a:ea typeface="Adobe Heiti Std R" pitchFamily="34" charset="-128"/>
               </a:rPr>
-              <a:t>実際に企業で使われているマネジメントゲームを学生用に応用できないか</a:t>
+              <a:t>実際に企業で使われているマネジメントゲームを</a:t>
+            </a:r>
+            <a:r>
+              <a:rPr kumimoji="1" lang="en-US" altLang="ja-JP" sz="3600" dirty="0" smtClean="0">
+                <a:latin typeface="Adobe Heiti Std R" pitchFamily="34" charset="-128"/>
+                <a:ea typeface="Adobe Heiti Std R" pitchFamily="34" charset="-128"/>
+              </a:rPr>
+              <a:t>PM</a:t>
+            </a:r>
+            <a:r>
+              <a:rPr kumimoji="1" lang="ja-JP" altLang="en-US" sz="3600" dirty="0" smtClean="0">
+                <a:latin typeface="Adobe Heiti Std R" pitchFamily="34" charset="-128"/>
+                <a:ea typeface="Adobe Heiti Std R" pitchFamily="34" charset="-128"/>
+              </a:rPr>
+              <a:t>学習用に応用できないか</a:t>
             </a:r>
             <a:endParaRPr kumimoji="1" lang="ja-JP" altLang="en-US" sz="3600" dirty="0">
               <a:latin typeface="Adobe Heiti Std R" pitchFamily="34" charset="-128"/>
@@ -5321,8 +5210,8 @@
         </p:nvSpPr>
         <p:spPr>
           <a:xfrm>
-            <a:off x="8505148" y="14851955"/>
-            <a:ext cx="4323620" cy="954107"/>
+            <a:off x="8308686" y="14963629"/>
+            <a:ext cx="4405373" cy="830997"/>
           </a:xfrm>
           <a:prstGeom prst="rect">
             <a:avLst/>
@@ -5336,26 +5225,26 @@
           <a:lstStyle/>
           <a:p>
             <a:r>
-              <a:rPr kumimoji="1" lang="ja-JP" altLang="en-US" sz="2800" dirty="0" smtClean="0">
+              <a:rPr kumimoji="1" lang="ja-JP" altLang="en-US" sz="2400" dirty="0" smtClean="0">
                 <a:latin typeface="+mj-ea"/>
                 <a:ea typeface="+mj-ea"/>
               </a:rPr>
-              <a:t>なんだか難しいなぁ・・・</a:t>
-            </a:r>
-            <a:endParaRPr kumimoji="1" lang="en-US" altLang="ja-JP" sz="2800" dirty="0" smtClean="0">
+              <a:t>経営ではなくプロジェクト</a:t>
+            </a:r>
+            <a:endParaRPr kumimoji="1" lang="en-US" altLang="ja-JP" sz="2400" dirty="0" smtClean="0">
               <a:latin typeface="+mj-ea"/>
               <a:ea typeface="+mj-ea"/>
             </a:endParaRPr>
           </a:p>
           <a:p>
             <a:r>
-              <a:rPr kumimoji="1" lang="ja-JP" altLang="en-US" sz="2800" dirty="0" smtClean="0">
+              <a:rPr kumimoji="1" lang="ja-JP" altLang="en-US" sz="2400" dirty="0" smtClean="0">
                 <a:latin typeface="+mj-ea"/>
                 <a:ea typeface="+mj-ea"/>
               </a:rPr>
-              <a:t>もう少し楽しそうならなぁ・・・</a:t>
-            </a:r>
-            <a:endParaRPr kumimoji="1" lang="ja-JP" altLang="en-US" sz="2800" dirty="0">
+              <a:t>マネジメントを学習できればなぁ</a:t>
+            </a:r>
+            <a:endParaRPr kumimoji="1" lang="ja-JP" altLang="en-US" sz="2400" dirty="0">
               <a:latin typeface="+mj-ea"/>
               <a:ea typeface="+mj-ea"/>
             </a:endParaRPr>
@@ -5370,8 +5259,8 @@
         </p:nvSpPr>
         <p:spPr>
           <a:xfrm>
-            <a:off x="2286278" y="18879590"/>
-            <a:ext cx="19164221" cy="707886"/>
+            <a:off x="3014788" y="18065462"/>
+            <a:ext cx="16833454" cy="707886"/>
           </a:xfrm>
           <a:prstGeom prst="rect">
             <a:avLst/>
@@ -5384,12 +5273,27 @@
           </a:bodyPr>
           <a:lstStyle/>
           <a:p>
+            <a:pPr algn="ctr"/>
             <a:r>
               <a:rPr lang="ja-JP" altLang="en-US" sz="4000" dirty="0" smtClean="0">
                 <a:latin typeface="Adobe Heiti Std R" pitchFamily="34" charset="-128"/>
                 <a:ea typeface="Adobe Heiti Std R" pitchFamily="34" charset="-128"/>
               </a:rPr>
-              <a:t>既存の人気の高いゲームにマネジメントの要素を取り入れればいいのではないか？</a:t>
+              <a:t>既存の人気の高いゲームに</a:t>
+            </a:r>
+            <a:r>
+              <a:rPr lang="en-US" altLang="ja-JP" sz="4000" dirty="0" smtClean="0">
+                <a:latin typeface="Adobe Heiti Std R" pitchFamily="34" charset="-128"/>
+                <a:ea typeface="Adobe Heiti Std R" pitchFamily="34" charset="-128"/>
+              </a:rPr>
+              <a:t>PM</a:t>
+            </a:r>
+            <a:r>
+              <a:rPr lang="ja-JP" altLang="en-US" sz="4000" dirty="0" smtClean="0">
+                <a:latin typeface="Adobe Heiti Std R" pitchFamily="34" charset="-128"/>
+                <a:ea typeface="Adobe Heiti Std R" pitchFamily="34" charset="-128"/>
+              </a:rPr>
+              <a:t>の要素を取り入れればいいのではないか？</a:t>
             </a:r>
             <a:endParaRPr kumimoji="1" lang="ja-JP" altLang="en-US" sz="4000" dirty="0">
               <a:latin typeface="Adobe Heiti Std R" pitchFamily="34" charset="-128"/>
@@ -5636,7 +5540,7 @@
         </p:nvSpPr>
         <p:spPr>
           <a:xfrm>
-            <a:off x="1962621" y="26248384"/>
+            <a:off x="2379758" y="26248383"/>
             <a:ext cx="14041560" cy="3024336"/>
           </a:xfrm>
           <a:prstGeom prst="rightArrow">
@@ -5679,7 +5583,7 @@
         </p:nvSpPr>
         <p:spPr>
           <a:xfrm>
-            <a:off x="741337" y="17876291"/>
+            <a:off x="594463" y="20337337"/>
             <a:ext cx="6284093" cy="923330"/>
           </a:xfrm>
           <a:prstGeom prst="rect">
@@ -5723,13 +5627,13 @@
           <p:nvPr>
             <p:extLst>
               <p:ext uri="{D42A27DB-BD31-4B8C-83A1-F6EECF244321}">
-                <p14:modId xmlns:p14="http://schemas.microsoft.com/office/powerpoint/2010/main" val="1236541856"/>
+                <p14:modId xmlns:p14="http://schemas.microsoft.com/office/powerpoint/2010/main" val="433875693"/>
               </p:ext>
             </p:extLst>
           </p:nvPr>
         </p:nvGraphicFramePr>
         <p:xfrm>
-          <a:off x="1388921" y="20756611"/>
+          <a:off x="1486348" y="21974849"/>
           <a:ext cx="17353928" cy="3909939"/>
         </p:xfrm>
         <a:graphic>
@@ -7077,7 +6981,7 @@
         </p:nvSpPr>
         <p:spPr>
           <a:xfrm>
-            <a:off x="1044072" y="19892515"/>
+            <a:off x="1504320" y="21260667"/>
             <a:ext cx="5109091" cy="584775"/>
           </a:xfrm>
           <a:prstGeom prst="rect">
@@ -7128,8 +7032,8 @@
         </p:blipFill>
         <p:spPr bwMode="auto">
           <a:xfrm rot="1453820">
-            <a:off x="16501160" y="25491299"/>
-            <a:ext cx="2193366" cy="4538506"/>
+            <a:off x="17083142" y="26135102"/>
+            <a:ext cx="1898484" cy="3928337"/>
           </a:xfrm>
           <a:prstGeom prst="rect">
             <a:avLst/>
@@ -7154,7 +7058,7 @@
         </p:nvSpPr>
         <p:spPr>
           <a:xfrm>
-            <a:off x="2242724" y="27345053"/>
+            <a:off x="2684549" y="27345053"/>
             <a:ext cx="14150608" cy="830997"/>
           </a:xfrm>
           <a:prstGeom prst="rect">
@@ -7308,8 +7212,8 @@
         </p:nvSpPr>
         <p:spPr>
           <a:xfrm>
-            <a:off x="3961462" y="13122584"/>
-            <a:ext cx="10369152" cy="1754326"/>
+            <a:off x="3338493" y="12763723"/>
+            <a:ext cx="17685255" cy="1261884"/>
           </a:xfrm>
           <a:prstGeom prst="rect">
             <a:avLst/>
@@ -7324,16 +7228,103 @@
           <a:p>
             <a:pPr algn="ctr"/>
             <a:r>
-              <a:rPr kumimoji="1" lang="ja-JP" altLang="en-US" sz="3600" dirty="0" smtClean="0">
-                <a:latin typeface="Adobe Fan Heiti Std B" pitchFamily="34" charset="-128"/>
-                <a:ea typeface="Adobe Fan Heiti Std B" pitchFamily="34" charset="-128"/>
+              <a:rPr lang="ja-JP" altLang="ja-JP" sz="2000" dirty="0">
+                <a:latin typeface="Adobe Heiti Std R" pitchFamily="34" charset="-128"/>
+                <a:ea typeface="Adobe Heiti Std R" pitchFamily="34" charset="-128"/>
               </a:rPr>
-              <a:t>「ルールズ・オブ・プレイ」</a:t>
-            </a:r>
-            <a:endParaRPr kumimoji="1" lang="en-US" altLang="ja-JP" sz="3600" dirty="0" smtClean="0">
-              <a:latin typeface="Adobe Fan Heiti Std B" pitchFamily="34" charset="-128"/>
-              <a:ea typeface="Adobe Fan Heiti Std B" pitchFamily="34" charset="-128"/>
-            </a:endParaRPr>
+              <a:t>ケイティ・サレン</a:t>
+            </a:r>
+            <a:r>
+              <a:rPr lang="en-US" altLang="ja-JP" sz="2000" dirty="0">
+                <a:latin typeface="Adobe Heiti Std R" pitchFamily="34" charset="-128"/>
+                <a:ea typeface="Adobe Heiti Std R" pitchFamily="34" charset="-128"/>
+              </a:rPr>
+              <a:t>, </a:t>
+            </a:r>
+            <a:r>
+              <a:rPr lang="ja-JP" altLang="ja-JP" sz="2000" dirty="0">
+                <a:latin typeface="Adobe Heiti Std R" pitchFamily="34" charset="-128"/>
+                <a:ea typeface="Adobe Heiti Std R" pitchFamily="34" charset="-128"/>
+              </a:rPr>
+              <a:t>エリックジマーマン </a:t>
+            </a:r>
+            <a:r>
+              <a:rPr lang="ja-JP" altLang="en-US" sz="2000" dirty="0" smtClean="0">
+                <a:latin typeface="Adobe Heiti Std R" pitchFamily="34" charset="-128"/>
+                <a:ea typeface="Adobe Heiti Std R" pitchFamily="34" charset="-128"/>
+              </a:rPr>
+              <a:t>　著，</a:t>
+            </a:r>
+            <a:r>
+              <a:rPr lang="ja-JP" altLang="ja-JP" sz="2000" dirty="0" smtClean="0">
+                <a:latin typeface="Adobe Heiti Std R" pitchFamily="34" charset="-128"/>
+                <a:ea typeface="Adobe Heiti Std R" pitchFamily="34" charset="-128"/>
+              </a:rPr>
+              <a:t>山本</a:t>
+            </a:r>
+            <a:r>
+              <a:rPr lang="ja-JP" altLang="ja-JP" sz="2000" dirty="0">
+                <a:latin typeface="Adobe Heiti Std R" pitchFamily="34" charset="-128"/>
+                <a:ea typeface="Adobe Heiti Std R" pitchFamily="34" charset="-128"/>
+              </a:rPr>
+              <a:t>貴光　訳</a:t>
+            </a:r>
+            <a:r>
+              <a:rPr lang="en-US" altLang="ja-JP" sz="2000" dirty="0">
+                <a:latin typeface="Adobe Heiti Std R" pitchFamily="34" charset="-128"/>
+                <a:ea typeface="Adobe Heiti Std R" pitchFamily="34" charset="-128"/>
+              </a:rPr>
+              <a:t>. </a:t>
+            </a:r>
+            <a:r>
+              <a:rPr lang="ja-JP" altLang="ja-JP" sz="2000" dirty="0">
+                <a:latin typeface="Adobe Heiti Std R" pitchFamily="34" charset="-128"/>
+                <a:ea typeface="Adobe Heiti Std R" pitchFamily="34" charset="-128"/>
+              </a:rPr>
+              <a:t>ルールズ・オブ・プレイ</a:t>
+            </a:r>
+            <a:r>
+              <a:rPr lang="en-US" altLang="ja-JP" sz="2000" dirty="0">
+                <a:latin typeface="Adobe Heiti Std R" pitchFamily="34" charset="-128"/>
+                <a:ea typeface="Adobe Heiti Std R" pitchFamily="34" charset="-128"/>
+              </a:rPr>
+              <a:t>. </a:t>
+            </a:r>
+            <a:r>
+              <a:rPr lang="ja-JP" altLang="ja-JP" sz="2000" dirty="0">
+                <a:latin typeface="Adobe Heiti Std R" pitchFamily="34" charset="-128"/>
+                <a:ea typeface="Adobe Heiti Std R" pitchFamily="34" charset="-128"/>
+              </a:rPr>
+              <a:t>初版</a:t>
+            </a:r>
+            <a:r>
+              <a:rPr lang="en-US" altLang="ja-JP" sz="2000" dirty="0">
+                <a:latin typeface="Adobe Heiti Std R" pitchFamily="34" charset="-128"/>
+                <a:ea typeface="Adobe Heiti Std R" pitchFamily="34" charset="-128"/>
+              </a:rPr>
+              <a:t>, </a:t>
+            </a:r>
+            <a:r>
+              <a:rPr lang="ja-JP" altLang="ja-JP" sz="2000" dirty="0">
+                <a:latin typeface="Adobe Heiti Std R" pitchFamily="34" charset="-128"/>
+                <a:ea typeface="Adobe Heiti Std R" pitchFamily="34" charset="-128"/>
+              </a:rPr>
+              <a:t>ソフトバンククリエイティブ</a:t>
+            </a:r>
+            <a:r>
+              <a:rPr lang="en-US" altLang="ja-JP" sz="2000" dirty="0">
+                <a:latin typeface="Adobe Heiti Std R" pitchFamily="34" charset="-128"/>
+                <a:ea typeface="Adobe Heiti Std R" pitchFamily="34" charset="-128"/>
+              </a:rPr>
+              <a:t>, </a:t>
+            </a:r>
+            <a:r>
+              <a:rPr lang="en-US" altLang="ja-JP" sz="2000" dirty="0" smtClean="0">
+                <a:latin typeface="Adobe Heiti Std R" pitchFamily="34" charset="-128"/>
+                <a:ea typeface="Adobe Heiti Std R" pitchFamily="34" charset="-128"/>
+              </a:rPr>
+              <a:t>2011/02/07</a:t>
+            </a:r>
           </a:p>
           <a:p>
             <a:pPr algn="ctr"/>
@@ -7352,29 +7343,64 @@
           <a:p>
             <a:pPr algn="ctr"/>
             <a:r>
-              <a:rPr kumimoji="1" lang="ja-JP" altLang="en-US" sz="3600" dirty="0" smtClean="0">
-                <a:latin typeface="Adobe Fan Heiti Std B" pitchFamily="34" charset="-128"/>
-                <a:ea typeface="Adobe Fan Heiti Std B" pitchFamily="34" charset="-128"/>
+              <a:rPr lang="en-US" altLang="ja-JP" sz="2000" dirty="0">
+                <a:latin typeface="Adobe Heiti Std R" pitchFamily="34" charset="-128"/>
+                <a:ea typeface="Adobe Heiti Std R" pitchFamily="34" charset="-128"/>
               </a:rPr>
-              <a:t>「</a:t>
-            </a:r>
-            <a:r>
-              <a:rPr lang="ja-JP" altLang="en-US" sz="3600" dirty="0">
-                <a:latin typeface="Adobe Fan Heiti Std B" pitchFamily="34" charset="-128"/>
-                <a:ea typeface="Adobe Fan Heiti Std B" pitchFamily="34" charset="-128"/>
+              <a:t>Scott Rogers</a:t>
+            </a:r>
+            <a:r>
+              <a:rPr lang="ja-JP" altLang="en-US" sz="2000" dirty="0">
+                <a:latin typeface="Adobe Heiti Std R" pitchFamily="34" charset="-128"/>
+                <a:ea typeface="Adobe Heiti Std R" pitchFamily="34" charset="-128"/>
               </a:rPr>
-              <a:t>「レベルアップ」の</a:t>
-            </a:r>
-            <a:r>
-              <a:rPr lang="ja-JP" altLang="en-US" sz="3600" dirty="0" smtClean="0">
-                <a:latin typeface="Adobe Fan Heiti Std B" pitchFamily="34" charset="-128"/>
-                <a:ea typeface="Adobe Fan Heiti Std B" pitchFamily="34" charset="-128"/>
+              <a:t>　</a:t>
+            </a:r>
+            <a:r>
+              <a:rPr lang="ja-JP" altLang="en-US" sz="2000" dirty="0" smtClean="0">
+                <a:latin typeface="Adobe Heiti Std R" pitchFamily="34" charset="-128"/>
+                <a:ea typeface="Adobe Heiti Std R" pitchFamily="34" charset="-128"/>
               </a:rPr>
-              <a:t>ゲームデザイン」</a:t>
-            </a:r>
-            <a:endParaRPr lang="ja-JP" altLang="en-US" sz="3600" dirty="0">
-              <a:latin typeface="Adobe Fan Heiti Std B" pitchFamily="34" charset="-128"/>
-              <a:ea typeface="Adobe Fan Heiti Std B" pitchFamily="34" charset="-128"/>
+              <a:t>著，塩川 </a:t>
+            </a:r>
+            <a:r>
+              <a:rPr lang="ja-JP" altLang="en-US" sz="2000" dirty="0">
+                <a:latin typeface="Adobe Heiti Std R" pitchFamily="34" charset="-128"/>
+                <a:ea typeface="Adobe Heiti Std R" pitchFamily="34" charset="-128"/>
+              </a:rPr>
+              <a:t>洋介　監</a:t>
+            </a:r>
+            <a:r>
+              <a:rPr lang="ja-JP" altLang="en-US" sz="2000" dirty="0" smtClean="0">
+                <a:latin typeface="Adobe Heiti Std R" pitchFamily="34" charset="-128"/>
+                <a:ea typeface="Adobe Heiti Std R" pitchFamily="34" charset="-128"/>
+              </a:rPr>
+              <a:t>訳，佐藤 </a:t>
+            </a:r>
+            <a:r>
+              <a:rPr lang="ja-JP" altLang="en-US" sz="2000" dirty="0">
+                <a:latin typeface="Adobe Heiti Std R" pitchFamily="34" charset="-128"/>
+                <a:ea typeface="Adobe Heiti Std R" pitchFamily="34" charset="-128"/>
+              </a:rPr>
+              <a:t>理絵子　</a:t>
+            </a:r>
+            <a:r>
+              <a:rPr lang="ja-JP" altLang="en-US" sz="2000" dirty="0" smtClean="0">
+                <a:latin typeface="Adobe Heiti Std R" pitchFamily="34" charset="-128"/>
+                <a:ea typeface="Adobe Heiti Std R" pitchFamily="34" charset="-128"/>
+              </a:rPr>
+              <a:t>訳．レベルアップのゲームデザイン．初版，オライリージャパン，</a:t>
+            </a:r>
+            <a:r>
+              <a:rPr lang="en-US" altLang="ja-JP" sz="2000" dirty="0" smtClean="0">
+                <a:latin typeface="Adobe Heiti Std R" pitchFamily="34" charset="-128"/>
+                <a:ea typeface="Adobe Heiti Std R" pitchFamily="34" charset="-128"/>
+              </a:rPr>
+              <a:t>2012/08/18</a:t>
+            </a:r>
+            <a:endParaRPr lang="ja-JP" altLang="en-US" sz="2000" dirty="0">
+              <a:latin typeface="Adobe Heiti Std R" pitchFamily="34" charset="-128"/>
+              <a:ea typeface="Adobe Heiti Std R" pitchFamily="34" charset="-128"/>
             </a:endParaRPr>
           </a:p>
         </p:txBody>
@@ -7387,8 +7413,8 @@
         </p:nvSpPr>
         <p:spPr>
           <a:xfrm>
-            <a:off x="13122087" y="13676581"/>
-            <a:ext cx="7109639" cy="646331"/>
+            <a:off x="6740242" y="18723307"/>
+            <a:ext cx="13111282" cy="646331"/>
           </a:xfrm>
           <a:prstGeom prst="rect">
             <a:avLst/>
@@ -7406,7 +7432,7 @@
                 <a:latin typeface="Adobe Fan Heiti Std B" pitchFamily="34" charset="-128"/>
                 <a:ea typeface="Adobe Fan Heiti Std B" pitchFamily="34" charset="-128"/>
               </a:rPr>
-              <a:t>からゲームデザインについて学ぶ</a:t>
+              <a:t>などのゲームデザインの書籍からゲームデザインについて学ぶ</a:t>
             </a:r>
             <a:endParaRPr kumimoji="1" lang="ja-JP" altLang="en-US" sz="3600" dirty="0">
               <a:latin typeface="Adobe Fan Heiti Std B" pitchFamily="34" charset="-128"/>
